--- a/COMPUTER NETWORK YAEL MAE TULAGAN.pptx
+++ b/COMPUTER NETWORK YAEL MAE TULAGAN.pptx
@@ -7,70 +7,79 @@
   <p:sldIdLst>
     <p:sldId id="256" r:id="rId2"/>
     <p:sldId id="261" r:id="rId3"/>
-    <p:sldId id="257" r:id="rId4"/>
-    <p:sldId id="258" r:id="rId5"/>
-    <p:sldId id="259" r:id="rId6"/>
-    <p:sldId id="260" r:id="rId7"/>
-    <p:sldId id="262" r:id="rId8"/>
-    <p:sldId id="263" r:id="rId9"/>
-    <p:sldId id="264" r:id="rId10"/>
-    <p:sldId id="265" r:id="rId11"/>
-    <p:sldId id="266" r:id="rId12"/>
-    <p:sldId id="267" r:id="rId13"/>
-    <p:sldId id="269" r:id="rId14"/>
-    <p:sldId id="268" r:id="rId15"/>
-    <p:sldId id="270" r:id="rId16"/>
-    <p:sldId id="271" r:id="rId17"/>
-    <p:sldId id="272" r:id="rId18"/>
-    <p:sldId id="273" r:id="rId19"/>
-    <p:sldId id="274" r:id="rId20"/>
-    <p:sldId id="275" r:id="rId21"/>
-    <p:sldId id="276" r:id="rId22"/>
-    <p:sldId id="277" r:id="rId23"/>
-    <p:sldId id="278" r:id="rId24"/>
-    <p:sldId id="279" r:id="rId25"/>
-    <p:sldId id="280" r:id="rId26"/>
-    <p:sldId id="281" r:id="rId27"/>
-    <p:sldId id="282" r:id="rId28"/>
-    <p:sldId id="283" r:id="rId29"/>
-    <p:sldId id="284" r:id="rId30"/>
-    <p:sldId id="313" r:id="rId31"/>
-    <p:sldId id="314" r:id="rId32"/>
-    <p:sldId id="288" r:id="rId33"/>
-    <p:sldId id="315" r:id="rId34"/>
-    <p:sldId id="316" r:id="rId35"/>
-    <p:sldId id="289" r:id="rId36"/>
-    <p:sldId id="317" r:id="rId37"/>
-    <p:sldId id="318" r:id="rId38"/>
-    <p:sldId id="290" r:id="rId39"/>
-    <p:sldId id="319" r:id="rId40"/>
-    <p:sldId id="320" r:id="rId41"/>
-    <p:sldId id="321" r:id="rId42"/>
-    <p:sldId id="291" r:id="rId43"/>
-    <p:sldId id="322" r:id="rId44"/>
-    <p:sldId id="323" r:id="rId45"/>
-    <p:sldId id="293" r:id="rId46"/>
-    <p:sldId id="287" r:id="rId47"/>
-    <p:sldId id="292" r:id="rId48"/>
-    <p:sldId id="294" r:id="rId49"/>
-    <p:sldId id="295" r:id="rId50"/>
-    <p:sldId id="296" r:id="rId51"/>
-    <p:sldId id="297" r:id="rId52"/>
-    <p:sldId id="298" r:id="rId53"/>
-    <p:sldId id="299" r:id="rId54"/>
-    <p:sldId id="300" r:id="rId55"/>
-    <p:sldId id="301" r:id="rId56"/>
-    <p:sldId id="302" r:id="rId57"/>
-    <p:sldId id="307" r:id="rId58"/>
-    <p:sldId id="303" r:id="rId59"/>
-    <p:sldId id="308" r:id="rId60"/>
-    <p:sldId id="304" r:id="rId61"/>
-    <p:sldId id="324" r:id="rId62"/>
-    <p:sldId id="309" r:id="rId63"/>
-    <p:sldId id="305" r:id="rId64"/>
-    <p:sldId id="306" r:id="rId65"/>
-    <p:sldId id="310" r:id="rId66"/>
-    <p:sldId id="311" r:id="rId67"/>
+    <p:sldId id="327" r:id="rId4"/>
+    <p:sldId id="257" r:id="rId5"/>
+    <p:sldId id="258" r:id="rId6"/>
+    <p:sldId id="259" r:id="rId7"/>
+    <p:sldId id="326" r:id="rId8"/>
+    <p:sldId id="260" r:id="rId9"/>
+    <p:sldId id="262" r:id="rId10"/>
+    <p:sldId id="263" r:id="rId11"/>
+    <p:sldId id="264" r:id="rId12"/>
+    <p:sldId id="328" r:id="rId13"/>
+    <p:sldId id="265" r:id="rId14"/>
+    <p:sldId id="266" r:id="rId15"/>
+    <p:sldId id="267" r:id="rId16"/>
+    <p:sldId id="329" r:id="rId17"/>
+    <p:sldId id="269" r:id="rId18"/>
+    <p:sldId id="330" r:id="rId19"/>
+    <p:sldId id="268" r:id="rId20"/>
+    <p:sldId id="331" r:id="rId21"/>
+    <p:sldId id="270" r:id="rId22"/>
+    <p:sldId id="332" r:id="rId23"/>
+    <p:sldId id="271" r:id="rId24"/>
+    <p:sldId id="333" r:id="rId25"/>
+    <p:sldId id="272" r:id="rId26"/>
+    <p:sldId id="334" r:id="rId27"/>
+    <p:sldId id="273" r:id="rId28"/>
+    <p:sldId id="274" r:id="rId29"/>
+    <p:sldId id="275" r:id="rId30"/>
+    <p:sldId id="276" r:id="rId31"/>
+    <p:sldId id="277" r:id="rId32"/>
+    <p:sldId id="278" r:id="rId33"/>
+    <p:sldId id="279" r:id="rId34"/>
+    <p:sldId id="280" r:id="rId35"/>
+    <p:sldId id="281" r:id="rId36"/>
+    <p:sldId id="282" r:id="rId37"/>
+    <p:sldId id="283" r:id="rId38"/>
+    <p:sldId id="284" r:id="rId39"/>
+    <p:sldId id="313" r:id="rId40"/>
+    <p:sldId id="314" r:id="rId41"/>
+    <p:sldId id="288" r:id="rId42"/>
+    <p:sldId id="315" r:id="rId43"/>
+    <p:sldId id="316" r:id="rId44"/>
+    <p:sldId id="289" r:id="rId45"/>
+    <p:sldId id="317" r:id="rId46"/>
+    <p:sldId id="318" r:id="rId47"/>
+    <p:sldId id="290" r:id="rId48"/>
+    <p:sldId id="319" r:id="rId49"/>
+    <p:sldId id="320" r:id="rId50"/>
+    <p:sldId id="321" r:id="rId51"/>
+    <p:sldId id="291" r:id="rId52"/>
+    <p:sldId id="322" r:id="rId53"/>
+    <p:sldId id="323" r:id="rId54"/>
+    <p:sldId id="293" r:id="rId55"/>
+    <p:sldId id="287" r:id="rId56"/>
+    <p:sldId id="292" r:id="rId57"/>
+    <p:sldId id="294" r:id="rId58"/>
+    <p:sldId id="295" r:id="rId59"/>
+    <p:sldId id="296" r:id="rId60"/>
+    <p:sldId id="297" r:id="rId61"/>
+    <p:sldId id="298" r:id="rId62"/>
+    <p:sldId id="299" r:id="rId63"/>
+    <p:sldId id="300" r:id="rId64"/>
+    <p:sldId id="301" r:id="rId65"/>
+    <p:sldId id="302" r:id="rId66"/>
+    <p:sldId id="307" r:id="rId67"/>
+    <p:sldId id="303" r:id="rId68"/>
+    <p:sldId id="308" r:id="rId69"/>
+    <p:sldId id="304" r:id="rId70"/>
+    <p:sldId id="324" r:id="rId71"/>
+    <p:sldId id="309" r:id="rId72"/>
+    <p:sldId id="305" r:id="rId73"/>
+    <p:sldId id="306" r:id="rId74"/>
+    <p:sldId id="310" r:id="rId75"/>
+    <p:sldId id="311" r:id="rId76"/>
   </p:sldIdLst>
   <p:sldSz cx="12192000" cy="6858000"/>
   <p:notesSz cx="6858000" cy="9144000"/>
@@ -181,11 +190,42 @@
 <pc:chgInfo xmlns:a="http://schemas.openxmlformats.org/drawingml/2006/main" xmlns:r="http://schemas.openxmlformats.org/officeDocument/2006/relationships" xmlns:ac="http://schemas.microsoft.com/office/drawing/2013/main/command" xmlns:pc="http://schemas.microsoft.com/office/powerpoint/2013/main/command">
   <pc:docChgLst>
     <pc:chgData name="joannamae juyad" userId="44f0f1edfb01b7c4" providerId="LiveId" clId="{224AC692-7AC0-4477-841E-D567F91E73DA}"/>
-    <pc:docChg chg="modSld">
-      <pc:chgData name="joannamae juyad" userId="44f0f1edfb01b7c4" providerId="LiveId" clId="{224AC692-7AC0-4477-841E-D567F91E73DA}" dt="2023-01-03T10:50:51.756" v="5" actId="14100"/>
+    <pc:docChg chg="custSel addSld delSld modSld sldOrd">
+      <pc:chgData name="joannamae juyad" userId="44f0f1edfb01b7c4" providerId="LiveId" clId="{224AC692-7AC0-4477-841E-D567F91E73DA}" dt="2023-01-03T12:39:36.347" v="1235" actId="403"/>
       <pc:docMkLst>
         <pc:docMk/>
       </pc:docMkLst>
+      <pc:sldChg chg="addSp modSp mod modClrScheme chgLayout">
+        <pc:chgData name="joannamae juyad" userId="44f0f1edfb01b7c4" providerId="LiveId" clId="{224AC692-7AC0-4477-841E-D567F91E73DA}" dt="2023-01-03T11:40:33.430" v="147" actId="14100"/>
+        <pc:sldMkLst>
+          <pc:docMk/>
+          <pc:sldMk cId="2038337641" sldId="256"/>
+        </pc:sldMkLst>
+        <pc:spChg chg="add mod ord">
+          <ac:chgData name="joannamae juyad" userId="44f0f1edfb01b7c4" providerId="LiveId" clId="{224AC692-7AC0-4477-841E-D567F91E73DA}" dt="2023-01-03T11:40:33.430" v="147" actId="14100"/>
+          <ac:spMkLst>
+            <pc:docMk/>
+            <pc:sldMk cId="2038337641" sldId="256"/>
+            <ac:spMk id="2" creationId="{60221771-4827-D9A5-0B2F-0ED2327DB04F}"/>
+          </ac:spMkLst>
+        </pc:spChg>
+        <pc:spChg chg="mod ord">
+          <ac:chgData name="joannamae juyad" userId="44f0f1edfb01b7c4" providerId="LiveId" clId="{224AC692-7AC0-4477-841E-D567F91E73DA}" dt="2023-01-03T11:32:27.421" v="9" actId="27636"/>
+          <ac:spMkLst>
+            <pc:docMk/>
+            <pc:sldMk cId="2038337641" sldId="256"/>
+            <ac:spMk id="4" creationId="{CF8436EF-B003-E4D9-8F08-A99C727FBAFB}"/>
+          </ac:spMkLst>
+        </pc:spChg>
+        <pc:picChg chg="mod ord">
+          <ac:chgData name="joannamae juyad" userId="44f0f1edfb01b7c4" providerId="LiveId" clId="{224AC692-7AC0-4477-841E-D567F91E73DA}" dt="2023-01-03T11:32:35.623" v="11" actId="14100"/>
+          <ac:picMkLst>
+            <pc:docMk/>
+            <pc:sldMk cId="2038337641" sldId="256"/>
+            <ac:picMk id="9" creationId="{E7892580-03A9-7CBB-5DB7-7D92AAF035FA}"/>
+          </ac:picMkLst>
+        </pc:picChg>
+      </pc:sldChg>
       <pc:sldChg chg="modSp">
         <pc:chgData name="joannamae juyad" userId="44f0f1edfb01b7c4" providerId="LiveId" clId="{224AC692-7AC0-4477-841E-D567F91E73DA}" dt="2023-01-03T10:50:51.756" v="5" actId="14100"/>
         <pc:sldMkLst>
@@ -200,6 +240,455 @@
             <ac:picMk id="1026" creationId="{BAE12F6D-0711-1CD7-2D51-ABBD78A09DD1}"/>
           </ac:picMkLst>
         </pc:picChg>
+      </pc:sldChg>
+      <pc:sldChg chg="new del">
+        <pc:chgData name="joannamae juyad" userId="44f0f1edfb01b7c4" providerId="LiveId" clId="{224AC692-7AC0-4477-841E-D567F91E73DA}" dt="2023-01-03T11:32:12.037" v="7" actId="2696"/>
+        <pc:sldMkLst>
+          <pc:docMk/>
+          <pc:sldMk cId="1156754068" sldId="325"/>
+        </pc:sldMkLst>
+      </pc:sldChg>
+      <pc:sldChg chg="addSp delSp modSp new del mod">
+        <pc:chgData name="joannamae juyad" userId="44f0f1edfb01b7c4" providerId="LiveId" clId="{224AC692-7AC0-4477-841E-D567F91E73DA}" dt="2023-01-03T11:55:35.660" v="467" actId="2696"/>
+        <pc:sldMkLst>
+          <pc:docMk/>
+          <pc:sldMk cId="3710114367" sldId="325"/>
+        </pc:sldMkLst>
+        <pc:spChg chg="del mod">
+          <ac:chgData name="joannamae juyad" userId="44f0f1edfb01b7c4" providerId="LiveId" clId="{224AC692-7AC0-4477-841E-D567F91E73DA}" dt="2023-01-03T11:44:17.683" v="259" actId="21"/>
+          <ac:spMkLst>
+            <pc:docMk/>
+            <pc:sldMk cId="3710114367" sldId="325"/>
+            <ac:spMk id="2" creationId="{CDC57C45-DB43-7E98-5235-0AF3C6002D18}"/>
+          </ac:spMkLst>
+        </pc:spChg>
+        <pc:spChg chg="del">
+          <ac:chgData name="joannamae juyad" userId="44f0f1edfb01b7c4" providerId="LiveId" clId="{224AC692-7AC0-4477-841E-D567F91E73DA}" dt="2023-01-03T11:42:05.369" v="195" actId="21"/>
+          <ac:spMkLst>
+            <pc:docMk/>
+            <pc:sldMk cId="3710114367" sldId="325"/>
+            <ac:spMk id="3" creationId="{C47CEAAA-7564-C957-80BA-414E0A25B8CF}"/>
+          </ac:spMkLst>
+        </pc:spChg>
+        <pc:spChg chg="add del">
+          <ac:chgData name="joannamae juyad" userId="44f0f1edfb01b7c4" providerId="LiveId" clId="{224AC692-7AC0-4477-841E-D567F91E73DA}" dt="2023-01-03T11:44:02.793" v="256" actId="21"/>
+          <ac:spMkLst>
+            <pc:docMk/>
+            <pc:sldMk cId="3710114367" sldId="325"/>
+            <ac:spMk id="4" creationId="{19AD970E-6D06-1204-7E2B-0F030177C685}"/>
+          </ac:spMkLst>
+        </pc:spChg>
+        <pc:spChg chg="add del mod">
+          <ac:chgData name="joannamae juyad" userId="44f0f1edfb01b7c4" providerId="LiveId" clId="{224AC692-7AC0-4477-841E-D567F91E73DA}" dt="2023-01-03T11:44:29.841" v="261" actId="21"/>
+          <ac:spMkLst>
+            <pc:docMk/>
+            <pc:sldMk cId="3710114367" sldId="325"/>
+            <ac:spMk id="5" creationId="{0E3A3A26-5AE9-8C4C-0C03-ED6D670FDC11}"/>
+          </ac:spMkLst>
+        </pc:spChg>
+        <pc:spChg chg="add mod">
+          <ac:chgData name="joannamae juyad" userId="44f0f1edfb01b7c4" providerId="LiveId" clId="{224AC692-7AC0-4477-841E-D567F91E73DA}" dt="2023-01-03T11:46:23.981" v="318" actId="14100"/>
+          <ac:spMkLst>
+            <pc:docMk/>
+            <pc:sldMk cId="3710114367" sldId="325"/>
+            <ac:spMk id="7" creationId="{83976B85-02C3-7FF1-51A0-1BD94B1A0C52}"/>
+          </ac:spMkLst>
+        </pc:spChg>
+        <pc:spChg chg="add del mod">
+          <ac:chgData name="joannamae juyad" userId="44f0f1edfb01b7c4" providerId="LiveId" clId="{224AC692-7AC0-4477-841E-D567F91E73DA}" dt="2023-01-03T11:45:25.331" v="277" actId="21"/>
+          <ac:spMkLst>
+            <pc:docMk/>
+            <pc:sldMk cId="3710114367" sldId="325"/>
+            <ac:spMk id="8" creationId="{222AD41D-72E3-24C0-F46E-DF1E90A426CA}"/>
+          </ac:spMkLst>
+        </pc:spChg>
+      </pc:sldChg>
+      <pc:sldChg chg="addSp delSp modSp new mod modClrScheme chgLayout">
+        <pc:chgData name="joannamae juyad" userId="44f0f1edfb01b7c4" providerId="LiveId" clId="{224AC692-7AC0-4477-841E-D567F91E73DA}" dt="2023-01-03T11:58:24.703" v="581" actId="14100"/>
+        <pc:sldMkLst>
+          <pc:docMk/>
+          <pc:sldMk cId="3646977995" sldId="326"/>
+        </pc:sldMkLst>
+        <pc:spChg chg="del mod ord">
+          <ac:chgData name="joannamae juyad" userId="44f0f1edfb01b7c4" providerId="LiveId" clId="{224AC692-7AC0-4477-841E-D567F91E73DA}" dt="2023-01-03T11:46:52.851" v="320" actId="700"/>
+          <ac:spMkLst>
+            <pc:docMk/>
+            <pc:sldMk cId="3646977995" sldId="326"/>
+            <ac:spMk id="2" creationId="{913C60C2-CE45-191D-21B8-479ED64737CB}"/>
+          </ac:spMkLst>
+        </pc:spChg>
+        <pc:spChg chg="del">
+          <ac:chgData name="joannamae juyad" userId="44f0f1edfb01b7c4" providerId="LiveId" clId="{224AC692-7AC0-4477-841E-D567F91E73DA}" dt="2023-01-03T11:46:52.851" v="320" actId="700"/>
+          <ac:spMkLst>
+            <pc:docMk/>
+            <pc:sldMk cId="3646977995" sldId="326"/>
+            <ac:spMk id="3" creationId="{68D20CEC-C233-C77B-5FAF-00DC686D7756}"/>
+          </ac:spMkLst>
+        </pc:spChg>
+        <pc:spChg chg="del">
+          <ac:chgData name="joannamae juyad" userId="44f0f1edfb01b7c4" providerId="LiveId" clId="{224AC692-7AC0-4477-841E-D567F91E73DA}" dt="2023-01-03T11:46:52.851" v="320" actId="700"/>
+          <ac:spMkLst>
+            <pc:docMk/>
+            <pc:sldMk cId="3646977995" sldId="326"/>
+            <ac:spMk id="4" creationId="{F85D6E8E-4283-1588-8D50-EAD297C8F1A5}"/>
+          </ac:spMkLst>
+        </pc:spChg>
+        <pc:spChg chg="add mod ord">
+          <ac:chgData name="joannamae juyad" userId="44f0f1edfb01b7c4" providerId="LiveId" clId="{224AC692-7AC0-4477-841E-D567F91E73DA}" dt="2023-01-03T11:58:24.703" v="581" actId="14100"/>
+          <ac:spMkLst>
+            <pc:docMk/>
+            <pc:sldMk cId="3646977995" sldId="326"/>
+            <ac:spMk id="5" creationId="{9AFD9EE5-5A73-0CC3-D23A-CD3F1E945CCD}"/>
+          </ac:spMkLst>
+        </pc:spChg>
+        <pc:spChg chg="add mod ord">
+          <ac:chgData name="joannamae juyad" userId="44f0f1edfb01b7c4" providerId="LiveId" clId="{224AC692-7AC0-4477-841E-D567F91E73DA}" dt="2023-01-03T11:58:18.654" v="579" actId="14100"/>
+          <ac:spMkLst>
+            <pc:docMk/>
+            <pc:sldMk cId="3646977995" sldId="326"/>
+            <ac:spMk id="6" creationId="{75BA66E8-BF97-396A-0C9E-0AC292B4F50E}"/>
+          </ac:spMkLst>
+        </pc:spChg>
+      </pc:sldChg>
+      <pc:sldChg chg="modSp new mod">
+        <pc:chgData name="joannamae juyad" userId="44f0f1edfb01b7c4" providerId="LiveId" clId="{224AC692-7AC0-4477-841E-D567F91E73DA}" dt="2023-01-03T11:57:06.286" v="522" actId="14100"/>
+        <pc:sldMkLst>
+          <pc:docMk/>
+          <pc:sldMk cId="1205630263" sldId="327"/>
+        </pc:sldMkLst>
+        <pc:spChg chg="mod">
+          <ac:chgData name="joannamae juyad" userId="44f0f1edfb01b7c4" providerId="LiveId" clId="{224AC692-7AC0-4477-841E-D567F91E73DA}" dt="2023-01-03T11:57:06.286" v="522" actId="14100"/>
+          <ac:spMkLst>
+            <pc:docMk/>
+            <pc:sldMk cId="1205630263" sldId="327"/>
+            <ac:spMk id="2" creationId="{16558393-E723-A05E-46ED-661707546A2E}"/>
+          </ac:spMkLst>
+        </pc:spChg>
+        <pc:spChg chg="mod">
+          <ac:chgData name="joannamae juyad" userId="44f0f1edfb01b7c4" providerId="LiveId" clId="{224AC692-7AC0-4477-841E-D567F91E73DA}" dt="2023-01-03T11:57:01.518" v="520" actId="14100"/>
+          <ac:spMkLst>
+            <pc:docMk/>
+            <pc:sldMk cId="1205630263" sldId="327"/>
+            <ac:spMk id="3" creationId="{7FCCCEFE-A0FA-5EED-B8B1-FA88776EB536}"/>
+          </ac:spMkLst>
+        </pc:spChg>
+      </pc:sldChg>
+      <pc:sldChg chg="delSp modSp new del mod modClrScheme chgLayout">
+        <pc:chgData name="joannamae juyad" userId="44f0f1edfb01b7c4" providerId="LiveId" clId="{224AC692-7AC0-4477-841E-D567F91E73DA}" dt="2023-01-03T11:55:45.596" v="468" actId="2696"/>
+        <pc:sldMkLst>
+          <pc:docMk/>
+          <pc:sldMk cId="2987930379" sldId="327"/>
+        </pc:sldMkLst>
+        <pc:spChg chg="mod ord">
+          <ac:chgData name="joannamae juyad" userId="44f0f1edfb01b7c4" providerId="LiveId" clId="{224AC692-7AC0-4477-841E-D567F91E73DA}" dt="2023-01-03T11:54:04.256" v="461" actId="27636"/>
+          <ac:spMkLst>
+            <pc:docMk/>
+            <pc:sldMk cId="2987930379" sldId="327"/>
+            <ac:spMk id="2" creationId="{E430B4AB-72E1-D40B-DBB8-4EF758D23ED3}"/>
+          </ac:spMkLst>
+        </pc:spChg>
+        <pc:spChg chg="del mod ord">
+          <ac:chgData name="joannamae juyad" userId="44f0f1edfb01b7c4" providerId="LiveId" clId="{224AC692-7AC0-4477-841E-D567F91E73DA}" dt="2023-01-03T11:52:19.673" v="437" actId="700"/>
+          <ac:spMkLst>
+            <pc:docMk/>
+            <pc:sldMk cId="2987930379" sldId="327"/>
+            <ac:spMk id="3" creationId="{7D51F410-9C05-9032-E30A-8D8F6995C423}"/>
+          </ac:spMkLst>
+        </pc:spChg>
+        <pc:spChg chg="mod ord">
+          <ac:chgData name="joannamae juyad" userId="44f0f1edfb01b7c4" providerId="LiveId" clId="{224AC692-7AC0-4477-841E-D567F91E73DA}" dt="2023-01-03T11:53:58.262" v="457" actId="14100"/>
+          <ac:spMkLst>
+            <pc:docMk/>
+            <pc:sldMk cId="2987930379" sldId="327"/>
+            <ac:spMk id="4" creationId="{BA2AC22F-45B7-FED5-A4B1-47335367CCB6}"/>
+          </ac:spMkLst>
+        </pc:spChg>
+      </pc:sldChg>
+      <pc:sldChg chg="addSp delSp modSp new del mod modClrScheme chgLayout">
+        <pc:chgData name="joannamae juyad" userId="44f0f1edfb01b7c4" providerId="LiveId" clId="{224AC692-7AC0-4477-841E-D567F91E73DA}" dt="2023-01-03T11:49:16.878" v="394" actId="2696"/>
+        <pc:sldMkLst>
+          <pc:docMk/>
+          <pc:sldMk cId="3854609936" sldId="327"/>
+        </pc:sldMkLst>
+        <pc:spChg chg="del mod ord">
+          <ac:chgData name="joannamae juyad" userId="44f0f1edfb01b7c4" providerId="LiveId" clId="{224AC692-7AC0-4477-841E-D567F91E73DA}" dt="2023-01-03T11:48:30.258" v="366" actId="700"/>
+          <ac:spMkLst>
+            <pc:docMk/>
+            <pc:sldMk cId="3854609936" sldId="327"/>
+            <ac:spMk id="2" creationId="{4772ED66-0AC7-4D21-F662-975C690288B2}"/>
+          </ac:spMkLst>
+        </pc:spChg>
+        <pc:spChg chg="del">
+          <ac:chgData name="joannamae juyad" userId="44f0f1edfb01b7c4" providerId="LiveId" clId="{224AC692-7AC0-4477-841E-D567F91E73DA}" dt="2023-01-03T11:48:30.258" v="366" actId="700"/>
+          <ac:spMkLst>
+            <pc:docMk/>
+            <pc:sldMk cId="3854609936" sldId="327"/>
+            <ac:spMk id="3" creationId="{CA70C5AD-8552-AF21-8461-C4FC6FD742DA}"/>
+          </ac:spMkLst>
+        </pc:spChg>
+        <pc:spChg chg="add mod ord">
+          <ac:chgData name="joannamae juyad" userId="44f0f1edfb01b7c4" providerId="LiveId" clId="{224AC692-7AC0-4477-841E-D567F91E73DA}" dt="2023-01-03T11:48:53.020" v="393" actId="20577"/>
+          <ac:spMkLst>
+            <pc:docMk/>
+            <pc:sldMk cId="3854609936" sldId="327"/>
+            <ac:spMk id="4" creationId="{188E9971-916B-1606-3A90-64FCB8D74732}"/>
+          </ac:spMkLst>
+        </pc:spChg>
+      </pc:sldChg>
+      <pc:sldChg chg="modSp new mod">
+        <pc:chgData name="joannamae juyad" userId="44f0f1edfb01b7c4" providerId="LiveId" clId="{224AC692-7AC0-4477-841E-D567F91E73DA}" dt="2023-01-03T12:09:56.804" v="1082" actId="20577"/>
+        <pc:sldMkLst>
+          <pc:docMk/>
+          <pc:sldMk cId="366526862" sldId="328"/>
+        </pc:sldMkLst>
+        <pc:spChg chg="mod">
+          <ac:chgData name="joannamae juyad" userId="44f0f1edfb01b7c4" providerId="LiveId" clId="{224AC692-7AC0-4477-841E-D567F91E73DA}" dt="2023-01-03T12:09:56.804" v="1082" actId="20577"/>
+          <ac:spMkLst>
+            <pc:docMk/>
+            <pc:sldMk cId="366526862" sldId="328"/>
+            <ac:spMk id="2" creationId="{4877A0D1-ECE0-12A2-95B7-32C6EB4D2617}"/>
+          </ac:spMkLst>
+        </pc:spChg>
+        <pc:spChg chg="mod">
+          <ac:chgData name="joannamae juyad" userId="44f0f1edfb01b7c4" providerId="LiveId" clId="{224AC692-7AC0-4477-841E-D567F91E73DA}" dt="2023-01-03T12:00:15.326" v="689" actId="2711"/>
+          <ac:spMkLst>
+            <pc:docMk/>
+            <pc:sldMk cId="366526862" sldId="328"/>
+            <ac:spMk id="3" creationId="{CC1A8269-AB1F-9192-12B7-18140C0ABC01}"/>
+          </ac:spMkLst>
+        </pc:spChg>
+      </pc:sldChg>
+      <pc:sldChg chg="new del">
+        <pc:chgData name="joannamae juyad" userId="44f0f1edfb01b7c4" providerId="LiveId" clId="{224AC692-7AC0-4477-841E-D567F91E73DA}" dt="2023-01-03T11:58:29.020" v="582" actId="2696"/>
+        <pc:sldMkLst>
+          <pc:docMk/>
+          <pc:sldMk cId="857736092" sldId="328"/>
+        </pc:sldMkLst>
+      </pc:sldChg>
+      <pc:sldChg chg="addSp delSp modSp new del mod modClrScheme chgLayout">
+        <pc:chgData name="joannamae juyad" userId="44f0f1edfb01b7c4" providerId="LiveId" clId="{224AC692-7AC0-4477-841E-D567F91E73DA}" dt="2023-01-03T11:55:49.607" v="469" actId="2696"/>
+        <pc:sldMkLst>
+          <pc:docMk/>
+          <pc:sldMk cId="993950444" sldId="328"/>
+        </pc:sldMkLst>
+        <pc:spChg chg="del mod ord">
+          <ac:chgData name="joannamae juyad" userId="44f0f1edfb01b7c4" providerId="LiveId" clId="{224AC692-7AC0-4477-841E-D567F91E73DA}" dt="2023-01-03T11:52:14.242" v="436" actId="700"/>
+          <ac:spMkLst>
+            <pc:docMk/>
+            <pc:sldMk cId="993950444" sldId="328"/>
+            <ac:spMk id="2" creationId="{23B3C762-CD72-B375-04CA-A94BDD004EAE}"/>
+          </ac:spMkLst>
+        </pc:spChg>
+        <pc:spChg chg="del mod ord">
+          <ac:chgData name="joannamae juyad" userId="44f0f1edfb01b7c4" providerId="LiveId" clId="{224AC692-7AC0-4477-841E-D567F91E73DA}" dt="2023-01-03T11:52:14.242" v="436" actId="700"/>
+          <ac:spMkLst>
+            <pc:docMk/>
+            <pc:sldMk cId="993950444" sldId="328"/>
+            <ac:spMk id="3" creationId="{D8E5FA1B-F355-7169-A19C-81FE39889C99}"/>
+          </ac:spMkLst>
+        </pc:spChg>
+        <pc:spChg chg="del">
+          <ac:chgData name="joannamae juyad" userId="44f0f1edfb01b7c4" providerId="LiveId" clId="{224AC692-7AC0-4477-841E-D567F91E73DA}" dt="2023-01-03T11:52:14.242" v="436" actId="700"/>
+          <ac:spMkLst>
+            <pc:docMk/>
+            <pc:sldMk cId="993950444" sldId="328"/>
+            <ac:spMk id="4" creationId="{B66A7906-13A6-317F-5300-E0E4C8BBC653}"/>
+          </ac:spMkLst>
+        </pc:spChg>
+        <pc:spChg chg="add mod ord">
+          <ac:chgData name="joannamae juyad" userId="44f0f1edfb01b7c4" providerId="LiveId" clId="{224AC692-7AC0-4477-841E-D567F91E73DA}" dt="2023-01-03T11:54:41.368" v="466" actId="207"/>
+          <ac:spMkLst>
+            <pc:docMk/>
+            <pc:sldMk cId="993950444" sldId="328"/>
+            <ac:spMk id="5" creationId="{59B5C934-CA76-228B-D2A1-B81C183EC9F0}"/>
+          </ac:spMkLst>
+        </pc:spChg>
+        <pc:spChg chg="add mod ord">
+          <ac:chgData name="joannamae juyad" userId="44f0f1edfb01b7c4" providerId="LiveId" clId="{224AC692-7AC0-4477-841E-D567F91E73DA}" dt="2023-01-03T11:52:14.242" v="436" actId="700"/>
+          <ac:spMkLst>
+            <pc:docMk/>
+            <pc:sldMk cId="993950444" sldId="328"/>
+            <ac:spMk id="6" creationId="{A8DE4814-81A1-EE9F-E918-AA0D1CF9B367}"/>
+          </ac:spMkLst>
+        </pc:spChg>
+      </pc:sldChg>
+      <pc:sldChg chg="addSp delSp modSp new mod ord modClrScheme chgLayout">
+        <pc:chgData name="joannamae juyad" userId="44f0f1edfb01b7c4" providerId="LiveId" clId="{224AC692-7AC0-4477-841E-D567F91E73DA}" dt="2023-01-03T12:10:56.093" v="1099" actId="20577"/>
+        <pc:sldMkLst>
+          <pc:docMk/>
+          <pc:sldMk cId="474251249" sldId="329"/>
+        </pc:sldMkLst>
+        <pc:spChg chg="del mod ord">
+          <ac:chgData name="joannamae juyad" userId="44f0f1edfb01b7c4" providerId="LiveId" clId="{224AC692-7AC0-4477-841E-D567F91E73DA}" dt="2023-01-03T12:01:36.872" v="715" actId="700"/>
+          <ac:spMkLst>
+            <pc:docMk/>
+            <pc:sldMk cId="474251249" sldId="329"/>
+            <ac:spMk id="2" creationId="{E20192E4-D1DA-3A1F-F7A4-168B3562DE40}"/>
+          </ac:spMkLst>
+        </pc:spChg>
+        <pc:spChg chg="del">
+          <ac:chgData name="joannamae juyad" userId="44f0f1edfb01b7c4" providerId="LiveId" clId="{224AC692-7AC0-4477-841E-D567F91E73DA}" dt="2023-01-03T12:01:36.872" v="715" actId="700"/>
+          <ac:spMkLst>
+            <pc:docMk/>
+            <pc:sldMk cId="474251249" sldId="329"/>
+            <ac:spMk id="3" creationId="{C01E7090-C7D2-65F1-E57F-F9EB919DDB73}"/>
+          </ac:spMkLst>
+        </pc:spChg>
+        <pc:spChg chg="add del mod ord">
+          <ac:chgData name="joannamae juyad" userId="44f0f1edfb01b7c4" providerId="LiveId" clId="{224AC692-7AC0-4477-841E-D567F91E73DA}" dt="2023-01-03T12:03:38.902" v="796" actId="21"/>
+          <ac:spMkLst>
+            <pc:docMk/>
+            <pc:sldMk cId="474251249" sldId="329"/>
+            <ac:spMk id="4" creationId="{806918C4-9728-5DC6-8472-665BD65DB047}"/>
+          </ac:spMkLst>
+        </pc:spChg>
+        <pc:spChg chg="add del mod ord">
+          <ac:chgData name="joannamae juyad" userId="44f0f1edfb01b7c4" providerId="LiveId" clId="{224AC692-7AC0-4477-841E-D567F91E73DA}" dt="2023-01-03T12:03:54.388" v="797" actId="700"/>
+          <ac:spMkLst>
+            <pc:docMk/>
+            <pc:sldMk cId="474251249" sldId="329"/>
+            <ac:spMk id="6" creationId="{008F11AA-B980-E28E-06CB-7DD4CD42E04E}"/>
+          </ac:spMkLst>
+        </pc:spChg>
+        <pc:spChg chg="add mod ord">
+          <ac:chgData name="joannamae juyad" userId="44f0f1edfb01b7c4" providerId="LiveId" clId="{224AC692-7AC0-4477-841E-D567F91E73DA}" dt="2023-01-03T12:10:56.093" v="1099" actId="20577"/>
+          <ac:spMkLst>
+            <pc:docMk/>
+            <pc:sldMk cId="474251249" sldId="329"/>
+            <ac:spMk id="7" creationId="{DEF7FD8F-45C2-954F-B164-5B36634C1D52}"/>
+          </ac:spMkLst>
+        </pc:spChg>
+        <pc:spChg chg="add del mod ord">
+          <ac:chgData name="joannamae juyad" userId="44f0f1edfb01b7c4" providerId="LiveId" clId="{224AC692-7AC0-4477-841E-D567F91E73DA}" dt="2023-01-03T12:04:04.705" v="800" actId="21"/>
+          <ac:spMkLst>
+            <pc:docMk/>
+            <pc:sldMk cId="474251249" sldId="329"/>
+            <ac:spMk id="8" creationId="{CE06B1A6-B007-9F96-7F92-DFEBF9B899F1}"/>
+          </ac:spMkLst>
+        </pc:spChg>
+      </pc:sldChg>
+      <pc:sldChg chg="addSp delSp modSp new mod modClrScheme chgLayout">
+        <pc:chgData name="joannamae juyad" userId="44f0f1edfb01b7c4" providerId="LiveId" clId="{224AC692-7AC0-4477-841E-D567F91E73DA}" dt="2023-01-03T12:10:50.622" v="1096" actId="20577"/>
+        <pc:sldMkLst>
+          <pc:docMk/>
+          <pc:sldMk cId="1785880914" sldId="330"/>
+        </pc:sldMkLst>
+        <pc:spChg chg="del mod ord">
+          <ac:chgData name="joannamae juyad" userId="44f0f1edfb01b7c4" providerId="LiveId" clId="{224AC692-7AC0-4477-841E-D567F91E73DA}" dt="2023-01-03T12:05:29.273" v="848" actId="700"/>
+          <ac:spMkLst>
+            <pc:docMk/>
+            <pc:sldMk cId="1785880914" sldId="330"/>
+            <ac:spMk id="2" creationId="{57BDCF47-9D27-204F-D46E-BBBCDF49D498}"/>
+          </ac:spMkLst>
+        </pc:spChg>
+        <pc:spChg chg="del">
+          <ac:chgData name="joannamae juyad" userId="44f0f1edfb01b7c4" providerId="LiveId" clId="{224AC692-7AC0-4477-841E-D567F91E73DA}" dt="2023-01-03T12:05:29.273" v="848" actId="700"/>
+          <ac:spMkLst>
+            <pc:docMk/>
+            <pc:sldMk cId="1785880914" sldId="330"/>
+            <ac:spMk id="3" creationId="{F7D0AFEF-8437-4CC7-DC84-469F1AFFCA25}"/>
+          </ac:spMkLst>
+        </pc:spChg>
+        <pc:spChg chg="add mod ord">
+          <ac:chgData name="joannamae juyad" userId="44f0f1edfb01b7c4" providerId="LiveId" clId="{224AC692-7AC0-4477-841E-D567F91E73DA}" dt="2023-01-03T12:10:50.622" v="1096" actId="20577"/>
+          <ac:spMkLst>
+            <pc:docMk/>
+            <pc:sldMk cId="1785880914" sldId="330"/>
+            <ac:spMk id="4" creationId="{C81E4471-5C42-B31B-28F1-0129CD7282EC}"/>
+          </ac:spMkLst>
+        </pc:spChg>
+      </pc:sldChg>
+      <pc:sldChg chg="delSp modSp new mod modClrScheme chgLayout">
+        <pc:chgData name="joannamae juyad" userId="44f0f1edfb01b7c4" providerId="LiveId" clId="{224AC692-7AC0-4477-841E-D567F91E73DA}" dt="2023-01-03T12:39:36.347" v="1235" actId="403"/>
+        <pc:sldMkLst>
+          <pc:docMk/>
+          <pc:sldMk cId="895484181" sldId="331"/>
+        </pc:sldMkLst>
+        <pc:spChg chg="mod ord">
+          <ac:chgData name="joannamae juyad" userId="44f0f1edfb01b7c4" providerId="LiveId" clId="{224AC692-7AC0-4477-841E-D567F91E73DA}" dt="2023-01-03T12:39:36.347" v="1235" actId="403"/>
+          <ac:spMkLst>
+            <pc:docMk/>
+            <pc:sldMk cId="895484181" sldId="331"/>
+            <ac:spMk id="2" creationId="{65B7BFDB-2D01-FC3B-08D6-5E18442906AC}"/>
+          </ac:spMkLst>
+        </pc:spChg>
+        <pc:spChg chg="del">
+          <ac:chgData name="joannamae juyad" userId="44f0f1edfb01b7c4" providerId="LiveId" clId="{224AC692-7AC0-4477-841E-D567F91E73DA}" dt="2023-01-03T12:06:32.017" v="894" actId="700"/>
+          <ac:spMkLst>
+            <pc:docMk/>
+            <pc:sldMk cId="895484181" sldId="331"/>
+            <ac:spMk id="3" creationId="{4E64A842-604B-6423-2E0C-321571E4AD8F}"/>
+          </ac:spMkLst>
+        </pc:spChg>
+      </pc:sldChg>
+      <pc:sldChg chg="modSp new mod">
+        <pc:chgData name="joannamae juyad" userId="44f0f1edfb01b7c4" providerId="LiveId" clId="{224AC692-7AC0-4477-841E-D567F91E73DA}" dt="2023-01-03T12:39:22.945" v="1234" actId="404"/>
+        <pc:sldMkLst>
+          <pc:docMk/>
+          <pc:sldMk cId="2423373668" sldId="332"/>
+        </pc:sldMkLst>
+        <pc:spChg chg="mod">
+          <ac:chgData name="joannamae juyad" userId="44f0f1edfb01b7c4" providerId="LiveId" clId="{224AC692-7AC0-4477-841E-D567F91E73DA}" dt="2023-01-03T12:39:22.945" v="1234" actId="404"/>
+          <ac:spMkLst>
+            <pc:docMk/>
+            <pc:sldMk cId="2423373668" sldId="332"/>
+            <ac:spMk id="2" creationId="{50C6EA1F-85FE-86F0-F253-29B5E82FB539}"/>
+          </ac:spMkLst>
+        </pc:spChg>
+        <pc:spChg chg="mod">
+          <ac:chgData name="joannamae juyad" userId="44f0f1edfb01b7c4" providerId="LiveId" clId="{224AC692-7AC0-4477-841E-D567F91E73DA}" dt="2023-01-03T12:13:37.805" v="1166" actId="14100"/>
+          <ac:spMkLst>
+            <pc:docMk/>
+            <pc:sldMk cId="2423373668" sldId="332"/>
+            <ac:spMk id="3" creationId="{270F4747-1B28-ACA7-4C9A-8AAE94A76115}"/>
+          </ac:spMkLst>
+        </pc:spChg>
+      </pc:sldChg>
+      <pc:sldChg chg="modSp new mod">
+        <pc:chgData name="joannamae juyad" userId="44f0f1edfb01b7c4" providerId="LiveId" clId="{224AC692-7AC0-4477-841E-D567F91E73DA}" dt="2023-01-03T12:38:46.442" v="1222" actId="20577"/>
+        <pc:sldMkLst>
+          <pc:docMk/>
+          <pc:sldMk cId="222776287" sldId="333"/>
+        </pc:sldMkLst>
+        <pc:spChg chg="mod">
+          <ac:chgData name="joannamae juyad" userId="44f0f1edfb01b7c4" providerId="LiveId" clId="{224AC692-7AC0-4477-841E-D567F91E73DA}" dt="2023-01-03T12:34:11.795" v="1194" actId="14100"/>
+          <ac:spMkLst>
+            <pc:docMk/>
+            <pc:sldMk cId="222776287" sldId="333"/>
+            <ac:spMk id="2" creationId="{34B6D11C-5C26-42C6-0417-41CBAB09464E}"/>
+          </ac:spMkLst>
+        </pc:spChg>
+        <pc:spChg chg="mod">
+          <ac:chgData name="joannamae juyad" userId="44f0f1edfb01b7c4" providerId="LiveId" clId="{224AC692-7AC0-4477-841E-D567F91E73DA}" dt="2023-01-03T12:38:46.442" v="1222" actId="20577"/>
+          <ac:spMkLst>
+            <pc:docMk/>
+            <pc:sldMk cId="222776287" sldId="333"/>
+            <ac:spMk id="3" creationId="{B2A3D2E5-E922-03C8-22EA-47ED7E67311C}"/>
+          </ac:spMkLst>
+        </pc:spChg>
+      </pc:sldChg>
+      <pc:sldChg chg="modSp new mod">
+        <pc:chgData name="joannamae juyad" userId="44f0f1edfb01b7c4" providerId="LiveId" clId="{224AC692-7AC0-4477-841E-D567F91E73DA}" dt="2023-01-03T12:39:06.583" v="1233" actId="403"/>
+        <pc:sldMkLst>
+          <pc:docMk/>
+          <pc:sldMk cId="564406961" sldId="334"/>
+        </pc:sldMkLst>
+        <pc:spChg chg="mod">
+          <ac:chgData name="joannamae juyad" userId="44f0f1edfb01b7c4" providerId="LiveId" clId="{224AC692-7AC0-4477-841E-D567F91E73DA}" dt="2023-01-03T12:39:06.583" v="1233" actId="403"/>
+          <ac:spMkLst>
+            <pc:docMk/>
+            <pc:sldMk cId="564406961" sldId="334"/>
+            <ac:spMk id="2" creationId="{8D361AB3-9505-F76D-9BA4-51A1FED3A693}"/>
+          </ac:spMkLst>
+        </pc:spChg>
+        <pc:spChg chg="mod">
+          <ac:chgData name="joannamae juyad" userId="44f0f1edfb01b7c4" providerId="LiveId" clId="{224AC692-7AC0-4477-841E-D567F91E73DA}" dt="2023-01-03T12:39:00.068" v="1226" actId="403"/>
+          <ac:spMkLst>
+            <pc:docMk/>
+            <pc:sldMk cId="564406961" sldId="334"/>
+            <ac:spMk id="3" creationId="{C0701EFA-ED26-0948-A6D4-9A390BC51443}"/>
+          </ac:spMkLst>
+        </pc:spChg>
       </pc:sldChg>
     </pc:docChg>
   </pc:docChgLst>
@@ -5732,15 +6221,10 @@
             <p:ph type="title"/>
           </p:nvPr>
         </p:nvSpPr>
-        <p:spPr>
-          <a:xfrm>
-            <a:off x="838200" y="365125"/>
-            <a:ext cx="10515600" cy="1746063"/>
-          </a:xfrm>
-        </p:spPr>
+        <p:spPr/>
         <p:txBody>
           <a:bodyPr>
-            <a:normAutofit/>
+            <a:normAutofit fontScale="90000"/>
           </a:bodyPr>
           <a:lstStyle/>
           <a:p>
@@ -5781,14 +6265,78 @@
         </p:blipFill>
         <p:spPr>
           <a:xfrm>
-            <a:off x="1933575" y="2509837"/>
-            <a:ext cx="8315325" cy="2867025"/>
+            <a:off x="5078413" y="914401"/>
+            <a:ext cx="6189662" cy="4652682"/>
           </a:xfrm>
           <a:prstGeom prst="rect">
             <a:avLst/>
           </a:prstGeom>
         </p:spPr>
       </p:pic>
+      <p:sp>
+        <p:nvSpPr>
+          <p:cNvPr id="2" name="Text Placeholder 1">
+            <a:extLst>
+              <a:ext uri="{FF2B5EF4-FFF2-40B4-BE49-F238E27FC236}">
+                <a16:creationId xmlns:a16="http://schemas.microsoft.com/office/drawing/2014/main" id="{60221771-4827-D9A5-0B2F-0ED2327DB04F}"/>
+              </a:ext>
+            </a:extLst>
+          </p:cNvPr>
+          <p:cNvSpPr>
+            <a:spLocks noGrp="1"/>
+          </p:cNvSpPr>
+          <p:nvPr>
+            <p:ph type="body" sz="half" idx="2"/>
+          </p:nvPr>
+        </p:nvSpPr>
+        <p:spPr>
+          <a:xfrm>
+            <a:off x="917228" y="4074459"/>
+            <a:ext cx="3932237" cy="1716740"/>
+          </a:xfrm>
+        </p:spPr>
+        <p:txBody>
+          <a:bodyPr/>
+          <a:lstStyle/>
+          <a:p>
+            <a:r>
+              <a:rPr lang="en-PH" sz="2400" dirty="0">
+                <a:latin typeface="Algerian" panose="04020705040A02060702" pitchFamily="82" charset="0"/>
+              </a:rPr>
+              <a:t>CHINESE NAME:</a:t>
+            </a:r>
+            <a:r>
+              <a:rPr lang="zh-TW" altLang="en-US" sz="3200" b="0" i="0" dirty="0">
+                <a:effectLst/>
+                <a:latin typeface="Segoe UI Historic" panose="020B0502040204020203" pitchFamily="34" charset="0"/>
+              </a:rPr>
+              <a:t>葉梅</a:t>
+            </a:r>
+            <a:endParaRPr lang="en-PH" altLang="zh-TW" sz="3200" b="0" i="0" dirty="0">
+              <a:effectLst/>
+              <a:latin typeface="Segoe UI Historic" panose="020B0502040204020203" pitchFamily="34" charset="0"/>
+            </a:endParaRPr>
+          </a:p>
+          <a:p>
+            <a:r>
+              <a:rPr lang="en-PH" altLang="zh-TW" sz="2400" dirty="0">
+                <a:effectLst/>
+                <a:latin typeface="Algerian" panose="04020705040A02060702" pitchFamily="82" charset="0"/>
+              </a:rPr>
+              <a:t>ID NUMBER:411OE241</a:t>
+            </a:r>
+            <a:endParaRPr lang="en-PH" altLang="zh-TW" sz="2000" dirty="0">
+              <a:effectLst/>
+              <a:latin typeface="Algerian" panose="04020705040A02060702" pitchFamily="82" charset="0"/>
+            </a:endParaRPr>
+          </a:p>
+          <a:p>
+            <a:endParaRPr lang="en-PH" dirty="0">
+              <a:latin typeface="Algerian" panose="04020705040A02060702" pitchFamily="82" charset="0"/>
+            </a:endParaRPr>
+          </a:p>
+        </p:txBody>
+      </p:sp>
     </p:spTree>
     <p:extLst>
       <p:ext uri="{BB962C8B-B14F-4D97-AF65-F5344CB8AC3E}">
@@ -5824,7 +6372,7 @@
           <p:cNvPr id="2" name="Title 1">
             <a:extLst>
               <a:ext uri="{FF2B5EF4-FFF2-40B4-BE49-F238E27FC236}">
-                <a16:creationId xmlns:a16="http://schemas.microsoft.com/office/drawing/2014/main" id="{576D46E2-F863-140C-D514-888C75FE3F33}"/>
+                <a16:creationId xmlns:a16="http://schemas.microsoft.com/office/drawing/2014/main" id="{0EA7D9AE-F830-39E7-B95D-2FE2462DD8B2}"/>
               </a:ext>
             </a:extLst>
           </p:cNvPr>
@@ -5835,28 +6383,72 @@
             <p:ph type="title"/>
           </p:nvPr>
         </p:nvSpPr>
-        <p:spPr>
-          <a:xfrm>
-            <a:off x="0" y="0"/>
-            <a:ext cx="12191999" cy="6858000"/>
-          </a:xfrm>
-        </p:spPr>
+        <p:spPr/>
+        <p:txBody>
+          <a:bodyPr>
+            <a:normAutofit fontScale="90000"/>
+          </a:bodyPr>
+          <a:lstStyle/>
+          <a:p>
+            <a:pPr algn="ctr"/>
+            <a:r>
+              <a:rPr lang="en-US" sz="5400" dirty="0">
+                <a:latin typeface="Algerian" panose="04020705040A02060702" pitchFamily="82" charset="0"/>
+              </a:rPr>
+              <a:t>RELIABILITY</a:t>
+            </a:r>
+            <a:br>
+              <a:rPr lang="en-US" sz="5400" dirty="0">
+                <a:latin typeface="Algerian" panose="04020705040A02060702" pitchFamily="82" charset="0"/>
+              </a:rPr>
+            </a:br>
+            <a:endParaRPr lang="en-PH" sz="4000" dirty="0"/>
+          </a:p>
+        </p:txBody>
+      </p:sp>
+      <p:sp>
+        <p:nvSpPr>
+          <p:cNvPr id="3" name="Content Placeholder 2">
+            <a:extLst>
+              <a:ext uri="{FF2B5EF4-FFF2-40B4-BE49-F238E27FC236}">
+                <a16:creationId xmlns:a16="http://schemas.microsoft.com/office/drawing/2014/main" id="{CA53C618-2F46-94D8-47E2-B6A6F2C71E46}"/>
+              </a:ext>
+            </a:extLst>
+          </p:cNvPr>
+          <p:cNvSpPr>
+            <a:spLocks noGrp="1"/>
+          </p:cNvSpPr>
+          <p:nvPr>
+            <p:ph idx="1"/>
+          </p:nvPr>
+        </p:nvSpPr>
+        <p:spPr/>
         <p:txBody>
           <a:bodyPr/>
           <a:lstStyle/>
           <a:p>
-            <a:pPr algn="ctr"/>
-            <a:r>
-              <a:rPr lang="en-PH" sz="6600" dirty="0">
-                <a:latin typeface="Algerian" panose="04020705040A02060702" pitchFamily="82" charset="0"/>
-              </a:rPr>
-              <a:t>GOAL OF NETWORKING</a:t>
-            </a:r>
-            <a:br>
-              <a:rPr lang="en-PH" dirty="0">
-                <a:latin typeface="Algerian" panose="04020705040A02060702" pitchFamily="82" charset="0"/>
-              </a:rPr>
-            </a:br>
+            <a:pPr marL="0" indent="0" algn="just" fontAlgn="base">
+              <a:buNone/>
+            </a:pPr>
+            <a:r>
+              <a:rPr lang="en-US" sz="2800" b="0" i="0" dirty="0">
+                <a:effectLst/>
+                <a:latin typeface="Algerian" panose="04020705040A02060702" pitchFamily="82" charset="0"/>
+              </a:rPr>
+              <a:t>In the addition to accuracy is measured by frequency of failure, the time it takes a link to recover from failure, and the network’s robustness in catastrophe</a:t>
+            </a:r>
+            <a:r>
+              <a:rPr lang="en-US" sz="3200" b="0" i="0" dirty="0">
+                <a:effectLst/>
+                <a:latin typeface="Algerian" panose="04020705040A02060702" pitchFamily="82" charset="0"/>
+              </a:rPr>
+              <a:t>. </a:t>
+            </a:r>
+          </a:p>
+          <a:p>
+            <a:pPr marL="0" indent="0">
+              <a:buNone/>
+            </a:pPr>
             <a:endParaRPr lang="en-PH" dirty="0"/>
           </a:p>
         </p:txBody>
@@ -5864,7 +6456,7 @@
     </p:spTree>
     <p:extLst>
       <p:ext uri="{BB962C8B-B14F-4D97-AF65-F5344CB8AC3E}">
-        <p14:creationId xmlns:p14="http://schemas.microsoft.com/office/powerpoint/2010/main" val="1335649547"/>
+        <p14:creationId xmlns:p14="http://schemas.microsoft.com/office/powerpoint/2010/main" val="1971749548"/>
       </p:ext>
     </p:extLst>
   </p:cSld>
@@ -5893,10 +6485,49 @@
       </p:grpSpPr>
       <p:sp>
         <p:nvSpPr>
+          <p:cNvPr id="2" name="Title 1">
+            <a:extLst>
+              <a:ext uri="{FF2B5EF4-FFF2-40B4-BE49-F238E27FC236}">
+                <a16:creationId xmlns:a16="http://schemas.microsoft.com/office/drawing/2014/main" id="{79676F58-11B8-86DF-F5CA-30F2533D571D}"/>
+              </a:ext>
+            </a:extLst>
+          </p:cNvPr>
+          <p:cNvSpPr>
+            <a:spLocks noGrp="1"/>
+          </p:cNvSpPr>
+          <p:nvPr>
+            <p:ph type="title"/>
+          </p:nvPr>
+        </p:nvSpPr>
+        <p:spPr/>
+        <p:txBody>
+          <a:bodyPr>
+            <a:normAutofit/>
+          </a:bodyPr>
+          <a:lstStyle/>
+          <a:p>
+            <a:pPr algn="ctr"/>
+            <a:r>
+              <a:rPr lang="en-US" sz="4400" dirty="0">
+                <a:latin typeface="Algerian" panose="04020705040A02060702" pitchFamily="82" charset="0"/>
+              </a:rPr>
+              <a:t>SECURITY</a:t>
+            </a:r>
+            <a:br>
+              <a:rPr lang="en-PH" dirty="0">
+                <a:latin typeface="Algerian" panose="04020705040A02060702" pitchFamily="82" charset="0"/>
+              </a:rPr>
+            </a:br>
+            <a:endParaRPr lang="en-PH" dirty="0"/>
+          </a:p>
+        </p:txBody>
+      </p:sp>
+      <p:sp>
+        <p:nvSpPr>
           <p:cNvPr id="3" name="Content Placeholder 2">
             <a:extLst>
               <a:ext uri="{FF2B5EF4-FFF2-40B4-BE49-F238E27FC236}">
-                <a16:creationId xmlns:a16="http://schemas.microsoft.com/office/drawing/2014/main" id="{81876CE5-B973-DE17-F17C-1235875FCDA3}"/>
+                <a16:creationId xmlns:a16="http://schemas.microsoft.com/office/drawing/2014/main" id="{CDB75711-8026-1314-9DDA-D7B6727236F2}"/>
               </a:ext>
             </a:extLst>
           </p:cNvPr>
@@ -5907,130 +6538,30 @@
             <p:ph idx="1"/>
           </p:nvPr>
         </p:nvSpPr>
-        <p:spPr>
-          <a:xfrm>
-            <a:off x="838200" y="497540"/>
-            <a:ext cx="10515600" cy="5876365"/>
-          </a:xfrm>
-        </p:spPr>
+        <p:spPr/>
         <p:txBody>
           <a:bodyPr>
             <a:normAutofit/>
           </a:bodyPr>
           <a:lstStyle/>
           <a:p>
-            <a:pPr algn="just" fontAlgn="base">
-              <a:buFont typeface="Wingdings" panose="05000000000000000000" pitchFamily="2" charset="2"/>
-              <a:buChar char="v"/>
-            </a:pPr>
-            <a:r>
-              <a:rPr lang="en-US" b="0" i="0" dirty="0">
+            <a:r>
+              <a:rPr lang="en-US" sz="2400" b="0" i="0" dirty="0">
                 <a:effectLst/>
                 <a:latin typeface="Algerian" panose="04020705040A02060702" pitchFamily="82" charset="0"/>
               </a:rPr>
-              <a:t>Programs do not have to execute on a single system because of resource and load sharing.</a:t>
-            </a:r>
-          </a:p>
-          <a:p>
-            <a:pPr algn="just" fontAlgn="base">
-              <a:buFont typeface="Wingdings" panose="05000000000000000000" pitchFamily="2" charset="2"/>
-              <a:buChar char="v"/>
-            </a:pPr>
-            <a:r>
-              <a:rPr lang="en-US" b="0" i="0" dirty="0">
-                <a:effectLst/>
-                <a:latin typeface="Algerian" panose="04020705040A02060702" pitchFamily="82" charset="0"/>
-              </a:rPr>
-              <a:t>Reduced costs – Multiple machines can share printers, tape drives, and other peripherals.</a:t>
-            </a:r>
-          </a:p>
-          <a:p>
-            <a:pPr algn="just" fontAlgn="base">
-              <a:buFont typeface="Wingdings" panose="05000000000000000000" pitchFamily="2" charset="2"/>
-              <a:buChar char="v"/>
-            </a:pPr>
-            <a:r>
-              <a:rPr lang="en-US" b="0" i="0" dirty="0">
-                <a:effectLst/>
-                <a:latin typeface="Algerian" panose="04020705040A02060702" pitchFamily="82" charset="0"/>
-              </a:rPr>
-              <a:t>Reliability – If one machine fails, another can take its place.</a:t>
-            </a:r>
-          </a:p>
-          <a:p>
-            <a:pPr algn="just" fontAlgn="base">
-              <a:buFont typeface="Wingdings" panose="05000000000000000000" pitchFamily="2" charset="2"/>
-              <a:buChar char="v"/>
-            </a:pPr>
-            <a:r>
-              <a:rPr lang="en-US" b="0" i="0" dirty="0">
-                <a:effectLst/>
-                <a:latin typeface="Algerian" panose="04020705040A02060702" pitchFamily="82" charset="0"/>
-              </a:rPr>
-              <a:t>Scalability (it’s simple to add more processors or computers)</a:t>
-            </a:r>
-          </a:p>
-          <a:p>
-            <a:pPr algn="just" fontAlgn="base">
-              <a:buFont typeface="Wingdings" panose="05000000000000000000" pitchFamily="2" charset="2"/>
-              <a:buChar char="v"/>
-            </a:pPr>
-            <a:r>
-              <a:rPr lang="en-US" b="0" i="0" dirty="0">
-                <a:effectLst/>
-                <a:latin typeface="Algerian" panose="04020705040A02060702" pitchFamily="82" charset="0"/>
-              </a:rPr>
-              <a:t>Communication and mail (people living apart can work together)</a:t>
-            </a:r>
-          </a:p>
-          <a:p>
-            <a:pPr algn="just" fontAlgn="base">
-              <a:buFont typeface="Wingdings" panose="05000000000000000000" pitchFamily="2" charset="2"/>
-              <a:buChar char="v"/>
-            </a:pPr>
-            <a:r>
-              <a:rPr lang="en-US" b="0" i="0" dirty="0">
-                <a:effectLst/>
-                <a:latin typeface="Algerian" panose="04020705040A02060702" pitchFamily="82" charset="0"/>
-              </a:rPr>
-              <a:t>Information Access (remote information access, access to the internet, e-mail, video conferencing, and online shopping)</a:t>
-            </a:r>
-          </a:p>
-          <a:p>
-            <a:pPr algn="just" fontAlgn="base">
-              <a:buFont typeface="Wingdings" panose="05000000000000000000" pitchFamily="2" charset="2"/>
-              <a:buChar char="v"/>
-            </a:pPr>
-            <a:r>
-              <a:rPr lang="en-US" b="0" i="0" dirty="0">
-                <a:effectLst/>
-                <a:latin typeface="Algerian" panose="04020705040A02060702" pitchFamily="82" charset="0"/>
-              </a:rPr>
-              <a:t>Entertainment that is interactive (online games, videos, etc.)</a:t>
-            </a:r>
-          </a:p>
-          <a:p>
-            <a:pPr algn="just" fontAlgn="base">
-              <a:buFont typeface="Wingdings" panose="05000000000000000000" pitchFamily="2" charset="2"/>
-              <a:buChar char="v"/>
-            </a:pPr>
-            <a:r>
-              <a:rPr lang="en-US" b="0" i="0" dirty="0">
-                <a:effectLst/>
-                <a:latin typeface="Algerian" panose="04020705040A02060702" pitchFamily="82" charset="0"/>
-              </a:rPr>
-              <a:t>Social Networking</a:t>
-            </a:r>
-          </a:p>
-          <a:p>
-            <a:endParaRPr lang="en-PH" dirty="0"/>
+              <a:t>Network security issues include protecting data from unauthorized access, protecting data from damage and development, and implementing policies and procedures for recovery from breaches and data loss.  </a:t>
+            </a:r>
+            <a:endParaRPr lang="en-PH" sz="2400" dirty="0">
+              <a:latin typeface="Algerian" panose="04020705040A02060702" pitchFamily="82" charset="0"/>
+            </a:endParaRPr>
           </a:p>
         </p:txBody>
       </p:sp>
     </p:spTree>
     <p:extLst>
       <p:ext uri="{BB962C8B-B14F-4D97-AF65-F5344CB8AC3E}">
-        <p14:creationId xmlns:p14="http://schemas.microsoft.com/office/powerpoint/2010/main" val="2495285018"/>
+        <p14:creationId xmlns:p14="http://schemas.microsoft.com/office/powerpoint/2010/main" val="1401637918"/>
       </p:ext>
     </p:extLst>
   </p:cSld>
@@ -6062,7 +6593,7 @@
           <p:cNvPr id="2" name="Title 1">
             <a:extLst>
               <a:ext uri="{FF2B5EF4-FFF2-40B4-BE49-F238E27FC236}">
-                <a16:creationId xmlns:a16="http://schemas.microsoft.com/office/drawing/2014/main" id="{665B1CD3-84DD-3C1A-E5F4-2FC53D6924C5}"/>
+                <a16:creationId xmlns:a16="http://schemas.microsoft.com/office/drawing/2014/main" id="{4877A0D1-ECE0-12A2-95B7-32C6EB4D2617}"/>
               </a:ext>
             </a:extLst>
           </p:cNvPr>
@@ -6073,7 +6604,12 @@
             <p:ph type="title"/>
           </p:nvPr>
         </p:nvSpPr>
-        <p:spPr/>
+        <p:spPr>
+          <a:xfrm>
+            <a:off x="913795" y="609600"/>
+            <a:ext cx="10353761" cy="2079812"/>
+          </a:xfrm>
+        </p:spPr>
         <p:txBody>
           <a:bodyPr>
             <a:normAutofit/>
@@ -6081,17 +6617,11 @@
           <a:lstStyle/>
           <a:p>
             <a:r>
-              <a:rPr lang="en-PH" dirty="0">
-                <a:latin typeface="Algerian" panose="04020705040A02060702" pitchFamily="82" charset="0"/>
-              </a:rPr>
-              <a:t>TYPES OF NETWORKING </a:t>
-            </a:r>
-            <a:br>
-              <a:rPr lang="en-PH" dirty="0">
-                <a:latin typeface="Algerian" panose="04020705040A02060702" pitchFamily="82" charset="0"/>
-              </a:rPr>
-            </a:br>
-            <a:endParaRPr lang="en-PH" dirty="0"/>
+              <a:rPr lang="en-PH" sz="4400" dirty="0">
+                <a:latin typeface="Algerian" panose="04020705040A02060702" pitchFamily="82" charset="0"/>
+              </a:rPr>
+              <a:t>03. THIS OUR THE GOAL OF NETWORK</a:t>
+            </a:r>
           </a:p>
         </p:txBody>
       </p:sp>
@@ -6100,7 +6630,7 @@
           <p:cNvPr id="3" name="Content Placeholder 2">
             <a:extLst>
               <a:ext uri="{FF2B5EF4-FFF2-40B4-BE49-F238E27FC236}">
-                <a16:creationId xmlns:a16="http://schemas.microsoft.com/office/drawing/2014/main" id="{8E1A1FD8-18B1-E352-57AD-F3C500F60D28}"/>
+                <a16:creationId xmlns:a16="http://schemas.microsoft.com/office/drawing/2014/main" id="{CC1A8269-AB1F-9192-12B7-18140C0ABC01}"/>
               </a:ext>
             </a:extLst>
           </p:cNvPr>
@@ -6111,45 +6641,34 @@
             <p:ph idx="1"/>
           </p:nvPr>
         </p:nvSpPr>
-        <p:spPr/>
-        <p:txBody>
-          <a:bodyPr/>
-          <a:lstStyle/>
-          <a:p>
-            <a:pPr>
-              <a:buFont typeface="Wingdings" panose="05000000000000000000" pitchFamily="2" charset="2"/>
-              <a:buChar char="v"/>
+        <p:spPr>
+          <a:xfrm>
+            <a:off x="837595" y="3065928"/>
+            <a:ext cx="10353762" cy="3182471"/>
+          </a:xfrm>
+        </p:spPr>
+        <p:txBody>
+          <a:bodyPr>
+            <a:normAutofit/>
+          </a:bodyPr>
+          <a:lstStyle/>
+          <a:p>
+            <a:pPr marL="0" indent="0">
+              <a:buNone/>
             </a:pPr>
             <a:r>
-              <a:rPr lang="en-PH" b="1" i="0" dirty="0">
-                <a:effectLst/>
-                <a:latin typeface="Algerian" panose="04020705040A02060702" pitchFamily="82" charset="0"/>
-              </a:rPr>
-              <a:t>Wired Network</a:t>
-            </a:r>
-          </a:p>
-          <a:p>
-            <a:pPr>
-              <a:buFont typeface="Wingdings" panose="05000000000000000000" pitchFamily="2" charset="2"/>
-              <a:buChar char="v"/>
-            </a:pPr>
-            <a:r>
-              <a:rPr lang="en-PH" b="1" i="0" dirty="0">
-                <a:effectLst/>
-                <a:latin typeface="Algerian" panose="04020705040A02060702" pitchFamily="82" charset="0"/>
-              </a:rPr>
-              <a:t>Wireless Network</a:t>
-            </a:r>
-            <a:endParaRPr lang="en-PH" dirty="0">
-              <a:latin typeface="Algerian" panose="04020705040A02060702" pitchFamily="82" charset="0"/>
-            </a:endParaRPr>
+              <a:rPr lang="en-PH" sz="3200" dirty="0">
+                <a:latin typeface="Algerian" panose="04020705040A02060702" pitchFamily="82" charset="0"/>
+              </a:rPr>
+              <a:t>CHECK IN THE NEXT SLIDE</a:t>
+            </a:r>
           </a:p>
         </p:txBody>
       </p:sp>
     </p:spTree>
     <p:extLst>
       <p:ext uri="{BB962C8B-B14F-4D97-AF65-F5344CB8AC3E}">
-        <p14:creationId xmlns:p14="http://schemas.microsoft.com/office/powerpoint/2010/main" val="1971343938"/>
+        <p14:creationId xmlns:p14="http://schemas.microsoft.com/office/powerpoint/2010/main" val="366526862"/>
       </p:ext>
     </p:extLst>
   </p:cSld>
@@ -6181,7 +6700,7 @@
           <p:cNvPr id="2" name="Title 1">
             <a:extLst>
               <a:ext uri="{FF2B5EF4-FFF2-40B4-BE49-F238E27FC236}">
-                <a16:creationId xmlns:a16="http://schemas.microsoft.com/office/drawing/2014/main" id="{32BC8EC5-A7A4-D254-1615-D797E543D7FE}"/>
+                <a16:creationId xmlns:a16="http://schemas.microsoft.com/office/drawing/2014/main" id="{576D46E2-F863-140C-D514-888C75FE3F33}"/>
               </a:ext>
             </a:extLst>
           </p:cNvPr>
@@ -6192,60 +6711,28 @@
             <p:ph type="title"/>
           </p:nvPr>
         </p:nvSpPr>
-        <p:spPr/>
+        <p:spPr>
+          <a:xfrm>
+            <a:off x="0" y="0"/>
+            <a:ext cx="12191999" cy="6858000"/>
+          </a:xfrm>
+        </p:spPr>
         <p:txBody>
           <a:bodyPr/>
           <a:lstStyle/>
           <a:p>
-            <a:r>
-              <a:rPr lang="en-PH" b="1" i="0" dirty="0">
-                <a:effectLst/>
-                <a:latin typeface="Algerian" panose="04020705040A02060702" pitchFamily="82" charset="0"/>
-              </a:rPr>
-              <a:t>Wired Network</a:t>
-            </a:r>
-            <a:endParaRPr lang="en-PH" dirty="0">
-              <a:latin typeface="Algerian" panose="04020705040A02060702" pitchFamily="82" charset="0"/>
-            </a:endParaRPr>
-          </a:p>
-        </p:txBody>
-      </p:sp>
-      <p:sp>
-        <p:nvSpPr>
-          <p:cNvPr id="3" name="Content Placeholder 2">
-            <a:extLst>
-              <a:ext uri="{FF2B5EF4-FFF2-40B4-BE49-F238E27FC236}">
-                <a16:creationId xmlns:a16="http://schemas.microsoft.com/office/drawing/2014/main" id="{DE02A001-D4C1-4941-1337-0279A9EE836D}"/>
-              </a:ext>
-            </a:extLst>
-          </p:cNvPr>
-          <p:cNvSpPr>
-            <a:spLocks noGrp="1"/>
-          </p:cNvSpPr>
-          <p:nvPr>
-            <p:ph idx="1"/>
-          </p:nvPr>
-        </p:nvSpPr>
-        <p:spPr/>
-        <p:txBody>
-          <a:bodyPr/>
-          <a:lstStyle/>
-          <a:p>
-            <a:pPr marL="0" indent="0" algn="just" fontAlgn="base">
-              <a:buNone/>
-            </a:pPr>
-            <a:r>
-              <a:rPr lang="en-US" b="0" i="0" dirty="0">
-                <a:effectLst/>
-                <a:latin typeface="Algerian" panose="04020705040A02060702" pitchFamily="82" charset="0"/>
-              </a:rPr>
-              <a:t>As we all know, “wired” refers to any physical medium made up of cables. Copper wire, twisted pair, or fiber optic cables are all options. A wired network employs wires to link devices to the Internet or another network, such as laptops or desktop PCs.</a:t>
-            </a:r>
-          </a:p>
-          <a:p>
-            <a:pPr marL="0" indent="0">
-              <a:buNone/>
-            </a:pPr>
+            <a:pPr algn="ctr"/>
+            <a:r>
+              <a:rPr lang="en-PH" sz="6600" dirty="0">
+                <a:latin typeface="Algerian" panose="04020705040A02060702" pitchFamily="82" charset="0"/>
+              </a:rPr>
+              <a:t>GOAL OF NETWORKING</a:t>
+            </a:r>
+            <a:br>
+              <a:rPr lang="en-PH" dirty="0">
+                <a:latin typeface="Algerian" panose="04020705040A02060702" pitchFamily="82" charset="0"/>
+              </a:rPr>
+            </a:br>
             <a:endParaRPr lang="en-PH" dirty="0"/>
           </a:p>
         </p:txBody>
@@ -6253,7 +6740,7 @@
     </p:spTree>
     <p:extLst>
       <p:ext uri="{BB962C8B-B14F-4D97-AF65-F5344CB8AC3E}">
-        <p14:creationId xmlns:p14="http://schemas.microsoft.com/office/powerpoint/2010/main" val="4105040301"/>
+        <p14:creationId xmlns:p14="http://schemas.microsoft.com/office/powerpoint/2010/main" val="1335649547"/>
       </p:ext>
     </p:extLst>
   </p:cSld>
@@ -6282,10 +6769,10 @@
       </p:grpSpPr>
       <p:sp>
         <p:nvSpPr>
-          <p:cNvPr id="2" name="Title 1">
+          <p:cNvPr id="3" name="Content Placeholder 2">
             <a:extLst>
               <a:ext uri="{FF2B5EF4-FFF2-40B4-BE49-F238E27FC236}">
-                <a16:creationId xmlns:a16="http://schemas.microsoft.com/office/drawing/2014/main" id="{A492629F-9FA2-534C-4D56-CCEA3D010A18}"/>
+                <a16:creationId xmlns:a16="http://schemas.microsoft.com/office/drawing/2014/main" id="{81876CE5-B973-DE17-F17C-1235875FCDA3}"/>
               </a:ext>
             </a:extLst>
           </p:cNvPr>
@@ -6293,65 +6780,125 @@
             <a:spLocks noGrp="1"/>
           </p:cNvSpPr>
           <p:nvPr>
-            <p:ph type="title"/>
-          </p:nvPr>
-        </p:nvSpPr>
-        <p:spPr/>
-        <p:txBody>
-          <a:bodyPr/>
-          <a:lstStyle/>
-          <a:p>
-            <a:r>
-              <a:rPr lang="en-PH" b="1" i="0" dirty="0">
-                <a:effectLst/>
-                <a:latin typeface="Algerian" panose="04020705040A02060702" pitchFamily="82" charset="0"/>
-              </a:rPr>
-              <a:t>Wireless Network</a:t>
-            </a:r>
-            <a:endParaRPr lang="en-PH" dirty="0">
-              <a:latin typeface="Algerian" panose="04020705040A02060702" pitchFamily="82" charset="0"/>
-            </a:endParaRPr>
-          </a:p>
-        </p:txBody>
-      </p:sp>
-      <p:sp>
-        <p:nvSpPr>
-          <p:cNvPr id="3" name="Content Placeholder 2">
-            <a:extLst>
-              <a:ext uri="{FF2B5EF4-FFF2-40B4-BE49-F238E27FC236}">
-                <a16:creationId xmlns:a16="http://schemas.microsoft.com/office/drawing/2014/main" id="{6B126B14-EE84-8225-FF58-E949616CDE50}"/>
-              </a:ext>
-            </a:extLst>
-          </p:cNvPr>
-          <p:cNvSpPr>
-            <a:spLocks noGrp="1"/>
-          </p:cNvSpPr>
-          <p:nvPr>
             <p:ph idx="1"/>
           </p:nvPr>
         </p:nvSpPr>
-        <p:spPr/>
-        <p:txBody>
-          <a:bodyPr/>
-          <a:lstStyle/>
-          <a:p>
+        <p:spPr>
+          <a:xfrm>
+            <a:off x="838200" y="497540"/>
+            <a:ext cx="10515600" cy="5876365"/>
+          </a:xfrm>
+        </p:spPr>
+        <p:txBody>
+          <a:bodyPr>
+            <a:normAutofit/>
+          </a:bodyPr>
+          <a:lstStyle/>
+          <a:p>
+            <a:pPr algn="just" fontAlgn="base">
+              <a:buFont typeface="Wingdings" panose="05000000000000000000" pitchFamily="2" charset="2"/>
+              <a:buChar char="v"/>
+            </a:pPr>
             <a:r>
               <a:rPr lang="en-US" b="0" i="0" dirty="0">
                 <a:effectLst/>
                 <a:latin typeface="Algerian" panose="04020705040A02060702" pitchFamily="82" charset="0"/>
               </a:rPr>
-              <a:t>“Wireless” means without wire, media that is made up of electromagnetic waves (EM Waves) or infrared waves. Antennas or sensors will be present on all wireless devices. Cellular phones, wireless sensors, TV remotes, satellite disc receivers, and laptops with WLAN cards are all examples of wireless devices. For data or voice communication, a wireless network uses radio frequency waves rather than wires</a:t>
-            </a:r>
+              <a:t>Programs do not have to execute on a single system because of resource and load sharing.</a:t>
+            </a:r>
+          </a:p>
+          <a:p>
+            <a:pPr algn="just" fontAlgn="base">
+              <a:buFont typeface="Wingdings" panose="05000000000000000000" pitchFamily="2" charset="2"/>
+              <a:buChar char="v"/>
+            </a:pPr>
             <a:r>
               <a:rPr lang="en-US" b="0" i="0" dirty="0">
-                <a:solidFill>
-                  <a:srgbClr val="273239"/>
-                </a:solidFill>
                 <a:effectLst/>
-                <a:latin typeface="urw-din"/>
-              </a:rPr>
-              <a:t>.</a:t>
-            </a:r>
+                <a:latin typeface="Algerian" panose="04020705040A02060702" pitchFamily="82" charset="0"/>
+              </a:rPr>
+              <a:t>Reduced costs – Multiple machines can share printers, tape drives, and other peripherals.</a:t>
+            </a:r>
+          </a:p>
+          <a:p>
+            <a:pPr algn="just" fontAlgn="base">
+              <a:buFont typeface="Wingdings" panose="05000000000000000000" pitchFamily="2" charset="2"/>
+              <a:buChar char="v"/>
+            </a:pPr>
+            <a:r>
+              <a:rPr lang="en-US" b="0" i="0" dirty="0">
+                <a:effectLst/>
+                <a:latin typeface="Algerian" panose="04020705040A02060702" pitchFamily="82" charset="0"/>
+              </a:rPr>
+              <a:t>Reliability – If one machine fails, another can take its place.</a:t>
+            </a:r>
+          </a:p>
+          <a:p>
+            <a:pPr algn="just" fontAlgn="base">
+              <a:buFont typeface="Wingdings" panose="05000000000000000000" pitchFamily="2" charset="2"/>
+              <a:buChar char="v"/>
+            </a:pPr>
+            <a:r>
+              <a:rPr lang="en-US" b="0" i="0" dirty="0">
+                <a:effectLst/>
+                <a:latin typeface="Algerian" panose="04020705040A02060702" pitchFamily="82" charset="0"/>
+              </a:rPr>
+              <a:t>Scalability (it’s simple to add more processors or computers)</a:t>
+            </a:r>
+          </a:p>
+          <a:p>
+            <a:pPr algn="just" fontAlgn="base">
+              <a:buFont typeface="Wingdings" panose="05000000000000000000" pitchFamily="2" charset="2"/>
+              <a:buChar char="v"/>
+            </a:pPr>
+            <a:r>
+              <a:rPr lang="en-US" b="0" i="0" dirty="0">
+                <a:effectLst/>
+                <a:latin typeface="Algerian" panose="04020705040A02060702" pitchFamily="82" charset="0"/>
+              </a:rPr>
+              <a:t>Communication and mail (people living apart can work together)</a:t>
+            </a:r>
+          </a:p>
+          <a:p>
+            <a:pPr algn="just" fontAlgn="base">
+              <a:buFont typeface="Wingdings" panose="05000000000000000000" pitchFamily="2" charset="2"/>
+              <a:buChar char="v"/>
+            </a:pPr>
+            <a:r>
+              <a:rPr lang="en-US" b="0" i="0" dirty="0">
+                <a:effectLst/>
+                <a:latin typeface="Algerian" panose="04020705040A02060702" pitchFamily="82" charset="0"/>
+              </a:rPr>
+              <a:t>Information Access (remote information access, access to the internet, e-mail, video conferencing, and online shopping)</a:t>
+            </a:r>
+          </a:p>
+          <a:p>
+            <a:pPr algn="just" fontAlgn="base">
+              <a:buFont typeface="Wingdings" panose="05000000000000000000" pitchFamily="2" charset="2"/>
+              <a:buChar char="v"/>
+            </a:pPr>
+            <a:r>
+              <a:rPr lang="en-US" b="0" i="0" dirty="0">
+                <a:effectLst/>
+                <a:latin typeface="Algerian" panose="04020705040A02060702" pitchFamily="82" charset="0"/>
+              </a:rPr>
+              <a:t>Entertainment that is interactive (online games, videos, etc.)</a:t>
+            </a:r>
+          </a:p>
+          <a:p>
+            <a:pPr algn="just" fontAlgn="base">
+              <a:buFont typeface="Wingdings" panose="05000000000000000000" pitchFamily="2" charset="2"/>
+              <a:buChar char="v"/>
+            </a:pPr>
+            <a:r>
+              <a:rPr lang="en-US" b="0" i="0" dirty="0">
+                <a:effectLst/>
+                <a:latin typeface="Algerian" panose="04020705040A02060702" pitchFamily="82" charset="0"/>
+              </a:rPr>
+              <a:t>Social Networking</a:t>
+            </a:r>
+          </a:p>
+          <a:p>
             <a:endParaRPr lang="en-PH" dirty="0"/>
           </a:p>
         </p:txBody>
@@ -6359,7 +6906,7 @@
     </p:spTree>
     <p:extLst>
       <p:ext uri="{BB962C8B-B14F-4D97-AF65-F5344CB8AC3E}">
-        <p14:creationId xmlns:p14="http://schemas.microsoft.com/office/powerpoint/2010/main" val="1685725828"/>
+        <p14:creationId xmlns:p14="http://schemas.microsoft.com/office/powerpoint/2010/main" val="2495285018"/>
       </p:ext>
     </p:extLst>
   </p:cSld>
@@ -6391,7 +6938,7 @@
           <p:cNvPr id="2" name="Title 1">
             <a:extLst>
               <a:ext uri="{FF2B5EF4-FFF2-40B4-BE49-F238E27FC236}">
-                <a16:creationId xmlns:a16="http://schemas.microsoft.com/office/drawing/2014/main" id="{4FDFD70B-BBEA-AEEC-8D7B-3657532F3E24}"/>
+                <a16:creationId xmlns:a16="http://schemas.microsoft.com/office/drawing/2014/main" id="{665B1CD3-84DD-3C1A-E5F4-2FC53D6924C5}"/>
               </a:ext>
             </a:extLst>
           </p:cNvPr>
@@ -6413,7 +6960,7 @@
               <a:rPr lang="en-PH" dirty="0">
                 <a:latin typeface="Algerian" panose="04020705040A02060702" pitchFamily="82" charset="0"/>
               </a:rPr>
-              <a:t>DIVISION BASED ON AREA COVERED</a:t>
+              <a:t>TYPES OF NETWORKING </a:t>
             </a:r>
             <a:br>
               <a:rPr lang="en-PH" dirty="0">
@@ -6429,7 +6976,7 @@
           <p:cNvPr id="3" name="Content Placeholder 2">
             <a:extLst>
               <a:ext uri="{FF2B5EF4-FFF2-40B4-BE49-F238E27FC236}">
-                <a16:creationId xmlns:a16="http://schemas.microsoft.com/office/drawing/2014/main" id="{ABB0B071-B1DB-B8F5-8741-C4F05B52D485}"/>
+                <a16:creationId xmlns:a16="http://schemas.microsoft.com/office/drawing/2014/main" id="{8E1A1FD8-18B1-E352-57AD-F3C500F60D28}"/>
               </a:ext>
             </a:extLst>
           </p:cNvPr>
@@ -6454,7 +7001,7 @@
                 <a:effectLst/>
                 <a:latin typeface="Algerian" panose="04020705040A02060702" pitchFamily="82" charset="0"/>
               </a:rPr>
-              <a:t>Local Area Network (LAN)</a:t>
+              <a:t>Wired Network</a:t>
             </a:r>
           </a:p>
           <a:p>
@@ -6467,63 +7014,18 @@
                 <a:effectLst/>
                 <a:latin typeface="Algerian" panose="04020705040A02060702" pitchFamily="82" charset="0"/>
               </a:rPr>
-              <a:t>Metropolitan Area Network (MAN)</a:t>
-            </a:r>
-            <a:endParaRPr lang="en-PH" b="1" dirty="0">
-              <a:latin typeface="Algerian" panose="04020705040A02060702" pitchFamily="82" charset="0"/>
-            </a:endParaRPr>
-          </a:p>
-          <a:p>
-            <a:pPr>
-              <a:buFont typeface="Wingdings" panose="05000000000000000000" pitchFamily="2" charset="2"/>
-              <a:buChar char="v"/>
-            </a:pPr>
-            <a:r>
-              <a:rPr lang="en-PH" b="1" i="0" dirty="0">
-                <a:effectLst/>
-                <a:latin typeface="Algerian" panose="04020705040A02060702" pitchFamily="82" charset="0"/>
-              </a:rPr>
-              <a:t>Wide Area Network (WAN)</a:t>
-            </a:r>
-          </a:p>
-          <a:p>
-            <a:pPr>
-              <a:buFont typeface="Wingdings" panose="05000000000000000000" pitchFamily="2" charset="2"/>
-              <a:buChar char="v"/>
-            </a:pPr>
-            <a:r>
-              <a:rPr lang="en-PH" b="1" i="0" dirty="0">
-                <a:effectLst/>
-                <a:latin typeface="Algerian" panose="04020705040A02060702" pitchFamily="82" charset="0"/>
-              </a:rPr>
-              <a:t>Point To Point</a:t>
+              <a:t>Wireless Network</a:t>
             </a:r>
             <a:endParaRPr lang="en-PH" dirty="0">
               <a:latin typeface="Algerian" panose="04020705040A02060702" pitchFamily="82" charset="0"/>
             </a:endParaRPr>
           </a:p>
-          <a:p>
-            <a:pPr>
-              <a:buFont typeface="Wingdings" panose="05000000000000000000" pitchFamily="2" charset="2"/>
-              <a:buChar char="v"/>
-            </a:pPr>
-            <a:r>
-              <a:rPr lang="en-PH" b="1" i="0" dirty="0">
-                <a:effectLst/>
-                <a:latin typeface="Algerian" panose="04020705040A02060702" pitchFamily="82" charset="0"/>
-              </a:rPr>
-              <a:t>Switched</a:t>
-            </a:r>
-            <a:endParaRPr lang="en-PH" dirty="0">
-              <a:latin typeface="Algerian" panose="04020705040A02060702" pitchFamily="82" charset="0"/>
-            </a:endParaRPr>
-          </a:p>
         </p:txBody>
       </p:sp>
     </p:spTree>
     <p:extLst>
       <p:ext uri="{BB962C8B-B14F-4D97-AF65-F5344CB8AC3E}">
-        <p14:creationId xmlns:p14="http://schemas.microsoft.com/office/powerpoint/2010/main" val="2385123226"/>
+        <p14:creationId xmlns:p14="http://schemas.microsoft.com/office/powerpoint/2010/main" val="1971343938"/>
       </p:ext>
     </p:extLst>
   </p:cSld>
@@ -6552,10 +7054,10 @@
       </p:grpSpPr>
       <p:sp>
         <p:nvSpPr>
-          <p:cNvPr id="2" name="Title 1">
+          <p:cNvPr id="7" name="Title 6">
             <a:extLst>
               <a:ext uri="{FF2B5EF4-FFF2-40B4-BE49-F238E27FC236}">
-                <a16:creationId xmlns:a16="http://schemas.microsoft.com/office/drawing/2014/main" id="{F301541B-26AA-A988-4563-7F0FF25FA4BF}"/>
+                <a16:creationId xmlns:a16="http://schemas.microsoft.com/office/drawing/2014/main" id="{DEF7FD8F-45C2-954F-B164-5B36634C1D52}"/>
               </a:ext>
             </a:extLst>
           </p:cNvPr>
@@ -6566,7 +7068,12 @@
             <p:ph type="title"/>
           </p:nvPr>
         </p:nvSpPr>
-        <p:spPr/>
+        <p:spPr>
+          <a:xfrm>
+            <a:off x="1108221" y="2702859"/>
+            <a:ext cx="9733512" cy="1116106"/>
+          </a:xfrm>
+        </p:spPr>
         <p:txBody>
           <a:bodyPr>
             <a:normAutofit/>
@@ -6574,65 +7081,24 @@
           <a:lstStyle/>
           <a:p>
             <a:r>
-              <a:rPr lang="en-PH" b="1" i="0" dirty="0">
-                <a:effectLst/>
-                <a:latin typeface="Algerian" panose="04020705040A02060702" pitchFamily="82" charset="0"/>
-              </a:rPr>
-              <a:t>Local Area Network (LAN)</a:t>
-            </a:r>
-            <a:br>
-              <a:rPr lang="en-PH" b="1" i="0" dirty="0">
-                <a:effectLst/>
-                <a:latin typeface="Algerian" panose="04020705040A02060702" pitchFamily="82" charset="0"/>
-              </a:rPr>
-            </a:br>
-            <a:endParaRPr lang="en-PH" dirty="0">
-              <a:latin typeface="Algerian" panose="04020705040A02060702" pitchFamily="82" charset="0"/>
-            </a:endParaRPr>
-          </a:p>
-        </p:txBody>
-      </p:sp>
-      <p:sp>
-        <p:nvSpPr>
-          <p:cNvPr id="3" name="Content Placeholder 2">
-            <a:extLst>
-              <a:ext uri="{FF2B5EF4-FFF2-40B4-BE49-F238E27FC236}">
-                <a16:creationId xmlns:a16="http://schemas.microsoft.com/office/drawing/2014/main" id="{BE6DBC89-FE83-2549-B210-A18E0D25F5FB}"/>
-              </a:ext>
-            </a:extLst>
-          </p:cNvPr>
-          <p:cNvSpPr>
-            <a:spLocks noGrp="1"/>
-          </p:cNvSpPr>
-          <p:nvPr>
-            <p:ph idx="1"/>
-          </p:nvPr>
-        </p:nvSpPr>
-        <p:spPr/>
-        <p:txBody>
-          <a:bodyPr/>
-          <a:lstStyle/>
-          <a:p>
-            <a:pPr marL="0" indent="0">
-              <a:buNone/>
-            </a:pPr>
-            <a:r>
-              <a:rPr lang="en-US" b="0" i="0" dirty="0">
-                <a:effectLst/>
-                <a:latin typeface="Algerian" panose="04020705040A02060702" pitchFamily="82" charset="0"/>
-              </a:rPr>
-              <a:t>A LAN is a network that covers an area of around 10 kilometers. For example, a college network or an office network. Depending upon the needs of the organization, a LAN can be a single office, building, or Campus. We can have two PCs and one printer in-home office or it can extend throughout a company and include audio and video devices. Each host in LAN has an identifier, an address that defines hosts in LAN. A packet sent by the host to another host carries both the source host’s and the destination host’s address.</a:t>
-            </a:r>
-            <a:endParaRPr lang="en-PH" dirty="0">
-              <a:latin typeface="Algerian" panose="04020705040A02060702" pitchFamily="82" charset="0"/>
-            </a:endParaRPr>
+              <a:rPr lang="en-PH" sz="6600" dirty="0">
+                <a:latin typeface="Algerian" panose="04020705040A02060702" pitchFamily="82" charset="0"/>
+              </a:rPr>
+              <a:t>04. </a:t>
+            </a:r>
+            <a:r>
+              <a:rPr lang="en-PH" sz="4800" dirty="0">
+                <a:latin typeface="Algerian" panose="04020705040A02060702" pitchFamily="82" charset="0"/>
+              </a:rPr>
+              <a:t>WHAT IS WIRED NETWORK</a:t>
+            </a:r>
           </a:p>
         </p:txBody>
       </p:sp>
     </p:spTree>
     <p:extLst>
       <p:ext uri="{BB962C8B-B14F-4D97-AF65-F5344CB8AC3E}">
-        <p14:creationId xmlns:p14="http://schemas.microsoft.com/office/powerpoint/2010/main" val="4003733101"/>
+        <p14:creationId xmlns:p14="http://schemas.microsoft.com/office/powerpoint/2010/main" val="474251249"/>
       </p:ext>
     </p:extLst>
   </p:cSld>
@@ -6664,7 +7130,7 @@
           <p:cNvPr id="2" name="Title 1">
             <a:extLst>
               <a:ext uri="{FF2B5EF4-FFF2-40B4-BE49-F238E27FC236}">
-                <a16:creationId xmlns:a16="http://schemas.microsoft.com/office/drawing/2014/main" id="{47F768C5-1176-BD36-AF66-60EFE29B18C1}"/>
+                <a16:creationId xmlns:a16="http://schemas.microsoft.com/office/drawing/2014/main" id="{32BC8EC5-A7A4-D254-1615-D797E543D7FE}"/>
               </a:ext>
             </a:extLst>
           </p:cNvPr>
@@ -6677,24 +7143,17 @@
         </p:nvSpPr>
         <p:spPr/>
         <p:txBody>
-          <a:bodyPr>
-            <a:normAutofit/>
-          </a:bodyPr>
-          <a:lstStyle/>
-          <a:p>
-            <a:r>
-              <a:rPr lang="en-PH" sz="4000" b="1" i="0" dirty="0">
+          <a:bodyPr/>
+          <a:lstStyle/>
+          <a:p>
+            <a:r>
+              <a:rPr lang="en-PH" b="1" i="0" dirty="0">
                 <a:effectLst/>
                 <a:latin typeface="Algerian" panose="04020705040A02060702" pitchFamily="82" charset="0"/>
               </a:rPr>
-              <a:t>Metropolitan Area Network (MAN)</a:t>
-            </a:r>
-            <a:br>
-              <a:rPr lang="en-PH" sz="4000" b="1" dirty="0">
-                <a:latin typeface="Algerian" panose="04020705040A02060702" pitchFamily="82" charset="0"/>
-              </a:rPr>
-            </a:br>
-            <a:endParaRPr lang="en-PH" sz="4000" dirty="0">
+              <a:t>Wired Network</a:t>
+            </a:r>
+            <a:endParaRPr lang="en-PH" dirty="0">
               <a:latin typeface="Algerian" panose="04020705040A02060702" pitchFamily="82" charset="0"/>
             </a:endParaRPr>
           </a:p>
@@ -6705,7 +7164,7 @@
           <p:cNvPr id="3" name="Content Placeholder 2">
             <a:extLst>
               <a:ext uri="{FF2B5EF4-FFF2-40B4-BE49-F238E27FC236}">
-                <a16:creationId xmlns:a16="http://schemas.microsoft.com/office/drawing/2014/main" id="{B63AFDB4-F247-75E4-8CB3-D7ACD271815E}"/>
+                <a16:creationId xmlns:a16="http://schemas.microsoft.com/office/drawing/2014/main" id="{DE02A001-D4C1-4941-1337-0279A9EE836D}"/>
               </a:ext>
             </a:extLst>
           </p:cNvPr>
@@ -6718,28 +7177,32 @@
         </p:nvSpPr>
         <p:spPr/>
         <p:txBody>
-          <a:bodyPr>
-            <a:normAutofit/>
-          </a:bodyPr>
-          <a:lstStyle/>
-          <a:p>
-            <a:r>
-              <a:rPr lang="en-US" sz="2800" b="0" i="0" dirty="0">
+          <a:bodyPr/>
+          <a:lstStyle/>
+          <a:p>
+            <a:pPr marL="0" indent="0" algn="just" fontAlgn="base">
+              <a:buNone/>
+            </a:pPr>
+            <a:r>
+              <a:rPr lang="en-US" b="0" i="0" dirty="0">
                 <a:effectLst/>
                 <a:latin typeface="Algerian" panose="04020705040A02060702" pitchFamily="82" charset="0"/>
               </a:rPr>
-              <a:t>MAN refers to a network that covers an entire city. For example: consider the cable television network.</a:t>
-            </a:r>
-            <a:endParaRPr lang="en-PH" sz="2800" dirty="0">
-              <a:latin typeface="Algerian" panose="04020705040A02060702" pitchFamily="82" charset="0"/>
-            </a:endParaRPr>
+              <a:t>As we all know, “wired” refers to any physical medium made up of cables. Copper wire, twisted pair, or fiber optic cables are all options. A wired network employs wires to link devices to the Internet or another network, such as laptops or desktop PCs.</a:t>
+            </a:r>
+          </a:p>
+          <a:p>
+            <a:pPr marL="0" indent="0">
+              <a:buNone/>
+            </a:pPr>
+            <a:endParaRPr lang="en-PH" dirty="0"/>
           </a:p>
         </p:txBody>
       </p:sp>
     </p:spTree>
     <p:extLst>
       <p:ext uri="{BB962C8B-B14F-4D97-AF65-F5344CB8AC3E}">
-        <p14:creationId xmlns:p14="http://schemas.microsoft.com/office/powerpoint/2010/main" val="3883556791"/>
+        <p14:creationId xmlns:p14="http://schemas.microsoft.com/office/powerpoint/2010/main" val="4105040301"/>
       </p:ext>
     </p:extLst>
   </p:cSld>
@@ -6768,10 +7231,10 @@
       </p:grpSpPr>
       <p:sp>
         <p:nvSpPr>
-          <p:cNvPr id="2" name="Title 1">
+          <p:cNvPr id="4" name="Title 3">
             <a:extLst>
               <a:ext uri="{FF2B5EF4-FFF2-40B4-BE49-F238E27FC236}">
-                <a16:creationId xmlns:a16="http://schemas.microsoft.com/office/drawing/2014/main" id="{8FCF0F1D-B677-4382-C63C-6A51B72EAE29}"/>
+                <a16:creationId xmlns:a16="http://schemas.microsoft.com/office/drawing/2014/main" id="{C81E4471-5C42-B31B-28F1-0129CD7282EC}"/>
               </a:ext>
             </a:extLst>
           </p:cNvPr>
@@ -6782,7 +7245,12 @@
             <p:ph type="title"/>
           </p:nvPr>
         </p:nvSpPr>
-        <p:spPr/>
+        <p:spPr>
+          <a:xfrm>
+            <a:off x="913795" y="609600"/>
+            <a:ext cx="10353761" cy="5629835"/>
+          </a:xfrm>
+        </p:spPr>
         <p:txBody>
           <a:bodyPr>
             <a:normAutofit/>
@@ -6790,73 +7258,24 @@
           <a:lstStyle/>
           <a:p>
             <a:r>
-              <a:rPr lang="en-PH" sz="4000" b="1" i="0" dirty="0">
-                <a:effectLst/>
-                <a:latin typeface="Algerian" panose="04020705040A02060702" pitchFamily="82" charset="0"/>
-              </a:rPr>
-              <a:t>Wide Area Network (WAN)</a:t>
-            </a:r>
-            <a:endParaRPr lang="en-PH" sz="4000" dirty="0">
-              <a:latin typeface="Algerian" panose="04020705040A02060702" pitchFamily="82" charset="0"/>
-            </a:endParaRPr>
-          </a:p>
-        </p:txBody>
-      </p:sp>
-      <p:sp>
-        <p:nvSpPr>
-          <p:cNvPr id="3" name="Content Placeholder 2">
-            <a:extLst>
-              <a:ext uri="{FF2B5EF4-FFF2-40B4-BE49-F238E27FC236}">
-                <a16:creationId xmlns:a16="http://schemas.microsoft.com/office/drawing/2014/main" id="{259410C3-A27D-086E-8CC5-E6209D903D8B}"/>
-              </a:ext>
-            </a:extLst>
-          </p:cNvPr>
-          <p:cNvSpPr>
-            <a:spLocks noGrp="1"/>
-          </p:cNvSpPr>
-          <p:nvPr>
-            <p:ph idx="1"/>
-          </p:nvPr>
-        </p:nvSpPr>
-        <p:spPr/>
-        <p:txBody>
-          <a:bodyPr/>
-          <a:lstStyle/>
-          <a:p>
-            <a:pPr marL="0" indent="0">
-              <a:buNone/>
-            </a:pPr>
-            <a:r>
-              <a:rPr lang="en-US" b="0" i="0" dirty="0">
-                <a:effectLst/>
-                <a:latin typeface="Algerian" panose="04020705040A02060702" pitchFamily="82" charset="0"/>
-              </a:rPr>
-              <a:t>WAN refers to a network that connects countries or continents. For example, the Internet allows users to access a distributed system called www from anywhere around the </a:t>
-            </a:r>
-            <a:r>
-              <a:rPr lang="en-US" b="0" i="0" dirty="0" err="1">
-                <a:effectLst/>
-                <a:latin typeface="Algerian" panose="04020705040A02060702" pitchFamily="82" charset="0"/>
-              </a:rPr>
-              <a:t>globe.WAN</a:t>
-            </a:r>
-            <a:r>
-              <a:rPr lang="en-US" b="0" i="0" dirty="0">
-                <a:effectLst/>
-                <a:latin typeface="Algerian" panose="04020705040A02060702" pitchFamily="82" charset="0"/>
-              </a:rPr>
-              <a:t> interconnects connecting devices such as switches, routers, or modems. A LAN is normally privately owned by an organization that uses it. We see two distinct examples of WANs today: point-to-point WANs and Switched WANs </a:t>
-            </a:r>
-            <a:endParaRPr lang="en-PH" dirty="0">
-              <a:latin typeface="Algerian" panose="04020705040A02060702" pitchFamily="82" charset="0"/>
-            </a:endParaRPr>
+              <a:rPr lang="en-PH" sz="6600" dirty="0">
+                <a:latin typeface="Algerian" panose="04020705040A02060702" pitchFamily="82" charset="0"/>
+              </a:rPr>
+              <a:t>05. </a:t>
+            </a:r>
+            <a:r>
+              <a:rPr lang="en-PH" sz="4400" dirty="0">
+                <a:latin typeface="Algerian" panose="04020705040A02060702" pitchFamily="82" charset="0"/>
+              </a:rPr>
+              <a:t>WHAT WIRELESS NETWORK</a:t>
+            </a:r>
           </a:p>
         </p:txBody>
       </p:sp>
     </p:spTree>
     <p:extLst>
       <p:ext uri="{BB962C8B-B14F-4D97-AF65-F5344CB8AC3E}">
-        <p14:creationId xmlns:p14="http://schemas.microsoft.com/office/powerpoint/2010/main" val="2264399686"/>
+        <p14:creationId xmlns:p14="http://schemas.microsoft.com/office/powerpoint/2010/main" val="1785880914"/>
       </p:ext>
     </p:extLst>
   </p:cSld>
@@ -6885,10 +7304,10 @@
       </p:grpSpPr>
       <p:sp>
         <p:nvSpPr>
-          <p:cNvPr id="4" name="Text Placeholder 3">
+          <p:cNvPr id="2" name="Title 1">
             <a:extLst>
               <a:ext uri="{FF2B5EF4-FFF2-40B4-BE49-F238E27FC236}">
-                <a16:creationId xmlns:a16="http://schemas.microsoft.com/office/drawing/2014/main" id="{A7C14312-E143-9AC5-C65E-D029C8000654}"/>
+                <a16:creationId xmlns:a16="http://schemas.microsoft.com/office/drawing/2014/main" id="{A492629F-9FA2-534C-4D56-CCEA3D010A18}"/>
               </a:ext>
             </a:extLst>
           </p:cNvPr>
@@ -6896,7 +7315,7 @@
             <a:spLocks noGrp="1"/>
           </p:cNvSpPr>
           <p:nvPr>
-            <p:ph type="body" idx="1"/>
+            <p:ph type="title"/>
           </p:nvPr>
         </p:nvSpPr>
         <p:spPr/>
@@ -6909,7 +7328,7 @@
                 <a:effectLst/>
                 <a:latin typeface="Algerian" panose="04020705040A02060702" pitchFamily="82" charset="0"/>
               </a:rPr>
-              <a:t>Point To Point</a:t>
+              <a:t>Wireless Network</a:t>
             </a:r>
             <a:endParaRPr lang="en-PH" dirty="0">
               <a:latin typeface="Algerian" panose="04020705040A02060702" pitchFamily="82" charset="0"/>
@@ -6922,7 +7341,7 @@
           <p:cNvPr id="3" name="Content Placeholder 2">
             <a:extLst>
               <a:ext uri="{FF2B5EF4-FFF2-40B4-BE49-F238E27FC236}">
-                <a16:creationId xmlns:a16="http://schemas.microsoft.com/office/drawing/2014/main" id="{ECCAF431-2C95-6816-6D23-6755D4F273FB}"/>
+                <a16:creationId xmlns:a16="http://schemas.microsoft.com/office/drawing/2014/main" id="{6B126B14-EE84-8225-FF58-E949616CDE50}"/>
               </a:ext>
             </a:extLst>
           </p:cNvPr>
@@ -6930,7 +7349,7 @@
             <a:spLocks noGrp="1"/>
           </p:cNvSpPr>
           <p:nvPr>
-            <p:ph sz="half" idx="2"/>
+            <p:ph idx="1"/>
           </p:nvPr>
         </p:nvSpPr>
         <p:spPr/>
@@ -6938,118 +7357,31 @@
           <a:bodyPr/>
           <a:lstStyle/>
           <a:p>
-            <a:pPr algn="just" fontAlgn="base">
-              <a:buFont typeface="Wingdings" panose="05000000000000000000" pitchFamily="2" charset="2"/>
-              <a:buChar char="v"/>
-            </a:pPr>
             <a:r>
               <a:rPr lang="en-US" b="0" i="0" dirty="0">
                 <a:effectLst/>
                 <a:latin typeface="Algerian" panose="04020705040A02060702" pitchFamily="82" charset="0"/>
               </a:rPr>
-              <a:t>Connects two connecting devices through transmission media. </a:t>
-            </a:r>
-          </a:p>
-          <a:p>
-            <a:pPr marL="0" indent="0" algn="just" fontAlgn="base">
-              <a:buNone/>
-            </a:pPr>
-            <a:endParaRPr lang="en-US" b="0" i="0" dirty="0">
-              <a:solidFill>
-                <a:srgbClr val="273239"/>
-              </a:solidFill>
-              <a:effectLst/>
-              <a:latin typeface="urw-din"/>
-            </a:endParaRPr>
-          </a:p>
-          <a:p>
+              <a:t>“Wireless” means without wire, media that is made up of electromagnetic waves (EM Waves) or infrared waves. Antennas or sensors will be present on all wireless devices. Cellular phones, wireless sensors, TV remotes, satellite disc receivers, and laptops with WLAN cards are all examples of wireless devices. For data or voice communication, a wireless network uses radio frequency waves rather than wires</a:t>
+            </a:r>
+            <a:r>
+              <a:rPr lang="en-US" b="0" i="0" dirty="0">
+                <a:solidFill>
+                  <a:srgbClr val="273239"/>
+                </a:solidFill>
+                <a:effectLst/>
+                <a:latin typeface="urw-din"/>
+              </a:rPr>
+              <a:t>.</a:t>
+            </a:r>
             <a:endParaRPr lang="en-PH" dirty="0"/>
-          </a:p>
-        </p:txBody>
-      </p:sp>
-      <p:sp>
-        <p:nvSpPr>
-          <p:cNvPr id="5" name="Text Placeholder 4">
-            <a:extLst>
-              <a:ext uri="{FF2B5EF4-FFF2-40B4-BE49-F238E27FC236}">
-                <a16:creationId xmlns:a16="http://schemas.microsoft.com/office/drawing/2014/main" id="{A2DCA5C1-4E4E-1E2F-C325-B98FC4EF9775}"/>
-              </a:ext>
-            </a:extLst>
-          </p:cNvPr>
-          <p:cNvSpPr>
-            <a:spLocks noGrp="1"/>
-          </p:cNvSpPr>
-          <p:nvPr>
-            <p:ph type="body" sz="quarter" idx="3"/>
-          </p:nvPr>
-        </p:nvSpPr>
-        <p:spPr>
-          <a:xfrm>
-            <a:off x="6287101" y="2073996"/>
-            <a:ext cx="4865554" cy="823912"/>
-          </a:xfrm>
-        </p:spPr>
-        <p:txBody>
-          <a:bodyPr>
-            <a:normAutofit/>
-          </a:bodyPr>
-          <a:lstStyle/>
-          <a:p>
-            <a:r>
-              <a:rPr lang="en-PH" sz="2800" b="1" i="0" dirty="0">
-                <a:effectLst/>
-                <a:latin typeface="Algerian" panose="04020705040A02060702" pitchFamily="82" charset="0"/>
-              </a:rPr>
-              <a:t>Switched</a:t>
-            </a:r>
-            <a:endParaRPr lang="en-PH" sz="2800" dirty="0">
-              <a:latin typeface="Algerian" panose="04020705040A02060702" pitchFamily="82" charset="0"/>
-            </a:endParaRPr>
-          </a:p>
-        </p:txBody>
-      </p:sp>
-      <p:sp>
-        <p:nvSpPr>
-          <p:cNvPr id="6" name="Content Placeholder 5">
-            <a:extLst>
-              <a:ext uri="{FF2B5EF4-FFF2-40B4-BE49-F238E27FC236}">
-                <a16:creationId xmlns:a16="http://schemas.microsoft.com/office/drawing/2014/main" id="{9695CFC8-64B9-9769-AD52-109C9E6E3643}"/>
-              </a:ext>
-            </a:extLst>
-          </p:cNvPr>
-          <p:cNvSpPr>
-            <a:spLocks noGrp="1"/>
-          </p:cNvSpPr>
-          <p:nvPr>
-            <p:ph sz="quarter" idx="4"/>
-          </p:nvPr>
-        </p:nvSpPr>
-        <p:spPr/>
-        <p:txBody>
-          <a:bodyPr/>
-          <a:lstStyle/>
-          <a:p>
-            <a:pPr>
-              <a:buFont typeface="Wingdings" panose="05000000000000000000" pitchFamily="2" charset="2"/>
-              <a:buChar char="v"/>
-            </a:pPr>
-            <a:r>
-              <a:rPr lang="en-US" b="0" i="0" dirty="0">
-                <a:effectLst/>
-                <a:latin typeface="Algerian" panose="04020705040A02060702" pitchFamily="82" charset="0"/>
-              </a:rPr>
-              <a:t>A switched WAN is a network with more than two ends.</a:t>
-            </a:r>
-            <a:endParaRPr lang="en-PH" dirty="0">
-              <a:latin typeface="Algerian" panose="04020705040A02060702" pitchFamily="82" charset="0"/>
-            </a:endParaRPr>
           </a:p>
         </p:txBody>
       </p:sp>
     </p:spTree>
     <p:extLst>
       <p:ext uri="{BB962C8B-B14F-4D97-AF65-F5344CB8AC3E}">
-        <p14:creationId xmlns:p14="http://schemas.microsoft.com/office/powerpoint/2010/main" val="979016903"/>
+        <p14:creationId xmlns:p14="http://schemas.microsoft.com/office/powerpoint/2010/main" val="1685725828"/>
       </p:ext>
     </p:extLst>
   </p:cSld>
@@ -7324,10 +7656,10 @@
       </p:grpSpPr>
       <p:sp>
         <p:nvSpPr>
-          <p:cNvPr id="7" name="Title 6">
+          <p:cNvPr id="2" name="Title 1">
             <a:extLst>
               <a:ext uri="{FF2B5EF4-FFF2-40B4-BE49-F238E27FC236}">
-                <a16:creationId xmlns:a16="http://schemas.microsoft.com/office/drawing/2014/main" id="{4F3368BC-9C4F-099B-C007-4F913A1B2448}"/>
+                <a16:creationId xmlns:a16="http://schemas.microsoft.com/office/drawing/2014/main" id="{65B7BFDB-2D01-FC3B-08D6-5E18442906AC}"/>
               </a:ext>
             </a:extLst>
           </p:cNvPr>
@@ -7338,80 +7670,41 @@
             <p:ph type="title"/>
           </p:nvPr>
         </p:nvSpPr>
-        <p:spPr/>
-        <p:txBody>
-          <a:bodyPr>
-            <a:normAutofit/>
-          </a:bodyPr>
-          <a:lstStyle/>
-          <a:p>
+        <p:spPr>
+          <a:xfrm>
+            <a:off x="913795" y="609600"/>
+            <a:ext cx="10353761" cy="5616388"/>
+          </a:xfrm>
+        </p:spPr>
+        <p:txBody>
+          <a:bodyPr/>
+          <a:lstStyle/>
+          <a:p>
+            <a:r>
+              <a:rPr lang="en-PH" sz="6000" dirty="0">
+                <a:latin typeface="Algerian" panose="04020705040A02060702" pitchFamily="82" charset="0"/>
+              </a:rPr>
+              <a:t>06.</a:t>
+            </a:r>
+            <a:r>
+              <a:rPr lang="en-PH" sz="5400" dirty="0">
+                <a:latin typeface="Algerian" panose="04020705040A02060702" pitchFamily="82" charset="0"/>
+              </a:rPr>
+              <a:t> </a:t>
+            </a:r>
             <a:r>
               <a:rPr lang="en-PH" dirty="0">
                 <a:latin typeface="Algerian" panose="04020705040A02060702" pitchFamily="82" charset="0"/>
               </a:rPr>
-              <a:t>BASED ON TYPES OF COMMUNICATION</a:t>
-            </a:r>
-            <a:endParaRPr lang="en-PH" dirty="0"/>
-          </a:p>
-        </p:txBody>
-      </p:sp>
-      <p:sp>
-        <p:nvSpPr>
-          <p:cNvPr id="8" name="Content Placeholder 7">
-            <a:extLst>
-              <a:ext uri="{FF2B5EF4-FFF2-40B4-BE49-F238E27FC236}">
-                <a16:creationId xmlns:a16="http://schemas.microsoft.com/office/drawing/2014/main" id="{8090CFC7-9833-53B6-FD96-642721844004}"/>
-              </a:ext>
-            </a:extLst>
-          </p:cNvPr>
-          <p:cNvSpPr>
-            <a:spLocks noGrp="1"/>
-          </p:cNvSpPr>
-          <p:nvPr>
-            <p:ph idx="1"/>
-          </p:nvPr>
-        </p:nvSpPr>
-        <p:spPr/>
-        <p:txBody>
-          <a:bodyPr/>
-          <a:lstStyle/>
-          <a:p>
-            <a:pPr>
-              <a:buFont typeface="Wingdings" panose="05000000000000000000" pitchFamily="2" charset="2"/>
-              <a:buChar char="v"/>
-            </a:pPr>
-            <a:r>
-              <a:rPr lang="en-US" dirty="0"/>
-              <a:t>POINT TO POINT NETWORKS</a:t>
-            </a:r>
-          </a:p>
-          <a:p>
-            <a:pPr>
-              <a:buFont typeface="Wingdings" panose="05000000000000000000" pitchFamily="2" charset="2"/>
-              <a:buChar char="v"/>
-            </a:pPr>
-            <a:r>
-              <a:rPr lang="en-US" dirty="0"/>
-              <a:t>MULTIPOINT</a:t>
-            </a:r>
-          </a:p>
-          <a:p>
-            <a:pPr>
-              <a:buFont typeface="Wingdings" panose="05000000000000000000" pitchFamily="2" charset="2"/>
-              <a:buChar char="v"/>
-            </a:pPr>
-            <a:r>
-              <a:rPr lang="en-US" dirty="0"/>
-              <a:t>BROADCAST NETWORKS</a:t>
-            </a:r>
-            <a:endParaRPr lang="en-PH" dirty="0"/>
+              <a:t>THESE ARE THE DIVISION BASED ON AREA COVERED </a:t>
+            </a:r>
           </a:p>
         </p:txBody>
       </p:sp>
     </p:spTree>
     <p:extLst>
       <p:ext uri="{BB962C8B-B14F-4D97-AF65-F5344CB8AC3E}">
-        <p14:creationId xmlns:p14="http://schemas.microsoft.com/office/powerpoint/2010/main" val="390670745"/>
+        <p14:creationId xmlns:p14="http://schemas.microsoft.com/office/powerpoint/2010/main" val="895484181"/>
       </p:ext>
     </p:extLst>
   </p:cSld>
@@ -7443,7 +7736,7 @@
           <p:cNvPr id="2" name="Title 1">
             <a:extLst>
               <a:ext uri="{FF2B5EF4-FFF2-40B4-BE49-F238E27FC236}">
-                <a16:creationId xmlns:a16="http://schemas.microsoft.com/office/drawing/2014/main" id="{AF82F111-A26D-538E-A950-F0C2AA467B35}"/>
+                <a16:creationId xmlns:a16="http://schemas.microsoft.com/office/drawing/2014/main" id="{4FDFD70B-BBEA-AEEC-8D7B-3657532F3E24}"/>
               </a:ext>
             </a:extLst>
           </p:cNvPr>
@@ -7456,13 +7749,22 @@
         </p:nvSpPr>
         <p:spPr/>
         <p:txBody>
-          <a:bodyPr/>
-          <a:lstStyle/>
-          <a:p>
-            <a:r>
-              <a:rPr lang="en-US" dirty="0"/>
-              <a:t>POINT TO POINT NETWORKS</a:t>
-            </a:r>
+          <a:bodyPr>
+            <a:normAutofit/>
+          </a:bodyPr>
+          <a:lstStyle/>
+          <a:p>
+            <a:r>
+              <a:rPr lang="en-PH" dirty="0">
+                <a:latin typeface="Algerian" panose="04020705040A02060702" pitchFamily="82" charset="0"/>
+              </a:rPr>
+              <a:t>DIVISION BASED ON AREA COVERED</a:t>
+            </a:r>
+            <a:br>
+              <a:rPr lang="en-PH" dirty="0">
+                <a:latin typeface="Algerian" panose="04020705040A02060702" pitchFamily="82" charset="0"/>
+              </a:rPr>
+            </a:br>
             <a:endParaRPr lang="en-PH" dirty="0"/>
           </a:p>
         </p:txBody>
@@ -7472,7 +7774,7 @@
           <p:cNvPr id="3" name="Content Placeholder 2">
             <a:extLst>
               <a:ext uri="{FF2B5EF4-FFF2-40B4-BE49-F238E27FC236}">
-                <a16:creationId xmlns:a16="http://schemas.microsoft.com/office/drawing/2014/main" id="{310F40C7-4C9E-8B9E-4536-7AB646497ECF}"/>
+                <a16:creationId xmlns:a16="http://schemas.microsoft.com/office/drawing/2014/main" id="{ABB0B071-B1DB-B8F5-8741-C4F05B52D485}"/>
               </a:ext>
             </a:extLst>
           </p:cNvPr>
@@ -7483,48 +7785,90 @@
             <p:ph idx="1"/>
           </p:nvPr>
         </p:nvSpPr>
-        <p:spPr>
-          <a:xfrm>
-            <a:off x="926637" y="2096064"/>
-            <a:ext cx="10353762" cy="3695136"/>
-          </a:xfrm>
-        </p:spPr>
+        <p:spPr/>
         <p:txBody>
           <a:bodyPr/>
           <a:lstStyle/>
           <a:p>
-            <a:pPr marL="0" indent="0">
-              <a:buNone/>
+            <a:pPr>
+              <a:buFont typeface="Wingdings" panose="05000000000000000000" pitchFamily="2" charset="2"/>
+              <a:buChar char="v"/>
             </a:pPr>
             <a:r>
-              <a:rPr lang="en-US" b="0" i="0" dirty="0">
+              <a:rPr lang="en-PH" b="1" i="0" dirty="0">
                 <a:effectLst/>
                 <a:latin typeface="Algerian" panose="04020705040A02060702" pitchFamily="82" charset="0"/>
               </a:rPr>
-              <a:t>Point-to-Point networking is a type of data networking that establishes a direct link between two networking nodes.</a:t>
-            </a:r>
-            <a:br>
-              <a:rPr lang="en-US" dirty="0">
-                <a:latin typeface="Algerian" panose="04020705040A02060702" pitchFamily="82" charset="0"/>
-              </a:rPr>
-            </a:br>
-            <a:r>
-              <a:rPr lang="en-US" b="0" i="0" dirty="0">
+              <a:t>Local Area Network (LAN)</a:t>
+            </a:r>
+          </a:p>
+          <a:p>
+            <a:pPr>
+              <a:buFont typeface="Wingdings" panose="05000000000000000000" pitchFamily="2" charset="2"/>
+              <a:buChar char="v"/>
+            </a:pPr>
+            <a:r>
+              <a:rPr lang="en-PH" b="1" i="0" dirty="0">
                 <a:effectLst/>
                 <a:latin typeface="Algerian" panose="04020705040A02060702" pitchFamily="82" charset="0"/>
               </a:rPr>
-              <a:t>A direct link between two devices, such as a computer and a printer, is known as a point-to-point connection.</a:t>
+              <a:t>Metropolitan Area Network (MAN)</a:t>
+            </a:r>
+            <a:endParaRPr lang="en-PH" b="1" dirty="0">
+              <a:latin typeface="Algerian" panose="04020705040A02060702" pitchFamily="82" charset="0"/>
+            </a:endParaRPr>
+          </a:p>
+          <a:p>
+            <a:pPr>
+              <a:buFont typeface="Wingdings" panose="05000000000000000000" pitchFamily="2" charset="2"/>
+              <a:buChar char="v"/>
+            </a:pPr>
+            <a:r>
+              <a:rPr lang="en-PH" b="1" i="0" dirty="0">
+                <a:effectLst/>
+                <a:latin typeface="Algerian" panose="04020705040A02060702" pitchFamily="82" charset="0"/>
+              </a:rPr>
+              <a:t>Wide Area Network (WAN)</a:t>
+            </a:r>
+          </a:p>
+          <a:p>
+            <a:pPr>
+              <a:buFont typeface="Wingdings" panose="05000000000000000000" pitchFamily="2" charset="2"/>
+              <a:buChar char="v"/>
+            </a:pPr>
+            <a:r>
+              <a:rPr lang="en-PH" b="1" i="0" dirty="0">
+                <a:effectLst/>
+                <a:latin typeface="Algerian" panose="04020705040A02060702" pitchFamily="82" charset="0"/>
+              </a:rPr>
+              <a:t>Point To Point</a:t>
             </a:r>
             <a:endParaRPr lang="en-PH" dirty="0">
               <a:latin typeface="Algerian" panose="04020705040A02060702" pitchFamily="82" charset="0"/>
             </a:endParaRPr>
           </a:p>
+          <a:p>
+            <a:pPr>
+              <a:buFont typeface="Wingdings" panose="05000000000000000000" pitchFamily="2" charset="2"/>
+              <a:buChar char="v"/>
+            </a:pPr>
+            <a:r>
+              <a:rPr lang="en-PH" b="1" i="0" dirty="0">
+                <a:effectLst/>
+                <a:latin typeface="Algerian" panose="04020705040A02060702" pitchFamily="82" charset="0"/>
+              </a:rPr>
+              <a:t>Switched</a:t>
+            </a:r>
+            <a:endParaRPr lang="en-PH" dirty="0">
+              <a:latin typeface="Algerian" panose="04020705040A02060702" pitchFamily="82" charset="0"/>
+            </a:endParaRPr>
+          </a:p>
         </p:txBody>
       </p:sp>
     </p:spTree>
     <p:extLst>
       <p:ext uri="{BB962C8B-B14F-4D97-AF65-F5344CB8AC3E}">
-        <p14:creationId xmlns:p14="http://schemas.microsoft.com/office/powerpoint/2010/main" val="2739387785"/>
+        <p14:creationId xmlns:p14="http://schemas.microsoft.com/office/powerpoint/2010/main" val="2385123226"/>
       </p:ext>
     </p:extLst>
   </p:cSld>
@@ -7556,7 +7900,7 @@
           <p:cNvPr id="2" name="Title 1">
             <a:extLst>
               <a:ext uri="{FF2B5EF4-FFF2-40B4-BE49-F238E27FC236}">
-                <a16:creationId xmlns:a16="http://schemas.microsoft.com/office/drawing/2014/main" id="{880BCA15-5A21-2146-0F48-30EB83E1A6D4}"/>
+                <a16:creationId xmlns:a16="http://schemas.microsoft.com/office/drawing/2014/main" id="{50C6EA1F-85FE-86F0-F253-29B5E82FB539}"/>
               </a:ext>
             </a:extLst>
           </p:cNvPr>
@@ -7567,16 +7911,25 @@
             <p:ph type="title"/>
           </p:nvPr>
         </p:nvSpPr>
-        <p:spPr/>
-        <p:txBody>
-          <a:bodyPr/>
-          <a:lstStyle/>
-          <a:p>
-            <a:r>
-              <a:rPr lang="en-US" dirty="0"/>
-              <a:t>MULTIPOINT</a:t>
-            </a:r>
-            <a:endParaRPr lang="en-PH" dirty="0"/>
+        <p:spPr>
+          <a:xfrm>
+            <a:off x="913795" y="2312894"/>
+            <a:ext cx="10353761" cy="1237130"/>
+          </a:xfrm>
+        </p:spPr>
+        <p:txBody>
+          <a:bodyPr>
+            <a:normAutofit/>
+          </a:bodyPr>
+          <a:lstStyle/>
+          <a:p>
+            <a:pPr algn="l"/>
+            <a:r>
+              <a:rPr lang="en-PH" sz="6600" dirty="0">
+                <a:latin typeface="Algerian" panose="04020705040A02060702" pitchFamily="82" charset="0"/>
+              </a:rPr>
+              <a:t>07.</a:t>
+            </a:r>
           </a:p>
         </p:txBody>
       </p:sp>
@@ -7585,7 +7938,7 @@
           <p:cNvPr id="3" name="Content Placeholder 2">
             <a:extLst>
               <a:ext uri="{FF2B5EF4-FFF2-40B4-BE49-F238E27FC236}">
-                <a16:creationId xmlns:a16="http://schemas.microsoft.com/office/drawing/2014/main" id="{CFC51C19-8688-0135-4197-9336429E7316}"/>
+                <a16:creationId xmlns:a16="http://schemas.microsoft.com/office/drawing/2014/main" id="{270F4747-1B28-ACA7-4C9A-8AAE94A76115}"/>
               </a:ext>
             </a:extLst>
           </p:cNvPr>
@@ -7596,31 +7949,34 @@
             <p:ph idx="1"/>
           </p:nvPr>
         </p:nvSpPr>
-        <p:spPr/>
-        <p:txBody>
-          <a:bodyPr/>
+        <p:spPr>
+          <a:xfrm>
+            <a:off x="913795" y="3429000"/>
+            <a:ext cx="10353762" cy="2362199"/>
+          </a:xfrm>
+        </p:spPr>
+        <p:txBody>
+          <a:bodyPr>
+            <a:normAutofit/>
+          </a:bodyPr>
           <a:lstStyle/>
           <a:p>
             <a:pPr marL="0" indent="0">
               <a:buNone/>
             </a:pPr>
             <a:r>
-              <a:rPr lang="en-US" b="0" i="0" dirty="0">
-                <a:effectLst/>
-                <a:latin typeface="Algerian" panose="04020705040A02060702" pitchFamily="82" charset="0"/>
-              </a:rPr>
-              <a:t>is the one in which more than two specific devices share links. In the multipoint environment, the capacity of the channel is shared, either spatially or temporally. If several devices can use the link simultaneously, it is a spatially shared connection. </a:t>
-            </a:r>
-            <a:endParaRPr lang="en-PH" dirty="0">
-              <a:latin typeface="Algerian" panose="04020705040A02060702" pitchFamily="82" charset="0"/>
-            </a:endParaRPr>
+              <a:rPr lang="en-PH" sz="3200" dirty="0">
+                <a:latin typeface="Algerian" panose="04020705040A02060702" pitchFamily="82" charset="0"/>
+              </a:rPr>
+              <a:t>WHAT IS LOCAL AREA NETWORK?</a:t>
+            </a:r>
           </a:p>
         </p:txBody>
       </p:sp>
     </p:spTree>
     <p:extLst>
       <p:ext uri="{BB962C8B-B14F-4D97-AF65-F5344CB8AC3E}">
-        <p14:creationId xmlns:p14="http://schemas.microsoft.com/office/powerpoint/2010/main" val="1649368678"/>
+        <p14:creationId xmlns:p14="http://schemas.microsoft.com/office/powerpoint/2010/main" val="2423373668"/>
       </p:ext>
     </p:extLst>
   </p:cSld>
@@ -7652,7 +8008,7 @@
           <p:cNvPr id="2" name="Title 1">
             <a:extLst>
               <a:ext uri="{FF2B5EF4-FFF2-40B4-BE49-F238E27FC236}">
-                <a16:creationId xmlns:a16="http://schemas.microsoft.com/office/drawing/2014/main" id="{AE4F60DA-08C1-9A76-E82A-3177BB46AEB6}"/>
+                <a16:creationId xmlns:a16="http://schemas.microsoft.com/office/drawing/2014/main" id="{F301541B-26AA-A988-4563-7F0FF25FA4BF}"/>
               </a:ext>
             </a:extLst>
           </p:cNvPr>
@@ -7665,55 +8021,21 @@
         </p:nvSpPr>
         <p:spPr/>
         <p:txBody>
-          <a:bodyPr/>
-          <a:lstStyle/>
-          <a:p>
-            <a:r>
-              <a:rPr lang="en-US" dirty="0"/>
-              <a:t>BROADCAST NETWORKS</a:t>
-            </a:r>
-            <a:endParaRPr lang="en-PH" dirty="0"/>
-          </a:p>
-        </p:txBody>
-      </p:sp>
-      <p:sp>
-        <p:nvSpPr>
-          <p:cNvPr id="3" name="Content Placeholder 2">
-            <a:extLst>
-              <a:ext uri="{FF2B5EF4-FFF2-40B4-BE49-F238E27FC236}">
-                <a16:creationId xmlns:a16="http://schemas.microsoft.com/office/drawing/2014/main" id="{BC149437-ADD9-AFA0-B9C6-D479F32150B8}"/>
-              </a:ext>
-            </a:extLst>
-          </p:cNvPr>
-          <p:cNvSpPr>
-            <a:spLocks noGrp="1"/>
-          </p:cNvSpPr>
-          <p:nvPr>
-            <p:ph idx="1"/>
-          </p:nvPr>
-        </p:nvSpPr>
-        <p:spPr/>
-        <p:txBody>
-          <a:bodyPr/>
-          <a:lstStyle/>
-          <a:p>
-            <a:pPr marL="0" indent="0" algn="just" fontAlgn="base">
-              <a:buNone/>
-            </a:pPr>
-            <a:r>
-              <a:rPr lang="en-US" b="0" i="0" dirty="0">
+          <a:bodyPr>
+            <a:normAutofit/>
+          </a:bodyPr>
+          <a:lstStyle/>
+          <a:p>
+            <a:r>
+              <a:rPr lang="en-PH" b="1" i="0" dirty="0">
                 <a:effectLst/>
                 <a:latin typeface="Algerian" panose="04020705040A02060702" pitchFamily="82" charset="0"/>
               </a:rPr>
-              <a:t>In broadcast networks, a signal method in which numerous parties can hear a single sender. Radio stations are an excellent illustration of the “Broadcast Network” in everyday life. The radio station is a sender of data/signal in this scenario, and data is only intended to travel in one direction. Away from the radio transmission tower, to be precise.</a:t>
-            </a:r>
-          </a:p>
-          <a:p>
-            <a:pPr marL="0" indent="0">
-              <a:buNone/>
-            </a:pPr>
+              <a:t>Local Area Network (LAN)</a:t>
+            </a:r>
             <a:br>
-              <a:rPr lang="en-US" dirty="0">
+              <a:rPr lang="en-PH" b="1" i="0" dirty="0">
+                <a:effectLst/>
                 <a:latin typeface="Algerian" panose="04020705040A02060702" pitchFamily="82" charset="0"/>
               </a:rPr>
             </a:br>
@@ -7723,10 +8045,47 @@
           </a:p>
         </p:txBody>
       </p:sp>
+      <p:sp>
+        <p:nvSpPr>
+          <p:cNvPr id="3" name="Content Placeholder 2">
+            <a:extLst>
+              <a:ext uri="{FF2B5EF4-FFF2-40B4-BE49-F238E27FC236}">
+                <a16:creationId xmlns:a16="http://schemas.microsoft.com/office/drawing/2014/main" id="{BE6DBC89-FE83-2549-B210-A18E0D25F5FB}"/>
+              </a:ext>
+            </a:extLst>
+          </p:cNvPr>
+          <p:cNvSpPr>
+            <a:spLocks noGrp="1"/>
+          </p:cNvSpPr>
+          <p:nvPr>
+            <p:ph idx="1"/>
+          </p:nvPr>
+        </p:nvSpPr>
+        <p:spPr/>
+        <p:txBody>
+          <a:bodyPr/>
+          <a:lstStyle/>
+          <a:p>
+            <a:pPr marL="0" indent="0">
+              <a:buNone/>
+            </a:pPr>
+            <a:r>
+              <a:rPr lang="en-US" b="0" i="0" dirty="0">
+                <a:effectLst/>
+                <a:latin typeface="Algerian" panose="04020705040A02060702" pitchFamily="82" charset="0"/>
+              </a:rPr>
+              <a:t>A LAN is a network that covers an area of around 10 kilometers. For example, a college network or an office network. Depending upon the needs of the organization, a LAN can be a single office, building, or Campus. We can have two PCs and one printer in-home office or it can extend throughout a company and include audio and video devices. Each host in LAN has an identifier, an address that defines hosts in LAN. A packet sent by the host to another host carries both the source host’s and the destination host’s address.</a:t>
+            </a:r>
+            <a:endParaRPr lang="en-PH" dirty="0">
+              <a:latin typeface="Algerian" panose="04020705040A02060702" pitchFamily="82" charset="0"/>
+            </a:endParaRPr>
+          </a:p>
+        </p:txBody>
+      </p:sp>
     </p:spTree>
     <p:extLst>
       <p:ext uri="{BB962C8B-B14F-4D97-AF65-F5344CB8AC3E}">
-        <p14:creationId xmlns:p14="http://schemas.microsoft.com/office/powerpoint/2010/main" val="4123778782"/>
+        <p14:creationId xmlns:p14="http://schemas.microsoft.com/office/powerpoint/2010/main" val="4003733101"/>
       </p:ext>
     </p:extLst>
   </p:cSld>
@@ -7758,7 +8117,7 @@
           <p:cNvPr id="2" name="Title 1">
             <a:extLst>
               <a:ext uri="{FF2B5EF4-FFF2-40B4-BE49-F238E27FC236}">
-                <a16:creationId xmlns:a16="http://schemas.microsoft.com/office/drawing/2014/main" id="{2C4B4FFF-50BD-ABDB-6D7D-3ACD1BD43255}"/>
+                <a16:creationId xmlns:a16="http://schemas.microsoft.com/office/drawing/2014/main" id="{34B6D11C-5C26-42C6-0417-41CBAB09464E}"/>
               </a:ext>
             </a:extLst>
           </p:cNvPr>
@@ -7769,22 +8128,25 @@
             <p:ph type="title"/>
           </p:nvPr>
         </p:nvSpPr>
-        <p:spPr/>
+        <p:spPr>
+          <a:xfrm>
+            <a:off x="913795" y="1586753"/>
+            <a:ext cx="10353761" cy="1721222"/>
+          </a:xfrm>
+        </p:spPr>
         <p:txBody>
           <a:bodyPr>
             <a:normAutofit/>
           </a:bodyPr>
           <a:lstStyle/>
           <a:p>
-            <a:r>
-              <a:rPr lang="en-US" dirty="0">
-                <a:latin typeface="Algerian" panose="04020705040A02060702" pitchFamily="82" charset="0"/>
-              </a:rPr>
-              <a:t>BASED ON THE TYPES OF ARCHITECTURE</a:t>
-            </a:r>
-            <a:endParaRPr lang="en-PH" dirty="0">
-              <a:latin typeface="Algerian" panose="04020705040A02060702" pitchFamily="82" charset="0"/>
-            </a:endParaRPr>
+            <a:pPr algn="l"/>
+            <a:r>
+              <a:rPr lang="en-PH" sz="6000" dirty="0">
+                <a:latin typeface="Algerian" panose="04020705040A02060702" pitchFamily="82" charset="0"/>
+              </a:rPr>
+              <a:t>08.</a:t>
+            </a:r>
           </a:p>
         </p:txBody>
       </p:sp>
@@ -7793,7 +8155,7 @@
           <p:cNvPr id="3" name="Content Placeholder 2">
             <a:extLst>
               <a:ext uri="{FF2B5EF4-FFF2-40B4-BE49-F238E27FC236}">
-                <a16:creationId xmlns:a16="http://schemas.microsoft.com/office/drawing/2014/main" id="{A52D5FE5-B933-F7ED-DC8B-3EC4107D1864}"/>
+                <a16:creationId xmlns:a16="http://schemas.microsoft.com/office/drawing/2014/main" id="{B2A3D2E5-E922-03C8-22EA-47ED7E67311C}"/>
               </a:ext>
             </a:extLst>
           </p:cNvPr>
@@ -7804,57 +8166,41 @@
             <p:ph idx="1"/>
           </p:nvPr>
         </p:nvSpPr>
-        <p:spPr/>
+        <p:spPr>
+          <a:xfrm>
+            <a:off x="937286" y="3307975"/>
+            <a:ext cx="10353762" cy="2323081"/>
+          </a:xfrm>
+        </p:spPr>
         <p:txBody>
           <a:bodyPr>
             <a:normAutofit/>
           </a:bodyPr>
           <a:lstStyle/>
           <a:p>
-            <a:pPr>
-              <a:buFont typeface="Wingdings" panose="05000000000000000000" pitchFamily="2" charset="2"/>
-              <a:buChar char="v"/>
+            <a:pPr marL="0" indent="0">
+              <a:buNone/>
             </a:pPr>
             <a:r>
-              <a:rPr lang="en-US" sz="2400" dirty="0">
-                <a:latin typeface="Algerian" panose="04020705040A02060702" pitchFamily="82" charset="0"/>
-              </a:rPr>
-              <a:t>P2P NETWORKS</a:t>
-            </a:r>
-          </a:p>
-          <a:p>
-            <a:pPr>
-              <a:buFont typeface="Wingdings" panose="05000000000000000000" pitchFamily="2" charset="2"/>
-              <a:buChar char="v"/>
-            </a:pPr>
-            <a:r>
-              <a:rPr lang="en-US" sz="2400" dirty="0">
-                <a:latin typeface="Algerian" panose="04020705040A02060702" pitchFamily="82" charset="0"/>
-              </a:rPr>
-              <a:t>CLIENT-SERVER NETWORKS</a:t>
-            </a:r>
-          </a:p>
-          <a:p>
-            <a:pPr>
-              <a:buFont typeface="Wingdings" panose="05000000000000000000" pitchFamily="2" charset="2"/>
-              <a:buChar char="v"/>
-            </a:pPr>
-            <a:r>
-              <a:rPr lang="en-US" sz="2400" dirty="0">
-                <a:latin typeface="Algerian" panose="04020705040A02060702" pitchFamily="82" charset="0"/>
-              </a:rPr>
-              <a:t>HYBRID NETWORKS</a:t>
-            </a:r>
-            <a:endParaRPr lang="en-PH" sz="2400" dirty="0">
-              <a:latin typeface="Algerian" panose="04020705040A02060702" pitchFamily="82" charset="0"/>
-            </a:endParaRPr>
+              <a:rPr lang="en-PH" sz="3200" b="1" i="0" dirty="0">
+                <a:effectLst/>
+                <a:latin typeface="Algerian" panose="04020705040A02060702" pitchFamily="82" charset="0"/>
+              </a:rPr>
+              <a:t>WHAT IS Metropolitan Area Network (MAN)</a:t>
+            </a:r>
+            <a:br>
+              <a:rPr lang="en-PH" sz="3200" b="1" dirty="0">
+                <a:latin typeface="Algerian" panose="04020705040A02060702" pitchFamily="82" charset="0"/>
+              </a:rPr>
+            </a:br>
+            <a:endParaRPr lang="en-PH" sz="3200" dirty="0"/>
           </a:p>
         </p:txBody>
       </p:sp>
     </p:spTree>
     <p:extLst>
       <p:ext uri="{BB962C8B-B14F-4D97-AF65-F5344CB8AC3E}">
-        <p14:creationId xmlns:p14="http://schemas.microsoft.com/office/powerpoint/2010/main" val="26360845"/>
+        <p14:creationId xmlns:p14="http://schemas.microsoft.com/office/powerpoint/2010/main" val="222776287"/>
       </p:ext>
     </p:extLst>
   </p:cSld>
@@ -7886,7 +8232,7 @@
           <p:cNvPr id="2" name="Title 1">
             <a:extLst>
               <a:ext uri="{FF2B5EF4-FFF2-40B4-BE49-F238E27FC236}">
-                <a16:creationId xmlns:a16="http://schemas.microsoft.com/office/drawing/2014/main" id="{14A33F61-A246-95C9-2BCE-2F98475C60AA}"/>
+                <a16:creationId xmlns:a16="http://schemas.microsoft.com/office/drawing/2014/main" id="{47F768C5-1176-BD36-AF66-60EFE29B18C1}"/>
               </a:ext>
             </a:extLst>
           </p:cNvPr>
@@ -7905,11 +8251,17 @@
           <a:lstStyle/>
           <a:p>
             <a:r>
-              <a:rPr lang="en-US" sz="4000" dirty="0">
-                <a:latin typeface="Algerian" panose="04020705040A02060702" pitchFamily="82" charset="0"/>
-              </a:rPr>
-              <a:t>P2P NETWORKS</a:t>
-            </a:r>
+              <a:rPr lang="en-PH" sz="4000" b="1" i="0" dirty="0">
+                <a:effectLst/>
+                <a:latin typeface="Algerian" panose="04020705040A02060702" pitchFamily="82" charset="0"/>
+              </a:rPr>
+              <a:t>Metropolitan Area Network (MAN)</a:t>
+            </a:r>
+            <a:br>
+              <a:rPr lang="en-PH" sz="4000" b="1" dirty="0">
+                <a:latin typeface="Algerian" panose="04020705040A02060702" pitchFamily="82" charset="0"/>
+              </a:rPr>
+            </a:br>
             <a:endParaRPr lang="en-PH" sz="4000" dirty="0">
               <a:latin typeface="Algerian" panose="04020705040A02060702" pitchFamily="82" charset="0"/>
             </a:endParaRPr>
@@ -7921,7 +8273,7 @@
           <p:cNvPr id="3" name="Content Placeholder 2">
             <a:extLst>
               <a:ext uri="{FF2B5EF4-FFF2-40B4-BE49-F238E27FC236}">
-                <a16:creationId xmlns:a16="http://schemas.microsoft.com/office/drawing/2014/main" id="{E7BD3BAE-8630-C6EA-DE00-9BF50B1B01D8}"/>
+                <a16:creationId xmlns:a16="http://schemas.microsoft.com/office/drawing/2014/main" id="{B63AFDB4-F247-75E4-8CB3-D7ACD271815E}"/>
               </a:ext>
             </a:extLst>
           </p:cNvPr>
@@ -7934,49 +8286,28 @@
         </p:nvSpPr>
         <p:spPr/>
         <p:txBody>
-          <a:bodyPr/>
-          <a:lstStyle/>
-          <a:p>
-            <a:pPr marL="0" indent="0">
-              <a:buNone/>
-            </a:pPr>
-            <a:r>
-              <a:rPr lang="en-US" b="0" i="0" dirty="0">
+          <a:bodyPr>
+            <a:normAutofit/>
+          </a:bodyPr>
+          <a:lstStyle/>
+          <a:p>
+            <a:r>
+              <a:rPr lang="en-US" sz="2800" b="0" i="0" dirty="0">
                 <a:effectLst/>
                 <a:latin typeface="Algerian" panose="04020705040A02060702" pitchFamily="82" charset="0"/>
               </a:rPr>
-              <a:t>Computers with similar capabilities and configurations are referred to as peers.</a:t>
-            </a:r>
-            <a:br>
-              <a:rPr lang="en-US" dirty="0">
-                <a:latin typeface="Algerian" panose="04020705040A02060702" pitchFamily="82" charset="0"/>
-              </a:rPr>
-            </a:br>
-            <a:r>
-              <a:rPr lang="en-US" b="0" i="0" dirty="0">
-                <a:effectLst/>
-                <a:latin typeface="Algerian" panose="04020705040A02060702" pitchFamily="82" charset="0"/>
-              </a:rPr>
-              <a:t>“Peer to Peer” is the abbreviation for “peer to peer.” The “peers” in a peer-to-peer network are computer systems that are connected to each other over the Internet. Without the use of a central server, files can be shared directly between systems on the network</a:t>
-            </a:r>
-            <a:r>
-              <a:rPr lang="en-US" b="0" i="0" dirty="0">
-                <a:solidFill>
-                  <a:srgbClr val="273239"/>
-                </a:solidFill>
-                <a:effectLst/>
-                <a:latin typeface="urw-din"/>
-              </a:rPr>
-              <a:t>.</a:t>
-            </a:r>
-            <a:endParaRPr lang="en-PH" dirty="0"/>
+              <a:t>MAN refers to a network that covers an entire city. For example: consider the cable television network.</a:t>
+            </a:r>
+            <a:endParaRPr lang="en-PH" sz="2800" dirty="0">
+              <a:latin typeface="Algerian" panose="04020705040A02060702" pitchFamily="82" charset="0"/>
+            </a:endParaRPr>
           </a:p>
         </p:txBody>
       </p:sp>
     </p:spTree>
     <p:extLst>
       <p:ext uri="{BB962C8B-B14F-4D97-AF65-F5344CB8AC3E}">
-        <p14:creationId xmlns:p14="http://schemas.microsoft.com/office/powerpoint/2010/main" val="2877297187"/>
+        <p14:creationId xmlns:p14="http://schemas.microsoft.com/office/powerpoint/2010/main" val="3883556791"/>
       </p:ext>
     </p:extLst>
   </p:cSld>
@@ -8008,7 +8339,7 @@
           <p:cNvPr id="2" name="Title 1">
             <a:extLst>
               <a:ext uri="{FF2B5EF4-FFF2-40B4-BE49-F238E27FC236}">
-                <a16:creationId xmlns:a16="http://schemas.microsoft.com/office/drawing/2014/main" id="{DBD169EC-0E93-872E-1E45-B85D3FCFC155}"/>
+                <a16:creationId xmlns:a16="http://schemas.microsoft.com/office/drawing/2014/main" id="{8D361AB3-9505-F76D-9BA4-51A1FED3A693}"/>
               </a:ext>
             </a:extLst>
           </p:cNvPr>
@@ -8021,18 +8352,18 @@
         </p:nvSpPr>
         <p:spPr/>
         <p:txBody>
-          <a:bodyPr/>
-          <a:lstStyle/>
-          <a:p>
-            <a:r>
-              <a:rPr lang="en-US" dirty="0">
-                <a:latin typeface="Algerian" panose="04020705040A02060702" pitchFamily="82" charset="0"/>
-              </a:rPr>
-              <a:t>CLIENT-SERVER NETWORKS</a:t>
-            </a:r>
-            <a:endParaRPr lang="en-PH" dirty="0">
-              <a:latin typeface="Algerian" panose="04020705040A02060702" pitchFamily="82" charset="0"/>
-            </a:endParaRPr>
+          <a:bodyPr>
+            <a:normAutofit/>
+          </a:bodyPr>
+          <a:lstStyle/>
+          <a:p>
+            <a:pPr algn="l"/>
+            <a:r>
+              <a:rPr lang="en-PH" sz="6000" dirty="0">
+                <a:latin typeface="Algerian" panose="04020705040A02060702" pitchFamily="82" charset="0"/>
+              </a:rPr>
+              <a:t>09.</a:t>
+            </a:r>
           </a:p>
         </p:txBody>
       </p:sp>
@@ -8041,7 +8372,7 @@
           <p:cNvPr id="3" name="Content Placeholder 2">
             <a:extLst>
               <a:ext uri="{FF2B5EF4-FFF2-40B4-BE49-F238E27FC236}">
-                <a16:creationId xmlns:a16="http://schemas.microsoft.com/office/drawing/2014/main" id="{2C39969A-631F-ED2D-E678-601E5FA65D03}"/>
+                <a16:creationId xmlns:a16="http://schemas.microsoft.com/office/drawing/2014/main" id="{C0701EFA-ED26-0948-A6D4-9A390BC51443}"/>
               </a:ext>
             </a:extLst>
           </p:cNvPr>
@@ -8052,28 +8383,36 @@
             <p:ph idx="1"/>
           </p:nvPr>
         </p:nvSpPr>
-        <p:spPr/>
-        <p:txBody>
-          <a:bodyPr/>
-          <a:lstStyle/>
-          <a:p>
-            <a:r>
-              <a:rPr lang="en-US" b="0" i="0" dirty="0">
+        <p:spPr>
+          <a:xfrm>
+            <a:off x="913795" y="2163299"/>
+            <a:ext cx="10353762" cy="3695136"/>
+          </a:xfrm>
+        </p:spPr>
+        <p:txBody>
+          <a:bodyPr>
+            <a:normAutofit/>
+          </a:bodyPr>
+          <a:lstStyle/>
+          <a:p>
+            <a:pPr marL="0" indent="0">
+              <a:buNone/>
+            </a:pPr>
+            <a:r>
+              <a:rPr lang="en-PH" sz="3200" b="1" i="0" dirty="0">
                 <a:effectLst/>
                 <a:latin typeface="Algerian" panose="04020705040A02060702" pitchFamily="82" charset="0"/>
               </a:rPr>
-              <a:t>Each computer or process on the network is either a client or a server in a client-server architecture (client/server). The client asks for services from the server, which the server provides. Servers are high-performance computers or processes that manage disc drives (file servers), printers (print servers), or network traffic (network servers)</a:t>
-            </a:r>
-            <a:endParaRPr lang="en-PH" dirty="0">
-              <a:latin typeface="Algerian" panose="04020705040A02060702" pitchFamily="82" charset="0"/>
-            </a:endParaRPr>
+              <a:t>WHAT IS Wide Area Network (WAN)</a:t>
+            </a:r>
+            <a:endParaRPr lang="en-PH" sz="3200" dirty="0"/>
           </a:p>
         </p:txBody>
       </p:sp>
     </p:spTree>
     <p:extLst>
       <p:ext uri="{BB962C8B-B14F-4D97-AF65-F5344CB8AC3E}">
-        <p14:creationId xmlns:p14="http://schemas.microsoft.com/office/powerpoint/2010/main" val="1253116183"/>
+        <p14:creationId xmlns:p14="http://schemas.microsoft.com/office/powerpoint/2010/main" val="564406961"/>
       </p:ext>
     </p:extLst>
   </p:cSld>
@@ -8105,7 +8444,7 @@
           <p:cNvPr id="2" name="Title 1">
             <a:extLst>
               <a:ext uri="{FF2B5EF4-FFF2-40B4-BE49-F238E27FC236}">
-                <a16:creationId xmlns:a16="http://schemas.microsoft.com/office/drawing/2014/main" id="{BFF89D59-944A-C2EF-28EE-A3E401269980}"/>
+                <a16:creationId xmlns:a16="http://schemas.microsoft.com/office/drawing/2014/main" id="{8FCF0F1D-B677-4382-C63C-6A51B72EAE29}"/>
               </a:ext>
             </a:extLst>
           </p:cNvPr>
@@ -8118,14 +8457,68 @@
         </p:nvSpPr>
         <p:spPr/>
         <p:txBody>
+          <a:bodyPr>
+            <a:normAutofit/>
+          </a:bodyPr>
+          <a:lstStyle/>
+          <a:p>
+            <a:r>
+              <a:rPr lang="en-PH" sz="4000" b="1" i="0" dirty="0">
+                <a:effectLst/>
+                <a:latin typeface="Algerian" panose="04020705040A02060702" pitchFamily="82" charset="0"/>
+              </a:rPr>
+              <a:t>Wide Area Network (WAN)</a:t>
+            </a:r>
+            <a:endParaRPr lang="en-PH" sz="4000" dirty="0">
+              <a:latin typeface="Algerian" panose="04020705040A02060702" pitchFamily="82" charset="0"/>
+            </a:endParaRPr>
+          </a:p>
+        </p:txBody>
+      </p:sp>
+      <p:sp>
+        <p:nvSpPr>
+          <p:cNvPr id="3" name="Content Placeholder 2">
+            <a:extLst>
+              <a:ext uri="{FF2B5EF4-FFF2-40B4-BE49-F238E27FC236}">
+                <a16:creationId xmlns:a16="http://schemas.microsoft.com/office/drawing/2014/main" id="{259410C3-A27D-086E-8CC5-E6209D903D8B}"/>
+              </a:ext>
+            </a:extLst>
+          </p:cNvPr>
+          <p:cNvSpPr>
+            <a:spLocks noGrp="1"/>
+          </p:cNvSpPr>
+          <p:nvPr>
+            <p:ph idx="1"/>
+          </p:nvPr>
+        </p:nvSpPr>
+        <p:spPr/>
+        <p:txBody>
           <a:bodyPr/>
           <a:lstStyle/>
           <a:p>
-            <a:r>
-              <a:rPr lang="en-US" dirty="0">
-                <a:latin typeface="Algerian" panose="04020705040A02060702" pitchFamily="82" charset="0"/>
-              </a:rPr>
-              <a:t>HYBRID NETWORKS</a:t>
+            <a:pPr marL="0" indent="0">
+              <a:buNone/>
+            </a:pPr>
+            <a:r>
+              <a:rPr lang="en-US" b="0" i="0" dirty="0">
+                <a:effectLst/>
+                <a:latin typeface="Algerian" panose="04020705040A02060702" pitchFamily="82" charset="0"/>
+              </a:rPr>
+              <a:t>WAN refers to a network that connects countries or continents. For example, the Internet allows users to access a distributed system called www from anywhere around the </a:t>
+            </a:r>
+            <a:r>
+              <a:rPr lang="en-US" b="0" i="0" dirty="0" err="1">
+                <a:effectLst/>
+                <a:latin typeface="Algerian" panose="04020705040A02060702" pitchFamily="82" charset="0"/>
+              </a:rPr>
+              <a:t>globe.WAN</a:t>
+            </a:r>
+            <a:r>
+              <a:rPr lang="en-US" b="0" i="0" dirty="0">
+                <a:effectLst/>
+                <a:latin typeface="Algerian" panose="04020705040A02060702" pitchFamily="82" charset="0"/>
+              </a:rPr>
+              <a:t> interconnects connecting devices such as switches, routers, or modems. A LAN is normally privately owned by an organization that uses it. We see two distinct examples of WANs today: point-to-point WANs and Switched WANs </a:t>
             </a:r>
             <a:endParaRPr lang="en-PH" dirty="0">
               <a:latin typeface="Algerian" panose="04020705040A02060702" pitchFamily="82" charset="0"/>
@@ -8133,69 +8526,10 @@
           </a:p>
         </p:txBody>
       </p:sp>
-      <p:sp>
-        <p:nvSpPr>
-          <p:cNvPr id="3" name="Content Placeholder 2">
-            <a:extLst>
-              <a:ext uri="{FF2B5EF4-FFF2-40B4-BE49-F238E27FC236}">
-                <a16:creationId xmlns:a16="http://schemas.microsoft.com/office/drawing/2014/main" id="{159AEF7E-0108-4873-D968-72C5F7913E5B}"/>
-              </a:ext>
-            </a:extLst>
-          </p:cNvPr>
-          <p:cNvSpPr>
-            <a:spLocks noGrp="1"/>
-          </p:cNvSpPr>
-          <p:nvPr>
-            <p:ph idx="1"/>
-          </p:nvPr>
-        </p:nvSpPr>
-        <p:spPr/>
-        <p:txBody>
-          <a:bodyPr/>
-          <a:lstStyle/>
-          <a:p>
-            <a:pPr marL="0" indent="0">
-              <a:buNone/>
-            </a:pPr>
-            <a:r>
-              <a:rPr lang="en-US" b="0" i="0" dirty="0">
-                <a:effectLst/>
-                <a:latin typeface="Algerian" panose="04020705040A02060702" pitchFamily="82" charset="0"/>
-              </a:rPr>
-              <a:t>he hybrid model refers to a network that uses a combination of client-server and peer-to-peer architecture. </a:t>
-            </a:r>
-            <a:r>
-              <a:rPr lang="en-US" b="0" i="0" dirty="0" err="1">
-                <a:effectLst/>
-                <a:latin typeface="Algerian" panose="04020705040A02060702" pitchFamily="82" charset="0"/>
-              </a:rPr>
-              <a:t>Eg</a:t>
-            </a:r>
-            <a:r>
-              <a:rPr lang="en-US" b="0" i="0" dirty="0">
-                <a:effectLst/>
-                <a:latin typeface="Algerian" panose="04020705040A02060702" pitchFamily="82" charset="0"/>
-              </a:rPr>
-              <a:t>: Torrent</a:t>
-            </a:r>
-            <a:r>
-              <a:rPr lang="en-US" b="0" i="0" dirty="0">
-                <a:solidFill>
-                  <a:srgbClr val="273239"/>
-                </a:solidFill>
-                <a:effectLst/>
-                <a:latin typeface="urw-din"/>
-              </a:rPr>
-              <a:t>.</a:t>
-            </a:r>
-            <a:endParaRPr lang="en-PH" dirty="0"/>
-          </a:p>
-        </p:txBody>
-      </p:sp>
     </p:spTree>
     <p:extLst>
       <p:ext uri="{BB962C8B-B14F-4D97-AF65-F5344CB8AC3E}">
-        <p14:creationId xmlns:p14="http://schemas.microsoft.com/office/powerpoint/2010/main" val="669278146"/>
+        <p14:creationId xmlns:p14="http://schemas.microsoft.com/office/powerpoint/2010/main" val="2264399686"/>
       </p:ext>
     </p:extLst>
   </p:cSld>
@@ -8224,10 +8558,10 @@
       </p:grpSpPr>
       <p:sp>
         <p:nvSpPr>
-          <p:cNvPr id="2" name="Title 1">
+          <p:cNvPr id="4" name="Text Placeholder 3">
             <a:extLst>
               <a:ext uri="{FF2B5EF4-FFF2-40B4-BE49-F238E27FC236}">
-                <a16:creationId xmlns:a16="http://schemas.microsoft.com/office/drawing/2014/main" id="{4AEB0FA5-8CAF-C46D-E54A-2B457BB5B1AE}"/>
+                <a16:creationId xmlns:a16="http://schemas.microsoft.com/office/drawing/2014/main" id="{A7C14312-E143-9AC5-C65E-D029C8000654}"/>
               </a:ext>
             </a:extLst>
           </p:cNvPr>
@@ -8235,10 +8569,99 @@
             <a:spLocks noGrp="1"/>
           </p:cNvSpPr>
           <p:nvPr>
-            <p:ph type="title"/>
+            <p:ph type="body" idx="1"/>
           </p:nvPr>
         </p:nvSpPr>
         <p:spPr/>
+        <p:txBody>
+          <a:bodyPr/>
+          <a:lstStyle/>
+          <a:p>
+            <a:r>
+              <a:rPr lang="en-PH" b="1" i="0" dirty="0">
+                <a:effectLst/>
+                <a:latin typeface="Algerian" panose="04020705040A02060702" pitchFamily="82" charset="0"/>
+              </a:rPr>
+              <a:t>Point To Point</a:t>
+            </a:r>
+            <a:endParaRPr lang="en-PH" dirty="0">
+              <a:latin typeface="Algerian" panose="04020705040A02060702" pitchFamily="82" charset="0"/>
+            </a:endParaRPr>
+          </a:p>
+        </p:txBody>
+      </p:sp>
+      <p:sp>
+        <p:nvSpPr>
+          <p:cNvPr id="3" name="Content Placeholder 2">
+            <a:extLst>
+              <a:ext uri="{FF2B5EF4-FFF2-40B4-BE49-F238E27FC236}">
+                <a16:creationId xmlns:a16="http://schemas.microsoft.com/office/drawing/2014/main" id="{ECCAF431-2C95-6816-6D23-6755D4F273FB}"/>
+              </a:ext>
+            </a:extLst>
+          </p:cNvPr>
+          <p:cNvSpPr>
+            <a:spLocks noGrp="1"/>
+          </p:cNvSpPr>
+          <p:nvPr>
+            <p:ph sz="half" idx="2"/>
+          </p:nvPr>
+        </p:nvSpPr>
+        <p:spPr/>
+        <p:txBody>
+          <a:bodyPr/>
+          <a:lstStyle/>
+          <a:p>
+            <a:pPr algn="just" fontAlgn="base">
+              <a:buFont typeface="Wingdings" panose="05000000000000000000" pitchFamily="2" charset="2"/>
+              <a:buChar char="v"/>
+            </a:pPr>
+            <a:r>
+              <a:rPr lang="en-US" b="0" i="0" dirty="0">
+                <a:effectLst/>
+                <a:latin typeface="Algerian" panose="04020705040A02060702" pitchFamily="82" charset="0"/>
+              </a:rPr>
+              <a:t>Connects two connecting devices through transmission media. </a:t>
+            </a:r>
+          </a:p>
+          <a:p>
+            <a:pPr marL="0" indent="0" algn="just" fontAlgn="base">
+              <a:buNone/>
+            </a:pPr>
+            <a:endParaRPr lang="en-US" b="0" i="0" dirty="0">
+              <a:solidFill>
+                <a:srgbClr val="273239"/>
+              </a:solidFill>
+              <a:effectLst/>
+              <a:latin typeface="urw-din"/>
+            </a:endParaRPr>
+          </a:p>
+          <a:p>
+            <a:endParaRPr lang="en-PH" dirty="0"/>
+          </a:p>
+        </p:txBody>
+      </p:sp>
+      <p:sp>
+        <p:nvSpPr>
+          <p:cNvPr id="5" name="Text Placeholder 4">
+            <a:extLst>
+              <a:ext uri="{FF2B5EF4-FFF2-40B4-BE49-F238E27FC236}">
+                <a16:creationId xmlns:a16="http://schemas.microsoft.com/office/drawing/2014/main" id="{A2DCA5C1-4E4E-1E2F-C325-B98FC4EF9775}"/>
+              </a:ext>
+            </a:extLst>
+          </p:cNvPr>
+          <p:cNvSpPr>
+            <a:spLocks noGrp="1"/>
+          </p:cNvSpPr>
+          <p:nvPr>
+            <p:ph type="body" sz="quarter" idx="3"/>
+          </p:nvPr>
+        </p:nvSpPr>
+        <p:spPr>
+          <a:xfrm>
+            <a:off x="6287101" y="2073996"/>
+            <a:ext cx="4865554" cy="823912"/>
+          </a:xfrm>
+        </p:spPr>
         <p:txBody>
           <a:bodyPr>
             <a:normAutofit/>
@@ -8246,23 +8669,13 @@
           <a:lstStyle/>
           <a:p>
             <a:r>
-              <a:rPr lang="en-US" dirty="0">
-                <a:latin typeface="Algerian" panose="04020705040A02060702" pitchFamily="82" charset="0"/>
-              </a:rPr>
-              <a:t>NETWORK TROPOLOGY </a:t>
-            </a:r>
-            <a:br>
-              <a:rPr lang="en-US" dirty="0">
-                <a:latin typeface="Algerian" panose="04020705040A02060702" pitchFamily="82" charset="0"/>
-              </a:rPr>
-            </a:br>
-            <a:r>
-              <a:rPr lang="en-US" dirty="0">
-                <a:latin typeface="Algerian" panose="04020705040A02060702" pitchFamily="82" charset="0"/>
-              </a:rPr>
-              <a:t>DISADVANTAGES AND ADVANTAGES</a:t>
-            </a:r>
-            <a:endParaRPr lang="en-PH" dirty="0">
+              <a:rPr lang="en-PH" sz="2800" b="1" i="0" dirty="0">
+                <a:effectLst/>
+                <a:latin typeface="Algerian" panose="04020705040A02060702" pitchFamily="82" charset="0"/>
+              </a:rPr>
+              <a:t>Switched</a:t>
+            </a:r>
+            <a:endParaRPr lang="en-PH" sz="2800" dirty="0">
               <a:latin typeface="Algerian" panose="04020705040A02060702" pitchFamily="82" charset="0"/>
             </a:endParaRPr>
           </a:p>
@@ -8270,10 +8683,10 @@
       </p:sp>
       <p:sp>
         <p:nvSpPr>
-          <p:cNvPr id="3" name="Content Placeholder 2">
+          <p:cNvPr id="6" name="Content Placeholder 5">
             <a:extLst>
               <a:ext uri="{FF2B5EF4-FFF2-40B4-BE49-F238E27FC236}">
-                <a16:creationId xmlns:a16="http://schemas.microsoft.com/office/drawing/2014/main" id="{3A8F3431-FA73-5977-0C47-A80650C906FE}"/>
+                <a16:creationId xmlns:a16="http://schemas.microsoft.com/office/drawing/2014/main" id="{9695CFC8-64B9-9769-AD52-109C9E6E3643}"/>
               </a:ext>
             </a:extLst>
           </p:cNvPr>
@@ -8281,7 +8694,7 @@
             <a:spLocks noGrp="1"/>
           </p:cNvSpPr>
           <p:nvPr>
-            <p:ph idx="1"/>
+            <p:ph sz="quarter" idx="4"/>
           </p:nvPr>
         </p:nvSpPr>
         <p:spPr/>
@@ -8294,72 +8707,22 @@
               <a:buChar char="v"/>
             </a:pPr>
             <a:r>
-              <a:rPr lang="en-US" dirty="0">
-                <a:latin typeface="Algerian" panose="04020705040A02060702" pitchFamily="82" charset="0"/>
-              </a:rPr>
-              <a:t>BUS TROPOLOGY </a:t>
-            </a:r>
-          </a:p>
-          <a:p>
-            <a:pPr>
-              <a:buFont typeface="Wingdings" panose="05000000000000000000" pitchFamily="2" charset="2"/>
-              <a:buChar char="v"/>
-            </a:pPr>
-            <a:r>
-              <a:rPr lang="en-US" dirty="0">
-                <a:latin typeface="Algerian" panose="04020705040A02060702" pitchFamily="82" charset="0"/>
-              </a:rPr>
-              <a:t>RING TROPOLOGY</a:t>
-            </a:r>
-          </a:p>
-          <a:p>
-            <a:pPr>
-              <a:buFont typeface="Wingdings" panose="05000000000000000000" pitchFamily="2" charset="2"/>
-              <a:buChar char="v"/>
-            </a:pPr>
-            <a:r>
-              <a:rPr lang="en-US" dirty="0">
-                <a:latin typeface="Algerian" panose="04020705040A02060702" pitchFamily="82" charset="0"/>
-              </a:rPr>
-              <a:t>STAR TROPOLOGY</a:t>
-            </a:r>
-          </a:p>
-          <a:p>
-            <a:pPr>
-              <a:buFont typeface="Wingdings" panose="05000000000000000000" pitchFamily="2" charset="2"/>
-              <a:buChar char="v"/>
-            </a:pPr>
-            <a:r>
-              <a:rPr lang="en-US" dirty="0">
-                <a:latin typeface="Algerian" panose="04020705040A02060702" pitchFamily="82" charset="0"/>
-              </a:rPr>
-              <a:t>MESH TROPOLOGY</a:t>
-            </a:r>
-          </a:p>
-          <a:p>
-            <a:pPr>
-              <a:buFont typeface="Wingdings" panose="05000000000000000000" pitchFamily="2" charset="2"/>
-              <a:buChar char="v"/>
-            </a:pPr>
-            <a:r>
-              <a:rPr lang="en-US" dirty="0">
-                <a:latin typeface="Algerian" panose="04020705040A02060702" pitchFamily="82" charset="0"/>
-              </a:rPr>
-              <a:t>TREE TROPOLOGY</a:t>
-            </a:r>
-          </a:p>
-          <a:p>
-            <a:pPr marL="0" indent="0">
-              <a:buNone/>
-            </a:pPr>
-            <a:endParaRPr lang="en-PH" dirty="0"/>
+              <a:rPr lang="en-US" b="0" i="0" dirty="0">
+                <a:effectLst/>
+                <a:latin typeface="Algerian" panose="04020705040A02060702" pitchFamily="82" charset="0"/>
+              </a:rPr>
+              <a:t>A switched WAN is a network with more than two ends.</a:t>
+            </a:r>
+            <a:endParaRPr lang="en-PH" dirty="0">
+              <a:latin typeface="Algerian" panose="04020705040A02060702" pitchFamily="82" charset="0"/>
+            </a:endParaRPr>
           </a:p>
         </p:txBody>
       </p:sp>
     </p:spTree>
     <p:extLst>
       <p:ext uri="{BB962C8B-B14F-4D97-AF65-F5344CB8AC3E}">
-        <p14:creationId xmlns:p14="http://schemas.microsoft.com/office/powerpoint/2010/main" val="2657647387"/>
+        <p14:creationId xmlns:p14="http://schemas.microsoft.com/office/powerpoint/2010/main" val="979016903"/>
       </p:ext>
     </p:extLst>
   </p:cSld>
@@ -8388,10 +8751,10 @@
       </p:grpSpPr>
       <p:sp>
         <p:nvSpPr>
-          <p:cNvPr id="2" name="Title 1">
+          <p:cNvPr id="7" name="Title 6">
             <a:extLst>
               <a:ext uri="{FF2B5EF4-FFF2-40B4-BE49-F238E27FC236}">
-                <a16:creationId xmlns:a16="http://schemas.microsoft.com/office/drawing/2014/main" id="{B23AFF7C-F3C2-24E4-1889-354B546BB5A0}"/>
+                <a16:creationId xmlns:a16="http://schemas.microsoft.com/office/drawing/2014/main" id="{4F3368BC-9C4F-099B-C007-4F913A1B2448}"/>
               </a:ext>
             </a:extLst>
           </p:cNvPr>
@@ -8402,12 +8765,7 @@
             <p:ph type="title"/>
           </p:nvPr>
         </p:nvSpPr>
-        <p:spPr>
-          <a:xfrm>
-            <a:off x="836612" y="201706"/>
-            <a:ext cx="4730470" cy="1438835"/>
-          </a:xfrm>
-        </p:spPr>
+        <p:spPr/>
         <p:txBody>
           <a:bodyPr>
             <a:normAutofit/>
@@ -8415,112 +8773,64 @@
           <a:lstStyle/>
           <a:p>
             <a:r>
-              <a:rPr lang="en-US" sz="4800" dirty="0">
-                <a:latin typeface="Algerian" panose="04020705040A02060702" pitchFamily="82" charset="0"/>
-              </a:rPr>
-              <a:t>BUS </a:t>
-            </a:r>
-            <a:r>
-              <a:rPr lang="en-US" sz="4400" dirty="0">
-                <a:latin typeface="Algerian" panose="04020705040A02060702" pitchFamily="82" charset="0"/>
-              </a:rPr>
-              <a:t>TROPOLOGY</a:t>
-            </a:r>
-            <a:endParaRPr lang="en-PH" sz="4800" dirty="0">
-              <a:latin typeface="Algerian" panose="04020705040A02060702" pitchFamily="82" charset="0"/>
-            </a:endParaRPr>
-          </a:p>
-        </p:txBody>
-      </p:sp>
-      <p:pic>
-        <p:nvPicPr>
-          <p:cNvPr id="12" name="Picture Placeholder 11">
+              <a:rPr lang="en-PH" dirty="0">
+                <a:latin typeface="Algerian" panose="04020705040A02060702" pitchFamily="82" charset="0"/>
+              </a:rPr>
+              <a:t>BASED ON TYPES OF COMMUNICATION</a:t>
+            </a:r>
+            <a:endParaRPr lang="en-PH" dirty="0"/>
+          </a:p>
+        </p:txBody>
+      </p:sp>
+      <p:sp>
+        <p:nvSpPr>
+          <p:cNvPr id="8" name="Content Placeholder 7">
             <a:extLst>
               <a:ext uri="{FF2B5EF4-FFF2-40B4-BE49-F238E27FC236}">
-                <a16:creationId xmlns:a16="http://schemas.microsoft.com/office/drawing/2014/main" id="{39E15F42-9348-24A9-5CA6-453C1FA4595D}"/>
+                <a16:creationId xmlns:a16="http://schemas.microsoft.com/office/drawing/2014/main" id="{8090CFC7-9833-53B6-FD96-642721844004}"/>
               </a:ext>
             </a:extLst>
           </p:cNvPr>
-          <p:cNvPicPr>
-            <a:picLocks noGrp="1" noChangeAspect="1"/>
-          </p:cNvPicPr>
+          <p:cNvSpPr>
+            <a:spLocks noGrp="1"/>
+          </p:cNvSpPr>
           <p:nvPr>
             <p:ph idx="1"/>
           </p:nvPr>
-        </p:nvPicPr>
-        <p:blipFill rotWithShape="1">
-          <a:blip r:embed="rId2"/>
-          <a:stretch/>
-        </p:blipFill>
-        <p:spPr>
-          <a:xfrm>
-            <a:off x="5078413" y="1759093"/>
-            <a:ext cx="6189662" cy="2882614"/>
-          </a:xfrm>
-          <a:prstGeom prst="rect">
-            <a:avLst/>
-          </a:prstGeom>
-        </p:spPr>
-      </p:pic>
-      <p:sp>
-        <p:nvSpPr>
-          <p:cNvPr id="3" name="Content Placeholder 2">
-            <a:extLst>
-              <a:ext uri="{FF2B5EF4-FFF2-40B4-BE49-F238E27FC236}">
-                <a16:creationId xmlns:a16="http://schemas.microsoft.com/office/drawing/2014/main" id="{15B50CCC-A071-2B4F-15DE-7A88A1CC506C}"/>
-              </a:ext>
-            </a:extLst>
-          </p:cNvPr>
-          <p:cNvSpPr>
-            <a:spLocks noGrp="1"/>
-          </p:cNvSpPr>
-          <p:nvPr>
-            <p:ph type="body" sz="half" idx="2"/>
-          </p:nvPr>
-        </p:nvSpPr>
-        <p:spPr>
-          <a:xfrm>
-            <a:off x="917228" y="2232212"/>
-            <a:ext cx="3932237" cy="3558987"/>
-          </a:xfrm>
-        </p:spPr>
-        <p:txBody>
-          <a:bodyPr>
-            <a:normAutofit fontScale="92500"/>
-          </a:bodyPr>
-          <a:lstStyle/>
-          <a:p>
-            <a:r>
-              <a:rPr lang="en-US" sz="2400" b="1" i="0" dirty="0">
-                <a:solidFill>
-                  <a:srgbClr val="273239"/>
-                </a:solidFill>
-                <a:effectLst/>
-                <a:latin typeface="urw-din"/>
-              </a:rPr>
-              <a:t> </a:t>
-            </a:r>
-            <a:r>
-              <a:rPr lang="en-US" sz="2400" b="0" i="0" dirty="0">
-                <a:effectLst/>
-                <a:latin typeface="Algerian" panose="04020705040A02060702" pitchFamily="82" charset="0"/>
-              </a:rPr>
-              <a:t>Every computer and network device is connected to a single cable in a bus topology network. Linear Bus topology is defined as having exactly two terminals.</a:t>
-            </a:r>
-          </a:p>
-          <a:p>
-            <a:endParaRPr lang="en-US" b="0" i="0" dirty="0">
-              <a:solidFill>
-                <a:srgbClr val="273239"/>
-              </a:solidFill>
-              <a:effectLst/>
-              <a:latin typeface="urw-din"/>
-            </a:endParaRPr>
-          </a:p>
-          <a:p>
-            <a:pPr marL="0" indent="0">
-              <a:buNone/>
+        </p:nvSpPr>
+        <p:spPr/>
+        <p:txBody>
+          <a:bodyPr/>
+          <a:lstStyle/>
+          <a:p>
+            <a:pPr>
+              <a:buFont typeface="Wingdings" panose="05000000000000000000" pitchFamily="2" charset="2"/>
+              <a:buChar char="v"/>
             </a:pPr>
+            <a:r>
+              <a:rPr lang="en-US" dirty="0"/>
+              <a:t>POINT TO POINT NETWORKS</a:t>
+            </a:r>
+          </a:p>
+          <a:p>
+            <a:pPr>
+              <a:buFont typeface="Wingdings" panose="05000000000000000000" pitchFamily="2" charset="2"/>
+              <a:buChar char="v"/>
+            </a:pPr>
+            <a:r>
+              <a:rPr lang="en-US" dirty="0"/>
+              <a:t>MULTIPOINT</a:t>
+            </a:r>
+          </a:p>
+          <a:p>
+            <a:pPr>
+              <a:buFont typeface="Wingdings" panose="05000000000000000000" pitchFamily="2" charset="2"/>
+              <a:buChar char="v"/>
+            </a:pPr>
+            <a:r>
+              <a:rPr lang="en-US" dirty="0"/>
+              <a:t>BROADCAST NETWORKS</a:t>
+            </a:r>
             <a:endParaRPr lang="en-PH" dirty="0"/>
           </a:p>
         </p:txBody>
@@ -8528,7 +8838,7 @@
     </p:spTree>
     <p:extLst>
       <p:ext uri="{BB962C8B-B14F-4D97-AF65-F5344CB8AC3E}">
-        <p14:creationId xmlns:p14="http://schemas.microsoft.com/office/powerpoint/2010/main" val="3479007890"/>
+        <p14:creationId xmlns:p14="http://schemas.microsoft.com/office/powerpoint/2010/main" val="390670745"/>
       </p:ext>
     </p:extLst>
   </p:cSld>
@@ -8560,7 +8870,7 @@
           <p:cNvPr id="2" name="Title 1">
             <a:extLst>
               <a:ext uri="{FF2B5EF4-FFF2-40B4-BE49-F238E27FC236}">
-                <a16:creationId xmlns:a16="http://schemas.microsoft.com/office/drawing/2014/main" id="{D8479E0F-1AAE-8E41-683B-CD4EE190C51C}"/>
+                <a16:creationId xmlns:a16="http://schemas.microsoft.com/office/drawing/2014/main" id="{16558393-E723-A05E-46ED-661707546A2E}"/>
               </a:ext>
             </a:extLst>
           </p:cNvPr>
@@ -8573,119 +8883,70 @@
         </p:nvSpPr>
         <p:spPr>
           <a:xfrm>
-            <a:off x="839788" y="443752"/>
-            <a:ext cx="3932237" cy="1035423"/>
+            <a:off x="913795" y="753034"/>
+            <a:ext cx="10353761" cy="1506071"/>
           </a:xfrm>
         </p:spPr>
         <p:txBody>
           <a:bodyPr>
-            <a:normAutofit fontScale="90000"/>
+            <a:normAutofit/>
           </a:bodyPr>
           <a:lstStyle/>
           <a:p>
-            <a:pPr algn="ctr"/>
-            <a:r>
-              <a:rPr lang="en-US" sz="3600" dirty="0">
-                <a:latin typeface="Algerian" panose="04020705040A02060702" pitchFamily="82" charset="0"/>
-              </a:rPr>
-              <a:t>COMPUTERNEWORK</a:t>
-            </a:r>
-            <a:endParaRPr lang="en-PH" sz="3600" dirty="0">
-              <a:latin typeface="Algerian" panose="04020705040A02060702" pitchFamily="82" charset="0"/>
-            </a:endParaRPr>
-          </a:p>
-        </p:txBody>
-      </p:sp>
-      <p:pic>
-        <p:nvPicPr>
-          <p:cNvPr id="9" name="Content Placeholder 8">
+            <a:pPr algn="l"/>
+            <a:r>
+              <a:rPr lang="en-PH" sz="8000" dirty="0">
+                <a:latin typeface="Algerian" panose="04020705040A02060702" pitchFamily="82" charset="0"/>
+              </a:rPr>
+              <a:t>01.</a:t>
+            </a:r>
+          </a:p>
+        </p:txBody>
+      </p:sp>
+      <p:sp>
+        <p:nvSpPr>
+          <p:cNvPr id="3" name="Content Placeholder 2">
             <a:extLst>
               <a:ext uri="{FF2B5EF4-FFF2-40B4-BE49-F238E27FC236}">
-                <a16:creationId xmlns:a16="http://schemas.microsoft.com/office/drawing/2014/main" id="{6EF64426-155B-6AD3-0C30-71EBB6C90BDA}"/>
+                <a16:creationId xmlns:a16="http://schemas.microsoft.com/office/drawing/2014/main" id="{7FCCCEFE-A0FA-5EED-B8B1-FA88776EB536}"/>
               </a:ext>
             </a:extLst>
           </p:cNvPr>
-          <p:cNvPicPr>
-            <a:picLocks noGrp="1" noChangeAspect="1"/>
-          </p:cNvPicPr>
+          <p:cNvSpPr>
+            <a:spLocks noGrp="1"/>
+          </p:cNvSpPr>
           <p:nvPr>
             <p:ph idx="1"/>
           </p:nvPr>
-        </p:nvPicPr>
-        <p:blipFill>
-          <a:blip r:embed="rId2"/>
-          <a:stretch>
-            <a:fillRect/>
-          </a:stretch>
-        </p:blipFill>
+        </p:nvSpPr>
         <p:spPr>
           <a:xfrm>
-            <a:off x="5078413" y="1136148"/>
-            <a:ext cx="6189662" cy="4128504"/>
-          </a:xfrm>
-          <a:prstGeom prst="rect">
-            <a:avLst/>
-          </a:prstGeom>
-        </p:spPr>
-      </p:pic>
-      <p:sp>
-        <p:nvSpPr>
-          <p:cNvPr id="4" name="Text Placeholder 3">
-            <a:extLst>
-              <a:ext uri="{FF2B5EF4-FFF2-40B4-BE49-F238E27FC236}">
-                <a16:creationId xmlns:a16="http://schemas.microsoft.com/office/drawing/2014/main" id="{838B72BF-F978-5FF3-A654-C9BCCA886DE7}"/>
-              </a:ext>
-            </a:extLst>
-          </p:cNvPr>
-          <p:cNvSpPr>
-            <a:spLocks noGrp="1"/>
-          </p:cNvSpPr>
-          <p:nvPr>
-            <p:ph type="body" sz="half" idx="2"/>
-          </p:nvPr>
-        </p:nvSpPr>
-        <p:spPr>
-          <a:xfrm>
-            <a:off x="917228" y="2272554"/>
-            <a:ext cx="3932237" cy="3518646"/>
+            <a:off x="913795" y="2393576"/>
+            <a:ext cx="10353762" cy="3397624"/>
           </a:xfrm>
         </p:spPr>
         <p:txBody>
           <a:bodyPr>
-            <a:normAutofit fontScale="92500" lnSpcReduction="10000"/>
+            <a:normAutofit/>
           </a:bodyPr>
           <a:lstStyle/>
           <a:p>
-            <a:r>
-              <a:rPr lang="en-US" sz="2000" b="0" i="0" dirty="0">
-                <a:effectLst/>
-                <a:latin typeface="Algerian" panose="04020705040A02060702" pitchFamily="82" charset="0"/>
-              </a:rPr>
-              <a:t>computer network is a system that connects numerous independent computers in order to share information (data) and resources. The integration of computers and other different devices allows users to communicate more easily</a:t>
-            </a:r>
-            <a:r>
-              <a:rPr lang="en-US" sz="2000" b="0" i="0" dirty="0">
-                <a:solidFill>
-                  <a:srgbClr val="273239"/>
-                </a:solidFill>
-                <a:effectLst/>
-                <a:latin typeface="Algerian" panose="04020705040A02060702" pitchFamily="82" charset="0"/>
-              </a:rPr>
-              <a:t>.</a:t>
-            </a:r>
-            <a:endParaRPr lang="en-PH" sz="2000" dirty="0">
-              <a:latin typeface="Algerian" panose="04020705040A02060702" pitchFamily="82" charset="0"/>
-            </a:endParaRPr>
-          </a:p>
-          <a:p>
-            <a:endParaRPr lang="en-PH" dirty="0"/>
+            <a:pPr marL="0" indent="0">
+              <a:buNone/>
+            </a:pPr>
+            <a:r>
+              <a:rPr lang="en-PH" sz="6000" dirty="0">
+                <a:latin typeface="Algerian" panose="04020705040A02060702" pitchFamily="82" charset="0"/>
+              </a:rPr>
+              <a:t>WHAT IS COMPUTER NETWORK</a:t>
+            </a:r>
           </a:p>
         </p:txBody>
       </p:sp>
     </p:spTree>
     <p:extLst>
       <p:ext uri="{BB962C8B-B14F-4D97-AF65-F5344CB8AC3E}">
-        <p14:creationId xmlns:p14="http://schemas.microsoft.com/office/powerpoint/2010/main" val="1202687297"/>
+        <p14:creationId xmlns:p14="http://schemas.microsoft.com/office/powerpoint/2010/main" val="1205630263"/>
       </p:ext>
     </p:extLst>
   </p:cSld>
@@ -8696,6 +8957,1123 @@
 </file>
 
 <file path=ppt/slides/slide30.xml><?xml version="1.0" encoding="utf-8"?>
+<p:sld xmlns:a="http://schemas.openxmlformats.org/drawingml/2006/main" xmlns:r="http://schemas.openxmlformats.org/officeDocument/2006/relationships" xmlns:p="http://schemas.openxmlformats.org/presentationml/2006/main">
+  <p:cSld>
+    <p:spTree>
+      <p:nvGrpSpPr>
+        <p:cNvPr id="1" name=""/>
+        <p:cNvGrpSpPr/>
+        <p:nvPr/>
+      </p:nvGrpSpPr>
+      <p:grpSpPr>
+        <a:xfrm>
+          <a:off x="0" y="0"/>
+          <a:ext cx="0" cy="0"/>
+          <a:chOff x="0" y="0"/>
+          <a:chExt cx="0" cy="0"/>
+        </a:xfrm>
+      </p:grpSpPr>
+      <p:sp>
+        <p:nvSpPr>
+          <p:cNvPr id="2" name="Title 1">
+            <a:extLst>
+              <a:ext uri="{FF2B5EF4-FFF2-40B4-BE49-F238E27FC236}">
+                <a16:creationId xmlns:a16="http://schemas.microsoft.com/office/drawing/2014/main" id="{AF82F111-A26D-538E-A950-F0C2AA467B35}"/>
+              </a:ext>
+            </a:extLst>
+          </p:cNvPr>
+          <p:cNvSpPr>
+            <a:spLocks noGrp="1"/>
+          </p:cNvSpPr>
+          <p:nvPr>
+            <p:ph type="title"/>
+          </p:nvPr>
+        </p:nvSpPr>
+        <p:spPr/>
+        <p:txBody>
+          <a:bodyPr/>
+          <a:lstStyle/>
+          <a:p>
+            <a:r>
+              <a:rPr lang="en-US" dirty="0"/>
+              <a:t>POINT TO POINT NETWORKS</a:t>
+            </a:r>
+            <a:endParaRPr lang="en-PH" dirty="0"/>
+          </a:p>
+        </p:txBody>
+      </p:sp>
+      <p:sp>
+        <p:nvSpPr>
+          <p:cNvPr id="3" name="Content Placeholder 2">
+            <a:extLst>
+              <a:ext uri="{FF2B5EF4-FFF2-40B4-BE49-F238E27FC236}">
+                <a16:creationId xmlns:a16="http://schemas.microsoft.com/office/drawing/2014/main" id="{310F40C7-4C9E-8B9E-4536-7AB646497ECF}"/>
+              </a:ext>
+            </a:extLst>
+          </p:cNvPr>
+          <p:cNvSpPr>
+            <a:spLocks noGrp="1"/>
+          </p:cNvSpPr>
+          <p:nvPr>
+            <p:ph idx="1"/>
+          </p:nvPr>
+        </p:nvSpPr>
+        <p:spPr>
+          <a:xfrm>
+            <a:off x="926637" y="2096064"/>
+            <a:ext cx="10353762" cy="3695136"/>
+          </a:xfrm>
+        </p:spPr>
+        <p:txBody>
+          <a:bodyPr/>
+          <a:lstStyle/>
+          <a:p>
+            <a:pPr marL="0" indent="0">
+              <a:buNone/>
+            </a:pPr>
+            <a:r>
+              <a:rPr lang="en-US" b="0" i="0" dirty="0">
+                <a:effectLst/>
+                <a:latin typeface="Algerian" panose="04020705040A02060702" pitchFamily="82" charset="0"/>
+              </a:rPr>
+              <a:t>Point-to-Point networking is a type of data networking that establishes a direct link between two networking nodes.</a:t>
+            </a:r>
+            <a:br>
+              <a:rPr lang="en-US" dirty="0">
+                <a:latin typeface="Algerian" panose="04020705040A02060702" pitchFamily="82" charset="0"/>
+              </a:rPr>
+            </a:br>
+            <a:r>
+              <a:rPr lang="en-US" b="0" i="0" dirty="0">
+                <a:effectLst/>
+                <a:latin typeface="Algerian" panose="04020705040A02060702" pitchFamily="82" charset="0"/>
+              </a:rPr>
+              <a:t>A direct link between two devices, such as a computer and a printer, is known as a point-to-point connection.</a:t>
+            </a:r>
+            <a:endParaRPr lang="en-PH" dirty="0">
+              <a:latin typeface="Algerian" panose="04020705040A02060702" pitchFamily="82" charset="0"/>
+            </a:endParaRPr>
+          </a:p>
+        </p:txBody>
+      </p:sp>
+    </p:spTree>
+    <p:extLst>
+      <p:ext uri="{BB962C8B-B14F-4D97-AF65-F5344CB8AC3E}">
+        <p14:creationId xmlns:p14="http://schemas.microsoft.com/office/powerpoint/2010/main" val="2739387785"/>
+      </p:ext>
+    </p:extLst>
+  </p:cSld>
+  <p:clrMapOvr>
+    <a:masterClrMapping/>
+  </p:clrMapOvr>
+</p:sld>
+</file>
+
+<file path=ppt/slides/slide31.xml><?xml version="1.0" encoding="utf-8"?>
+<p:sld xmlns:a="http://schemas.openxmlformats.org/drawingml/2006/main" xmlns:r="http://schemas.openxmlformats.org/officeDocument/2006/relationships" xmlns:p="http://schemas.openxmlformats.org/presentationml/2006/main">
+  <p:cSld>
+    <p:spTree>
+      <p:nvGrpSpPr>
+        <p:cNvPr id="1" name=""/>
+        <p:cNvGrpSpPr/>
+        <p:nvPr/>
+      </p:nvGrpSpPr>
+      <p:grpSpPr>
+        <a:xfrm>
+          <a:off x="0" y="0"/>
+          <a:ext cx="0" cy="0"/>
+          <a:chOff x="0" y="0"/>
+          <a:chExt cx="0" cy="0"/>
+        </a:xfrm>
+      </p:grpSpPr>
+      <p:sp>
+        <p:nvSpPr>
+          <p:cNvPr id="2" name="Title 1">
+            <a:extLst>
+              <a:ext uri="{FF2B5EF4-FFF2-40B4-BE49-F238E27FC236}">
+                <a16:creationId xmlns:a16="http://schemas.microsoft.com/office/drawing/2014/main" id="{880BCA15-5A21-2146-0F48-30EB83E1A6D4}"/>
+              </a:ext>
+            </a:extLst>
+          </p:cNvPr>
+          <p:cNvSpPr>
+            <a:spLocks noGrp="1"/>
+          </p:cNvSpPr>
+          <p:nvPr>
+            <p:ph type="title"/>
+          </p:nvPr>
+        </p:nvSpPr>
+        <p:spPr/>
+        <p:txBody>
+          <a:bodyPr/>
+          <a:lstStyle/>
+          <a:p>
+            <a:r>
+              <a:rPr lang="en-US" dirty="0"/>
+              <a:t>MULTIPOINT</a:t>
+            </a:r>
+            <a:endParaRPr lang="en-PH" dirty="0"/>
+          </a:p>
+        </p:txBody>
+      </p:sp>
+      <p:sp>
+        <p:nvSpPr>
+          <p:cNvPr id="3" name="Content Placeholder 2">
+            <a:extLst>
+              <a:ext uri="{FF2B5EF4-FFF2-40B4-BE49-F238E27FC236}">
+                <a16:creationId xmlns:a16="http://schemas.microsoft.com/office/drawing/2014/main" id="{CFC51C19-8688-0135-4197-9336429E7316}"/>
+              </a:ext>
+            </a:extLst>
+          </p:cNvPr>
+          <p:cNvSpPr>
+            <a:spLocks noGrp="1"/>
+          </p:cNvSpPr>
+          <p:nvPr>
+            <p:ph idx="1"/>
+          </p:nvPr>
+        </p:nvSpPr>
+        <p:spPr/>
+        <p:txBody>
+          <a:bodyPr/>
+          <a:lstStyle/>
+          <a:p>
+            <a:pPr marL="0" indent="0">
+              <a:buNone/>
+            </a:pPr>
+            <a:r>
+              <a:rPr lang="en-US" b="0" i="0" dirty="0">
+                <a:effectLst/>
+                <a:latin typeface="Algerian" panose="04020705040A02060702" pitchFamily="82" charset="0"/>
+              </a:rPr>
+              <a:t>is the one in which more than two specific devices share links. In the multipoint environment, the capacity of the channel is shared, either spatially or temporally. If several devices can use the link simultaneously, it is a spatially shared connection. </a:t>
+            </a:r>
+            <a:endParaRPr lang="en-PH" dirty="0">
+              <a:latin typeface="Algerian" panose="04020705040A02060702" pitchFamily="82" charset="0"/>
+            </a:endParaRPr>
+          </a:p>
+        </p:txBody>
+      </p:sp>
+    </p:spTree>
+    <p:extLst>
+      <p:ext uri="{BB962C8B-B14F-4D97-AF65-F5344CB8AC3E}">
+        <p14:creationId xmlns:p14="http://schemas.microsoft.com/office/powerpoint/2010/main" val="1649368678"/>
+      </p:ext>
+    </p:extLst>
+  </p:cSld>
+  <p:clrMapOvr>
+    <a:masterClrMapping/>
+  </p:clrMapOvr>
+</p:sld>
+</file>
+
+<file path=ppt/slides/slide32.xml><?xml version="1.0" encoding="utf-8"?>
+<p:sld xmlns:a="http://schemas.openxmlformats.org/drawingml/2006/main" xmlns:r="http://schemas.openxmlformats.org/officeDocument/2006/relationships" xmlns:p="http://schemas.openxmlformats.org/presentationml/2006/main">
+  <p:cSld>
+    <p:spTree>
+      <p:nvGrpSpPr>
+        <p:cNvPr id="1" name=""/>
+        <p:cNvGrpSpPr/>
+        <p:nvPr/>
+      </p:nvGrpSpPr>
+      <p:grpSpPr>
+        <a:xfrm>
+          <a:off x="0" y="0"/>
+          <a:ext cx="0" cy="0"/>
+          <a:chOff x="0" y="0"/>
+          <a:chExt cx="0" cy="0"/>
+        </a:xfrm>
+      </p:grpSpPr>
+      <p:sp>
+        <p:nvSpPr>
+          <p:cNvPr id="2" name="Title 1">
+            <a:extLst>
+              <a:ext uri="{FF2B5EF4-FFF2-40B4-BE49-F238E27FC236}">
+                <a16:creationId xmlns:a16="http://schemas.microsoft.com/office/drawing/2014/main" id="{AE4F60DA-08C1-9A76-E82A-3177BB46AEB6}"/>
+              </a:ext>
+            </a:extLst>
+          </p:cNvPr>
+          <p:cNvSpPr>
+            <a:spLocks noGrp="1"/>
+          </p:cNvSpPr>
+          <p:nvPr>
+            <p:ph type="title"/>
+          </p:nvPr>
+        </p:nvSpPr>
+        <p:spPr/>
+        <p:txBody>
+          <a:bodyPr/>
+          <a:lstStyle/>
+          <a:p>
+            <a:r>
+              <a:rPr lang="en-US" dirty="0"/>
+              <a:t>BROADCAST NETWORKS</a:t>
+            </a:r>
+            <a:endParaRPr lang="en-PH" dirty="0"/>
+          </a:p>
+        </p:txBody>
+      </p:sp>
+      <p:sp>
+        <p:nvSpPr>
+          <p:cNvPr id="3" name="Content Placeholder 2">
+            <a:extLst>
+              <a:ext uri="{FF2B5EF4-FFF2-40B4-BE49-F238E27FC236}">
+                <a16:creationId xmlns:a16="http://schemas.microsoft.com/office/drawing/2014/main" id="{BC149437-ADD9-AFA0-B9C6-D479F32150B8}"/>
+              </a:ext>
+            </a:extLst>
+          </p:cNvPr>
+          <p:cNvSpPr>
+            <a:spLocks noGrp="1"/>
+          </p:cNvSpPr>
+          <p:nvPr>
+            <p:ph idx="1"/>
+          </p:nvPr>
+        </p:nvSpPr>
+        <p:spPr/>
+        <p:txBody>
+          <a:bodyPr/>
+          <a:lstStyle/>
+          <a:p>
+            <a:pPr marL="0" indent="0" algn="just" fontAlgn="base">
+              <a:buNone/>
+            </a:pPr>
+            <a:r>
+              <a:rPr lang="en-US" b="0" i="0" dirty="0">
+                <a:effectLst/>
+                <a:latin typeface="Algerian" panose="04020705040A02060702" pitchFamily="82" charset="0"/>
+              </a:rPr>
+              <a:t>In broadcast networks, a signal method in which numerous parties can hear a single sender. Radio stations are an excellent illustration of the “Broadcast Network” in everyday life. The radio station is a sender of data/signal in this scenario, and data is only intended to travel in one direction. Away from the radio transmission tower, to be precise.</a:t>
+            </a:r>
+          </a:p>
+          <a:p>
+            <a:pPr marL="0" indent="0">
+              <a:buNone/>
+            </a:pPr>
+            <a:br>
+              <a:rPr lang="en-US" dirty="0">
+                <a:latin typeface="Algerian" panose="04020705040A02060702" pitchFamily="82" charset="0"/>
+              </a:rPr>
+            </a:br>
+            <a:endParaRPr lang="en-PH" dirty="0">
+              <a:latin typeface="Algerian" panose="04020705040A02060702" pitchFamily="82" charset="0"/>
+            </a:endParaRPr>
+          </a:p>
+        </p:txBody>
+      </p:sp>
+    </p:spTree>
+    <p:extLst>
+      <p:ext uri="{BB962C8B-B14F-4D97-AF65-F5344CB8AC3E}">
+        <p14:creationId xmlns:p14="http://schemas.microsoft.com/office/powerpoint/2010/main" val="4123778782"/>
+      </p:ext>
+    </p:extLst>
+  </p:cSld>
+  <p:clrMapOvr>
+    <a:masterClrMapping/>
+  </p:clrMapOvr>
+</p:sld>
+</file>
+
+<file path=ppt/slides/slide33.xml><?xml version="1.0" encoding="utf-8"?>
+<p:sld xmlns:a="http://schemas.openxmlformats.org/drawingml/2006/main" xmlns:r="http://schemas.openxmlformats.org/officeDocument/2006/relationships" xmlns:p="http://schemas.openxmlformats.org/presentationml/2006/main">
+  <p:cSld>
+    <p:spTree>
+      <p:nvGrpSpPr>
+        <p:cNvPr id="1" name=""/>
+        <p:cNvGrpSpPr/>
+        <p:nvPr/>
+      </p:nvGrpSpPr>
+      <p:grpSpPr>
+        <a:xfrm>
+          <a:off x="0" y="0"/>
+          <a:ext cx="0" cy="0"/>
+          <a:chOff x="0" y="0"/>
+          <a:chExt cx="0" cy="0"/>
+        </a:xfrm>
+      </p:grpSpPr>
+      <p:sp>
+        <p:nvSpPr>
+          <p:cNvPr id="2" name="Title 1">
+            <a:extLst>
+              <a:ext uri="{FF2B5EF4-FFF2-40B4-BE49-F238E27FC236}">
+                <a16:creationId xmlns:a16="http://schemas.microsoft.com/office/drawing/2014/main" id="{2C4B4FFF-50BD-ABDB-6D7D-3ACD1BD43255}"/>
+              </a:ext>
+            </a:extLst>
+          </p:cNvPr>
+          <p:cNvSpPr>
+            <a:spLocks noGrp="1"/>
+          </p:cNvSpPr>
+          <p:nvPr>
+            <p:ph type="title"/>
+          </p:nvPr>
+        </p:nvSpPr>
+        <p:spPr/>
+        <p:txBody>
+          <a:bodyPr>
+            <a:normAutofit/>
+          </a:bodyPr>
+          <a:lstStyle/>
+          <a:p>
+            <a:r>
+              <a:rPr lang="en-US" dirty="0">
+                <a:latin typeface="Algerian" panose="04020705040A02060702" pitchFamily="82" charset="0"/>
+              </a:rPr>
+              <a:t>BASED ON THE TYPES OF ARCHITECTURE</a:t>
+            </a:r>
+            <a:endParaRPr lang="en-PH" dirty="0">
+              <a:latin typeface="Algerian" panose="04020705040A02060702" pitchFamily="82" charset="0"/>
+            </a:endParaRPr>
+          </a:p>
+        </p:txBody>
+      </p:sp>
+      <p:sp>
+        <p:nvSpPr>
+          <p:cNvPr id="3" name="Content Placeholder 2">
+            <a:extLst>
+              <a:ext uri="{FF2B5EF4-FFF2-40B4-BE49-F238E27FC236}">
+                <a16:creationId xmlns:a16="http://schemas.microsoft.com/office/drawing/2014/main" id="{A52D5FE5-B933-F7ED-DC8B-3EC4107D1864}"/>
+              </a:ext>
+            </a:extLst>
+          </p:cNvPr>
+          <p:cNvSpPr>
+            <a:spLocks noGrp="1"/>
+          </p:cNvSpPr>
+          <p:nvPr>
+            <p:ph idx="1"/>
+          </p:nvPr>
+        </p:nvSpPr>
+        <p:spPr/>
+        <p:txBody>
+          <a:bodyPr>
+            <a:normAutofit/>
+          </a:bodyPr>
+          <a:lstStyle/>
+          <a:p>
+            <a:pPr>
+              <a:buFont typeface="Wingdings" panose="05000000000000000000" pitchFamily="2" charset="2"/>
+              <a:buChar char="v"/>
+            </a:pPr>
+            <a:r>
+              <a:rPr lang="en-US" sz="2400" dirty="0">
+                <a:latin typeface="Algerian" panose="04020705040A02060702" pitchFamily="82" charset="0"/>
+              </a:rPr>
+              <a:t>P2P NETWORKS</a:t>
+            </a:r>
+          </a:p>
+          <a:p>
+            <a:pPr>
+              <a:buFont typeface="Wingdings" panose="05000000000000000000" pitchFamily="2" charset="2"/>
+              <a:buChar char="v"/>
+            </a:pPr>
+            <a:r>
+              <a:rPr lang="en-US" sz="2400" dirty="0">
+                <a:latin typeface="Algerian" panose="04020705040A02060702" pitchFamily="82" charset="0"/>
+              </a:rPr>
+              <a:t>CLIENT-SERVER NETWORKS</a:t>
+            </a:r>
+          </a:p>
+          <a:p>
+            <a:pPr>
+              <a:buFont typeface="Wingdings" panose="05000000000000000000" pitchFamily="2" charset="2"/>
+              <a:buChar char="v"/>
+            </a:pPr>
+            <a:r>
+              <a:rPr lang="en-US" sz="2400" dirty="0">
+                <a:latin typeface="Algerian" panose="04020705040A02060702" pitchFamily="82" charset="0"/>
+              </a:rPr>
+              <a:t>HYBRID NETWORKS</a:t>
+            </a:r>
+            <a:endParaRPr lang="en-PH" sz="2400" dirty="0">
+              <a:latin typeface="Algerian" panose="04020705040A02060702" pitchFamily="82" charset="0"/>
+            </a:endParaRPr>
+          </a:p>
+        </p:txBody>
+      </p:sp>
+    </p:spTree>
+    <p:extLst>
+      <p:ext uri="{BB962C8B-B14F-4D97-AF65-F5344CB8AC3E}">
+        <p14:creationId xmlns:p14="http://schemas.microsoft.com/office/powerpoint/2010/main" val="26360845"/>
+      </p:ext>
+    </p:extLst>
+  </p:cSld>
+  <p:clrMapOvr>
+    <a:masterClrMapping/>
+  </p:clrMapOvr>
+</p:sld>
+</file>
+
+<file path=ppt/slides/slide34.xml><?xml version="1.0" encoding="utf-8"?>
+<p:sld xmlns:a="http://schemas.openxmlformats.org/drawingml/2006/main" xmlns:r="http://schemas.openxmlformats.org/officeDocument/2006/relationships" xmlns:p="http://schemas.openxmlformats.org/presentationml/2006/main">
+  <p:cSld>
+    <p:spTree>
+      <p:nvGrpSpPr>
+        <p:cNvPr id="1" name=""/>
+        <p:cNvGrpSpPr/>
+        <p:nvPr/>
+      </p:nvGrpSpPr>
+      <p:grpSpPr>
+        <a:xfrm>
+          <a:off x="0" y="0"/>
+          <a:ext cx="0" cy="0"/>
+          <a:chOff x="0" y="0"/>
+          <a:chExt cx="0" cy="0"/>
+        </a:xfrm>
+      </p:grpSpPr>
+      <p:sp>
+        <p:nvSpPr>
+          <p:cNvPr id="2" name="Title 1">
+            <a:extLst>
+              <a:ext uri="{FF2B5EF4-FFF2-40B4-BE49-F238E27FC236}">
+                <a16:creationId xmlns:a16="http://schemas.microsoft.com/office/drawing/2014/main" id="{14A33F61-A246-95C9-2BCE-2F98475C60AA}"/>
+              </a:ext>
+            </a:extLst>
+          </p:cNvPr>
+          <p:cNvSpPr>
+            <a:spLocks noGrp="1"/>
+          </p:cNvSpPr>
+          <p:nvPr>
+            <p:ph type="title"/>
+          </p:nvPr>
+        </p:nvSpPr>
+        <p:spPr/>
+        <p:txBody>
+          <a:bodyPr>
+            <a:normAutofit/>
+          </a:bodyPr>
+          <a:lstStyle/>
+          <a:p>
+            <a:r>
+              <a:rPr lang="en-US" sz="4000" dirty="0">
+                <a:latin typeface="Algerian" panose="04020705040A02060702" pitchFamily="82" charset="0"/>
+              </a:rPr>
+              <a:t>P2P NETWORKS</a:t>
+            </a:r>
+            <a:endParaRPr lang="en-PH" sz="4000" dirty="0">
+              <a:latin typeface="Algerian" panose="04020705040A02060702" pitchFamily="82" charset="0"/>
+            </a:endParaRPr>
+          </a:p>
+        </p:txBody>
+      </p:sp>
+      <p:sp>
+        <p:nvSpPr>
+          <p:cNvPr id="3" name="Content Placeholder 2">
+            <a:extLst>
+              <a:ext uri="{FF2B5EF4-FFF2-40B4-BE49-F238E27FC236}">
+                <a16:creationId xmlns:a16="http://schemas.microsoft.com/office/drawing/2014/main" id="{E7BD3BAE-8630-C6EA-DE00-9BF50B1B01D8}"/>
+              </a:ext>
+            </a:extLst>
+          </p:cNvPr>
+          <p:cNvSpPr>
+            <a:spLocks noGrp="1"/>
+          </p:cNvSpPr>
+          <p:nvPr>
+            <p:ph idx="1"/>
+          </p:nvPr>
+        </p:nvSpPr>
+        <p:spPr/>
+        <p:txBody>
+          <a:bodyPr/>
+          <a:lstStyle/>
+          <a:p>
+            <a:pPr marL="0" indent="0">
+              <a:buNone/>
+            </a:pPr>
+            <a:r>
+              <a:rPr lang="en-US" b="0" i="0" dirty="0">
+                <a:effectLst/>
+                <a:latin typeface="Algerian" panose="04020705040A02060702" pitchFamily="82" charset="0"/>
+              </a:rPr>
+              <a:t>Computers with similar capabilities and configurations are referred to as peers.</a:t>
+            </a:r>
+            <a:br>
+              <a:rPr lang="en-US" dirty="0">
+                <a:latin typeface="Algerian" panose="04020705040A02060702" pitchFamily="82" charset="0"/>
+              </a:rPr>
+            </a:br>
+            <a:r>
+              <a:rPr lang="en-US" b="0" i="0" dirty="0">
+                <a:effectLst/>
+                <a:latin typeface="Algerian" panose="04020705040A02060702" pitchFamily="82" charset="0"/>
+              </a:rPr>
+              <a:t>“Peer to Peer” is the abbreviation for “peer to peer.” The “peers” in a peer-to-peer network are computer systems that are connected to each other over the Internet. Without the use of a central server, files can be shared directly between systems on the network</a:t>
+            </a:r>
+            <a:r>
+              <a:rPr lang="en-US" b="0" i="0" dirty="0">
+                <a:solidFill>
+                  <a:srgbClr val="273239"/>
+                </a:solidFill>
+                <a:effectLst/>
+                <a:latin typeface="urw-din"/>
+              </a:rPr>
+              <a:t>.</a:t>
+            </a:r>
+            <a:endParaRPr lang="en-PH" dirty="0"/>
+          </a:p>
+        </p:txBody>
+      </p:sp>
+    </p:spTree>
+    <p:extLst>
+      <p:ext uri="{BB962C8B-B14F-4D97-AF65-F5344CB8AC3E}">
+        <p14:creationId xmlns:p14="http://schemas.microsoft.com/office/powerpoint/2010/main" val="2877297187"/>
+      </p:ext>
+    </p:extLst>
+  </p:cSld>
+  <p:clrMapOvr>
+    <a:masterClrMapping/>
+  </p:clrMapOvr>
+</p:sld>
+</file>
+
+<file path=ppt/slides/slide35.xml><?xml version="1.0" encoding="utf-8"?>
+<p:sld xmlns:a="http://schemas.openxmlformats.org/drawingml/2006/main" xmlns:r="http://schemas.openxmlformats.org/officeDocument/2006/relationships" xmlns:p="http://schemas.openxmlformats.org/presentationml/2006/main">
+  <p:cSld>
+    <p:spTree>
+      <p:nvGrpSpPr>
+        <p:cNvPr id="1" name=""/>
+        <p:cNvGrpSpPr/>
+        <p:nvPr/>
+      </p:nvGrpSpPr>
+      <p:grpSpPr>
+        <a:xfrm>
+          <a:off x="0" y="0"/>
+          <a:ext cx="0" cy="0"/>
+          <a:chOff x="0" y="0"/>
+          <a:chExt cx="0" cy="0"/>
+        </a:xfrm>
+      </p:grpSpPr>
+      <p:sp>
+        <p:nvSpPr>
+          <p:cNvPr id="2" name="Title 1">
+            <a:extLst>
+              <a:ext uri="{FF2B5EF4-FFF2-40B4-BE49-F238E27FC236}">
+                <a16:creationId xmlns:a16="http://schemas.microsoft.com/office/drawing/2014/main" id="{DBD169EC-0E93-872E-1E45-B85D3FCFC155}"/>
+              </a:ext>
+            </a:extLst>
+          </p:cNvPr>
+          <p:cNvSpPr>
+            <a:spLocks noGrp="1"/>
+          </p:cNvSpPr>
+          <p:nvPr>
+            <p:ph type="title"/>
+          </p:nvPr>
+        </p:nvSpPr>
+        <p:spPr/>
+        <p:txBody>
+          <a:bodyPr/>
+          <a:lstStyle/>
+          <a:p>
+            <a:r>
+              <a:rPr lang="en-US" dirty="0">
+                <a:latin typeface="Algerian" panose="04020705040A02060702" pitchFamily="82" charset="0"/>
+              </a:rPr>
+              <a:t>CLIENT-SERVER NETWORKS</a:t>
+            </a:r>
+            <a:endParaRPr lang="en-PH" dirty="0">
+              <a:latin typeface="Algerian" panose="04020705040A02060702" pitchFamily="82" charset="0"/>
+            </a:endParaRPr>
+          </a:p>
+        </p:txBody>
+      </p:sp>
+      <p:sp>
+        <p:nvSpPr>
+          <p:cNvPr id="3" name="Content Placeholder 2">
+            <a:extLst>
+              <a:ext uri="{FF2B5EF4-FFF2-40B4-BE49-F238E27FC236}">
+                <a16:creationId xmlns:a16="http://schemas.microsoft.com/office/drawing/2014/main" id="{2C39969A-631F-ED2D-E678-601E5FA65D03}"/>
+              </a:ext>
+            </a:extLst>
+          </p:cNvPr>
+          <p:cNvSpPr>
+            <a:spLocks noGrp="1"/>
+          </p:cNvSpPr>
+          <p:nvPr>
+            <p:ph idx="1"/>
+          </p:nvPr>
+        </p:nvSpPr>
+        <p:spPr/>
+        <p:txBody>
+          <a:bodyPr/>
+          <a:lstStyle/>
+          <a:p>
+            <a:r>
+              <a:rPr lang="en-US" b="0" i="0" dirty="0">
+                <a:effectLst/>
+                <a:latin typeface="Algerian" panose="04020705040A02060702" pitchFamily="82" charset="0"/>
+              </a:rPr>
+              <a:t>Each computer or process on the network is either a client or a server in a client-server architecture (client/server). The client asks for services from the server, which the server provides. Servers are high-performance computers or processes that manage disc drives (file servers), printers (print servers), or network traffic (network servers)</a:t>
+            </a:r>
+            <a:endParaRPr lang="en-PH" dirty="0">
+              <a:latin typeface="Algerian" panose="04020705040A02060702" pitchFamily="82" charset="0"/>
+            </a:endParaRPr>
+          </a:p>
+        </p:txBody>
+      </p:sp>
+    </p:spTree>
+    <p:extLst>
+      <p:ext uri="{BB962C8B-B14F-4D97-AF65-F5344CB8AC3E}">
+        <p14:creationId xmlns:p14="http://schemas.microsoft.com/office/powerpoint/2010/main" val="1253116183"/>
+      </p:ext>
+    </p:extLst>
+  </p:cSld>
+  <p:clrMapOvr>
+    <a:masterClrMapping/>
+  </p:clrMapOvr>
+</p:sld>
+</file>
+
+<file path=ppt/slides/slide36.xml><?xml version="1.0" encoding="utf-8"?>
+<p:sld xmlns:a="http://schemas.openxmlformats.org/drawingml/2006/main" xmlns:r="http://schemas.openxmlformats.org/officeDocument/2006/relationships" xmlns:p="http://schemas.openxmlformats.org/presentationml/2006/main">
+  <p:cSld>
+    <p:spTree>
+      <p:nvGrpSpPr>
+        <p:cNvPr id="1" name=""/>
+        <p:cNvGrpSpPr/>
+        <p:nvPr/>
+      </p:nvGrpSpPr>
+      <p:grpSpPr>
+        <a:xfrm>
+          <a:off x="0" y="0"/>
+          <a:ext cx="0" cy="0"/>
+          <a:chOff x="0" y="0"/>
+          <a:chExt cx="0" cy="0"/>
+        </a:xfrm>
+      </p:grpSpPr>
+      <p:sp>
+        <p:nvSpPr>
+          <p:cNvPr id="2" name="Title 1">
+            <a:extLst>
+              <a:ext uri="{FF2B5EF4-FFF2-40B4-BE49-F238E27FC236}">
+                <a16:creationId xmlns:a16="http://schemas.microsoft.com/office/drawing/2014/main" id="{BFF89D59-944A-C2EF-28EE-A3E401269980}"/>
+              </a:ext>
+            </a:extLst>
+          </p:cNvPr>
+          <p:cNvSpPr>
+            <a:spLocks noGrp="1"/>
+          </p:cNvSpPr>
+          <p:nvPr>
+            <p:ph type="title"/>
+          </p:nvPr>
+        </p:nvSpPr>
+        <p:spPr/>
+        <p:txBody>
+          <a:bodyPr/>
+          <a:lstStyle/>
+          <a:p>
+            <a:r>
+              <a:rPr lang="en-US" dirty="0">
+                <a:latin typeface="Algerian" panose="04020705040A02060702" pitchFamily="82" charset="0"/>
+              </a:rPr>
+              <a:t>HYBRID NETWORKS</a:t>
+            </a:r>
+            <a:endParaRPr lang="en-PH" dirty="0">
+              <a:latin typeface="Algerian" panose="04020705040A02060702" pitchFamily="82" charset="0"/>
+            </a:endParaRPr>
+          </a:p>
+        </p:txBody>
+      </p:sp>
+      <p:sp>
+        <p:nvSpPr>
+          <p:cNvPr id="3" name="Content Placeholder 2">
+            <a:extLst>
+              <a:ext uri="{FF2B5EF4-FFF2-40B4-BE49-F238E27FC236}">
+                <a16:creationId xmlns:a16="http://schemas.microsoft.com/office/drawing/2014/main" id="{159AEF7E-0108-4873-D968-72C5F7913E5B}"/>
+              </a:ext>
+            </a:extLst>
+          </p:cNvPr>
+          <p:cNvSpPr>
+            <a:spLocks noGrp="1"/>
+          </p:cNvSpPr>
+          <p:nvPr>
+            <p:ph idx="1"/>
+          </p:nvPr>
+        </p:nvSpPr>
+        <p:spPr/>
+        <p:txBody>
+          <a:bodyPr/>
+          <a:lstStyle/>
+          <a:p>
+            <a:pPr marL="0" indent="0">
+              <a:buNone/>
+            </a:pPr>
+            <a:r>
+              <a:rPr lang="en-US" b="0" i="0" dirty="0">
+                <a:effectLst/>
+                <a:latin typeface="Algerian" panose="04020705040A02060702" pitchFamily="82" charset="0"/>
+              </a:rPr>
+              <a:t>he hybrid model refers to a network that uses a combination of client-server and peer-to-peer architecture. </a:t>
+            </a:r>
+            <a:r>
+              <a:rPr lang="en-US" b="0" i="0" dirty="0" err="1">
+                <a:effectLst/>
+                <a:latin typeface="Algerian" panose="04020705040A02060702" pitchFamily="82" charset="0"/>
+              </a:rPr>
+              <a:t>Eg</a:t>
+            </a:r>
+            <a:r>
+              <a:rPr lang="en-US" b="0" i="0" dirty="0">
+                <a:effectLst/>
+                <a:latin typeface="Algerian" panose="04020705040A02060702" pitchFamily="82" charset="0"/>
+              </a:rPr>
+              <a:t>: Torrent</a:t>
+            </a:r>
+            <a:r>
+              <a:rPr lang="en-US" b="0" i="0" dirty="0">
+                <a:solidFill>
+                  <a:srgbClr val="273239"/>
+                </a:solidFill>
+                <a:effectLst/>
+                <a:latin typeface="urw-din"/>
+              </a:rPr>
+              <a:t>.</a:t>
+            </a:r>
+            <a:endParaRPr lang="en-PH" dirty="0"/>
+          </a:p>
+        </p:txBody>
+      </p:sp>
+    </p:spTree>
+    <p:extLst>
+      <p:ext uri="{BB962C8B-B14F-4D97-AF65-F5344CB8AC3E}">
+        <p14:creationId xmlns:p14="http://schemas.microsoft.com/office/powerpoint/2010/main" val="669278146"/>
+      </p:ext>
+    </p:extLst>
+  </p:cSld>
+  <p:clrMapOvr>
+    <a:masterClrMapping/>
+  </p:clrMapOvr>
+</p:sld>
+</file>
+
+<file path=ppt/slides/slide37.xml><?xml version="1.0" encoding="utf-8"?>
+<p:sld xmlns:a="http://schemas.openxmlformats.org/drawingml/2006/main" xmlns:r="http://schemas.openxmlformats.org/officeDocument/2006/relationships" xmlns:p="http://schemas.openxmlformats.org/presentationml/2006/main">
+  <p:cSld>
+    <p:spTree>
+      <p:nvGrpSpPr>
+        <p:cNvPr id="1" name=""/>
+        <p:cNvGrpSpPr/>
+        <p:nvPr/>
+      </p:nvGrpSpPr>
+      <p:grpSpPr>
+        <a:xfrm>
+          <a:off x="0" y="0"/>
+          <a:ext cx="0" cy="0"/>
+          <a:chOff x="0" y="0"/>
+          <a:chExt cx="0" cy="0"/>
+        </a:xfrm>
+      </p:grpSpPr>
+      <p:sp>
+        <p:nvSpPr>
+          <p:cNvPr id="2" name="Title 1">
+            <a:extLst>
+              <a:ext uri="{FF2B5EF4-FFF2-40B4-BE49-F238E27FC236}">
+                <a16:creationId xmlns:a16="http://schemas.microsoft.com/office/drawing/2014/main" id="{4AEB0FA5-8CAF-C46D-E54A-2B457BB5B1AE}"/>
+              </a:ext>
+            </a:extLst>
+          </p:cNvPr>
+          <p:cNvSpPr>
+            <a:spLocks noGrp="1"/>
+          </p:cNvSpPr>
+          <p:nvPr>
+            <p:ph type="title"/>
+          </p:nvPr>
+        </p:nvSpPr>
+        <p:spPr/>
+        <p:txBody>
+          <a:bodyPr>
+            <a:normAutofit/>
+          </a:bodyPr>
+          <a:lstStyle/>
+          <a:p>
+            <a:r>
+              <a:rPr lang="en-US" dirty="0">
+                <a:latin typeface="Algerian" panose="04020705040A02060702" pitchFamily="82" charset="0"/>
+              </a:rPr>
+              <a:t>NETWORK TROPOLOGY </a:t>
+            </a:r>
+            <a:br>
+              <a:rPr lang="en-US" dirty="0">
+                <a:latin typeface="Algerian" panose="04020705040A02060702" pitchFamily="82" charset="0"/>
+              </a:rPr>
+            </a:br>
+            <a:r>
+              <a:rPr lang="en-US" dirty="0">
+                <a:latin typeface="Algerian" panose="04020705040A02060702" pitchFamily="82" charset="0"/>
+              </a:rPr>
+              <a:t>DISADVANTAGES AND ADVANTAGES</a:t>
+            </a:r>
+            <a:endParaRPr lang="en-PH" dirty="0">
+              <a:latin typeface="Algerian" panose="04020705040A02060702" pitchFamily="82" charset="0"/>
+            </a:endParaRPr>
+          </a:p>
+        </p:txBody>
+      </p:sp>
+      <p:sp>
+        <p:nvSpPr>
+          <p:cNvPr id="3" name="Content Placeholder 2">
+            <a:extLst>
+              <a:ext uri="{FF2B5EF4-FFF2-40B4-BE49-F238E27FC236}">
+                <a16:creationId xmlns:a16="http://schemas.microsoft.com/office/drawing/2014/main" id="{3A8F3431-FA73-5977-0C47-A80650C906FE}"/>
+              </a:ext>
+            </a:extLst>
+          </p:cNvPr>
+          <p:cNvSpPr>
+            <a:spLocks noGrp="1"/>
+          </p:cNvSpPr>
+          <p:nvPr>
+            <p:ph idx="1"/>
+          </p:nvPr>
+        </p:nvSpPr>
+        <p:spPr/>
+        <p:txBody>
+          <a:bodyPr/>
+          <a:lstStyle/>
+          <a:p>
+            <a:pPr>
+              <a:buFont typeface="Wingdings" panose="05000000000000000000" pitchFamily="2" charset="2"/>
+              <a:buChar char="v"/>
+            </a:pPr>
+            <a:r>
+              <a:rPr lang="en-US" dirty="0">
+                <a:latin typeface="Algerian" panose="04020705040A02060702" pitchFamily="82" charset="0"/>
+              </a:rPr>
+              <a:t>BUS TROPOLOGY </a:t>
+            </a:r>
+          </a:p>
+          <a:p>
+            <a:pPr>
+              <a:buFont typeface="Wingdings" panose="05000000000000000000" pitchFamily="2" charset="2"/>
+              <a:buChar char="v"/>
+            </a:pPr>
+            <a:r>
+              <a:rPr lang="en-US" dirty="0">
+                <a:latin typeface="Algerian" panose="04020705040A02060702" pitchFamily="82" charset="0"/>
+              </a:rPr>
+              <a:t>RING TROPOLOGY</a:t>
+            </a:r>
+          </a:p>
+          <a:p>
+            <a:pPr>
+              <a:buFont typeface="Wingdings" panose="05000000000000000000" pitchFamily="2" charset="2"/>
+              <a:buChar char="v"/>
+            </a:pPr>
+            <a:r>
+              <a:rPr lang="en-US" dirty="0">
+                <a:latin typeface="Algerian" panose="04020705040A02060702" pitchFamily="82" charset="0"/>
+              </a:rPr>
+              <a:t>STAR TROPOLOGY</a:t>
+            </a:r>
+          </a:p>
+          <a:p>
+            <a:pPr>
+              <a:buFont typeface="Wingdings" panose="05000000000000000000" pitchFamily="2" charset="2"/>
+              <a:buChar char="v"/>
+            </a:pPr>
+            <a:r>
+              <a:rPr lang="en-US" dirty="0">
+                <a:latin typeface="Algerian" panose="04020705040A02060702" pitchFamily="82" charset="0"/>
+              </a:rPr>
+              <a:t>MESH TROPOLOGY</a:t>
+            </a:r>
+          </a:p>
+          <a:p>
+            <a:pPr>
+              <a:buFont typeface="Wingdings" panose="05000000000000000000" pitchFamily="2" charset="2"/>
+              <a:buChar char="v"/>
+            </a:pPr>
+            <a:r>
+              <a:rPr lang="en-US" dirty="0">
+                <a:latin typeface="Algerian" panose="04020705040A02060702" pitchFamily="82" charset="0"/>
+              </a:rPr>
+              <a:t>TREE TROPOLOGY</a:t>
+            </a:r>
+          </a:p>
+          <a:p>
+            <a:pPr marL="0" indent="0">
+              <a:buNone/>
+            </a:pPr>
+            <a:endParaRPr lang="en-PH" dirty="0"/>
+          </a:p>
+        </p:txBody>
+      </p:sp>
+    </p:spTree>
+    <p:extLst>
+      <p:ext uri="{BB962C8B-B14F-4D97-AF65-F5344CB8AC3E}">
+        <p14:creationId xmlns:p14="http://schemas.microsoft.com/office/powerpoint/2010/main" val="2657647387"/>
+      </p:ext>
+    </p:extLst>
+  </p:cSld>
+  <p:clrMapOvr>
+    <a:masterClrMapping/>
+  </p:clrMapOvr>
+</p:sld>
+</file>
+
+<file path=ppt/slides/slide38.xml><?xml version="1.0" encoding="utf-8"?>
+<p:sld xmlns:a="http://schemas.openxmlformats.org/drawingml/2006/main" xmlns:r="http://schemas.openxmlformats.org/officeDocument/2006/relationships" xmlns:p="http://schemas.openxmlformats.org/presentationml/2006/main">
+  <p:cSld>
+    <p:spTree>
+      <p:nvGrpSpPr>
+        <p:cNvPr id="1" name=""/>
+        <p:cNvGrpSpPr/>
+        <p:nvPr/>
+      </p:nvGrpSpPr>
+      <p:grpSpPr>
+        <a:xfrm>
+          <a:off x="0" y="0"/>
+          <a:ext cx="0" cy="0"/>
+          <a:chOff x="0" y="0"/>
+          <a:chExt cx="0" cy="0"/>
+        </a:xfrm>
+      </p:grpSpPr>
+      <p:sp>
+        <p:nvSpPr>
+          <p:cNvPr id="2" name="Title 1">
+            <a:extLst>
+              <a:ext uri="{FF2B5EF4-FFF2-40B4-BE49-F238E27FC236}">
+                <a16:creationId xmlns:a16="http://schemas.microsoft.com/office/drawing/2014/main" id="{B23AFF7C-F3C2-24E4-1889-354B546BB5A0}"/>
+              </a:ext>
+            </a:extLst>
+          </p:cNvPr>
+          <p:cNvSpPr>
+            <a:spLocks noGrp="1"/>
+          </p:cNvSpPr>
+          <p:nvPr>
+            <p:ph type="title"/>
+          </p:nvPr>
+        </p:nvSpPr>
+        <p:spPr>
+          <a:xfrm>
+            <a:off x="836612" y="201706"/>
+            <a:ext cx="4730470" cy="1438835"/>
+          </a:xfrm>
+        </p:spPr>
+        <p:txBody>
+          <a:bodyPr>
+            <a:normAutofit/>
+          </a:bodyPr>
+          <a:lstStyle/>
+          <a:p>
+            <a:r>
+              <a:rPr lang="en-US" sz="4800" dirty="0">
+                <a:latin typeface="Algerian" panose="04020705040A02060702" pitchFamily="82" charset="0"/>
+              </a:rPr>
+              <a:t>BUS </a:t>
+            </a:r>
+            <a:r>
+              <a:rPr lang="en-US" sz="4400" dirty="0">
+                <a:latin typeface="Algerian" panose="04020705040A02060702" pitchFamily="82" charset="0"/>
+              </a:rPr>
+              <a:t>TROPOLOGY</a:t>
+            </a:r>
+            <a:endParaRPr lang="en-PH" sz="4800" dirty="0">
+              <a:latin typeface="Algerian" panose="04020705040A02060702" pitchFamily="82" charset="0"/>
+            </a:endParaRPr>
+          </a:p>
+        </p:txBody>
+      </p:sp>
+      <p:pic>
+        <p:nvPicPr>
+          <p:cNvPr id="12" name="Picture Placeholder 11">
+            <a:extLst>
+              <a:ext uri="{FF2B5EF4-FFF2-40B4-BE49-F238E27FC236}">
+                <a16:creationId xmlns:a16="http://schemas.microsoft.com/office/drawing/2014/main" id="{39E15F42-9348-24A9-5CA6-453C1FA4595D}"/>
+              </a:ext>
+            </a:extLst>
+          </p:cNvPr>
+          <p:cNvPicPr>
+            <a:picLocks noGrp="1" noChangeAspect="1"/>
+          </p:cNvPicPr>
+          <p:nvPr>
+            <p:ph idx="1"/>
+          </p:nvPr>
+        </p:nvPicPr>
+        <p:blipFill rotWithShape="1">
+          <a:blip r:embed="rId2"/>
+          <a:stretch/>
+        </p:blipFill>
+        <p:spPr>
+          <a:xfrm>
+            <a:off x="5078413" y="1759093"/>
+            <a:ext cx="6189662" cy="2882614"/>
+          </a:xfrm>
+          <a:prstGeom prst="rect">
+            <a:avLst/>
+          </a:prstGeom>
+        </p:spPr>
+      </p:pic>
+      <p:sp>
+        <p:nvSpPr>
+          <p:cNvPr id="3" name="Content Placeholder 2">
+            <a:extLst>
+              <a:ext uri="{FF2B5EF4-FFF2-40B4-BE49-F238E27FC236}">
+                <a16:creationId xmlns:a16="http://schemas.microsoft.com/office/drawing/2014/main" id="{15B50CCC-A071-2B4F-15DE-7A88A1CC506C}"/>
+              </a:ext>
+            </a:extLst>
+          </p:cNvPr>
+          <p:cNvSpPr>
+            <a:spLocks noGrp="1"/>
+          </p:cNvSpPr>
+          <p:nvPr>
+            <p:ph type="body" sz="half" idx="2"/>
+          </p:nvPr>
+        </p:nvSpPr>
+        <p:spPr>
+          <a:xfrm>
+            <a:off x="917228" y="2232212"/>
+            <a:ext cx="3932237" cy="3558987"/>
+          </a:xfrm>
+        </p:spPr>
+        <p:txBody>
+          <a:bodyPr>
+            <a:normAutofit fontScale="92500"/>
+          </a:bodyPr>
+          <a:lstStyle/>
+          <a:p>
+            <a:r>
+              <a:rPr lang="en-US" sz="2400" b="1" i="0" dirty="0">
+                <a:solidFill>
+                  <a:srgbClr val="273239"/>
+                </a:solidFill>
+                <a:effectLst/>
+                <a:latin typeface="urw-din"/>
+              </a:rPr>
+              <a:t> </a:t>
+            </a:r>
+            <a:r>
+              <a:rPr lang="en-US" sz="2400" b="0" i="0" dirty="0">
+                <a:effectLst/>
+                <a:latin typeface="Algerian" panose="04020705040A02060702" pitchFamily="82" charset="0"/>
+              </a:rPr>
+              <a:t>Every computer and network device is connected to a single cable in a bus topology network. Linear Bus topology is defined as having exactly two terminals.</a:t>
+            </a:r>
+          </a:p>
+          <a:p>
+            <a:endParaRPr lang="en-US" b="0" i="0" dirty="0">
+              <a:solidFill>
+                <a:srgbClr val="273239"/>
+              </a:solidFill>
+              <a:effectLst/>
+              <a:latin typeface="urw-din"/>
+            </a:endParaRPr>
+          </a:p>
+          <a:p>
+            <a:pPr marL="0" indent="0">
+              <a:buNone/>
+            </a:pPr>
+            <a:endParaRPr lang="en-PH" dirty="0"/>
+          </a:p>
+        </p:txBody>
+      </p:sp>
+    </p:spTree>
+    <p:extLst>
+      <p:ext uri="{BB962C8B-B14F-4D97-AF65-F5344CB8AC3E}">
+        <p14:creationId xmlns:p14="http://schemas.microsoft.com/office/powerpoint/2010/main" val="3479007890"/>
+      </p:ext>
+    </p:extLst>
+  </p:cSld>
+  <p:clrMapOvr>
+    <a:masterClrMapping/>
+  </p:clrMapOvr>
+</p:sld>
+</file>
+
+<file path=ppt/slides/slide39.xml><?xml version="1.0" encoding="utf-8"?>
 <p:sld xmlns:a="http://schemas.openxmlformats.org/drawingml/2006/main" xmlns:r="http://schemas.openxmlformats.org/officeDocument/2006/relationships" xmlns:p="http://schemas.openxmlformats.org/presentationml/2006/main">
   <p:cSld>
     <p:spTree>
@@ -8869,7 +10247,164 @@
 </p:sld>
 </file>
 
-<file path=ppt/slides/slide31.xml><?xml version="1.0" encoding="utf-8"?>
+<file path=ppt/slides/slide4.xml><?xml version="1.0" encoding="utf-8"?>
+<p:sld xmlns:a="http://schemas.openxmlformats.org/drawingml/2006/main" xmlns:r="http://schemas.openxmlformats.org/officeDocument/2006/relationships" xmlns:p="http://schemas.openxmlformats.org/presentationml/2006/main">
+  <p:cSld>
+    <p:spTree>
+      <p:nvGrpSpPr>
+        <p:cNvPr id="1" name=""/>
+        <p:cNvGrpSpPr/>
+        <p:nvPr/>
+      </p:nvGrpSpPr>
+      <p:grpSpPr>
+        <a:xfrm>
+          <a:off x="0" y="0"/>
+          <a:ext cx="0" cy="0"/>
+          <a:chOff x="0" y="0"/>
+          <a:chExt cx="0" cy="0"/>
+        </a:xfrm>
+      </p:grpSpPr>
+      <p:sp>
+        <p:nvSpPr>
+          <p:cNvPr id="2" name="Title 1">
+            <a:extLst>
+              <a:ext uri="{FF2B5EF4-FFF2-40B4-BE49-F238E27FC236}">
+                <a16:creationId xmlns:a16="http://schemas.microsoft.com/office/drawing/2014/main" id="{D8479E0F-1AAE-8E41-683B-CD4EE190C51C}"/>
+              </a:ext>
+            </a:extLst>
+          </p:cNvPr>
+          <p:cNvSpPr>
+            <a:spLocks noGrp="1"/>
+          </p:cNvSpPr>
+          <p:nvPr>
+            <p:ph type="title"/>
+          </p:nvPr>
+        </p:nvSpPr>
+        <p:spPr>
+          <a:xfrm>
+            <a:off x="839788" y="443752"/>
+            <a:ext cx="3932237" cy="1035423"/>
+          </a:xfrm>
+        </p:spPr>
+        <p:txBody>
+          <a:bodyPr>
+            <a:normAutofit fontScale="90000"/>
+          </a:bodyPr>
+          <a:lstStyle/>
+          <a:p>
+            <a:pPr algn="ctr"/>
+            <a:r>
+              <a:rPr lang="en-US" sz="3600" dirty="0">
+                <a:latin typeface="Algerian" panose="04020705040A02060702" pitchFamily="82" charset="0"/>
+              </a:rPr>
+              <a:t>COMPUTERNEWORK</a:t>
+            </a:r>
+            <a:endParaRPr lang="en-PH" sz="3600" dirty="0">
+              <a:latin typeface="Algerian" panose="04020705040A02060702" pitchFamily="82" charset="0"/>
+            </a:endParaRPr>
+          </a:p>
+        </p:txBody>
+      </p:sp>
+      <p:pic>
+        <p:nvPicPr>
+          <p:cNvPr id="9" name="Content Placeholder 8">
+            <a:extLst>
+              <a:ext uri="{FF2B5EF4-FFF2-40B4-BE49-F238E27FC236}">
+                <a16:creationId xmlns:a16="http://schemas.microsoft.com/office/drawing/2014/main" id="{6EF64426-155B-6AD3-0C30-71EBB6C90BDA}"/>
+              </a:ext>
+            </a:extLst>
+          </p:cNvPr>
+          <p:cNvPicPr>
+            <a:picLocks noGrp="1" noChangeAspect="1"/>
+          </p:cNvPicPr>
+          <p:nvPr>
+            <p:ph idx="1"/>
+          </p:nvPr>
+        </p:nvPicPr>
+        <p:blipFill>
+          <a:blip r:embed="rId2"/>
+          <a:stretch>
+            <a:fillRect/>
+          </a:stretch>
+        </p:blipFill>
+        <p:spPr>
+          <a:xfrm>
+            <a:off x="5078413" y="1136148"/>
+            <a:ext cx="6189662" cy="4128504"/>
+          </a:xfrm>
+          <a:prstGeom prst="rect">
+            <a:avLst/>
+          </a:prstGeom>
+        </p:spPr>
+      </p:pic>
+      <p:sp>
+        <p:nvSpPr>
+          <p:cNvPr id="4" name="Text Placeholder 3">
+            <a:extLst>
+              <a:ext uri="{FF2B5EF4-FFF2-40B4-BE49-F238E27FC236}">
+                <a16:creationId xmlns:a16="http://schemas.microsoft.com/office/drawing/2014/main" id="{838B72BF-F978-5FF3-A654-C9BCCA886DE7}"/>
+              </a:ext>
+            </a:extLst>
+          </p:cNvPr>
+          <p:cNvSpPr>
+            <a:spLocks noGrp="1"/>
+          </p:cNvSpPr>
+          <p:nvPr>
+            <p:ph type="body" sz="half" idx="2"/>
+          </p:nvPr>
+        </p:nvSpPr>
+        <p:spPr>
+          <a:xfrm>
+            <a:off x="917228" y="2272554"/>
+            <a:ext cx="3932237" cy="3518646"/>
+          </a:xfrm>
+        </p:spPr>
+        <p:txBody>
+          <a:bodyPr>
+            <a:normAutofit fontScale="92500" lnSpcReduction="10000"/>
+          </a:bodyPr>
+          <a:lstStyle/>
+          <a:p>
+            <a:r>
+              <a:rPr lang="en-US" sz="2000" b="0" i="0" dirty="0">
+                <a:effectLst/>
+                <a:latin typeface="Algerian" panose="04020705040A02060702" pitchFamily="82" charset="0"/>
+              </a:rPr>
+              <a:t>computer network is a system that connects numerous independent computers in order to share information (data) and resources. The integration of computers and other different devices allows users to communicate more easily</a:t>
+            </a:r>
+            <a:r>
+              <a:rPr lang="en-US" sz="2000" b="0" i="0" dirty="0">
+                <a:solidFill>
+                  <a:srgbClr val="273239"/>
+                </a:solidFill>
+                <a:effectLst/>
+                <a:latin typeface="Algerian" panose="04020705040A02060702" pitchFamily="82" charset="0"/>
+              </a:rPr>
+              <a:t>.</a:t>
+            </a:r>
+            <a:endParaRPr lang="en-PH" sz="2000" dirty="0">
+              <a:latin typeface="Algerian" panose="04020705040A02060702" pitchFamily="82" charset="0"/>
+            </a:endParaRPr>
+          </a:p>
+          <a:p>
+            <a:endParaRPr lang="en-PH" dirty="0"/>
+          </a:p>
+        </p:txBody>
+      </p:sp>
+    </p:spTree>
+    <p:extLst>
+      <p:ext uri="{BB962C8B-B14F-4D97-AF65-F5344CB8AC3E}">
+        <p14:creationId xmlns:p14="http://schemas.microsoft.com/office/powerpoint/2010/main" val="1202687297"/>
+      </p:ext>
+    </p:extLst>
+  </p:cSld>
+  <p:clrMapOvr>
+    <a:masterClrMapping/>
+  </p:clrMapOvr>
+</p:sld>
+</file>
+
+<file path=ppt/slides/slide40.xml><?xml version="1.0" encoding="utf-8"?>
 <p:sld xmlns:a="http://schemas.openxmlformats.org/drawingml/2006/main" xmlns:r="http://schemas.openxmlformats.org/officeDocument/2006/relationships" xmlns:p="http://schemas.openxmlformats.org/presentationml/2006/main">
   <p:cSld>
     <p:spTree>
@@ -9028,7 +10563,7 @@
 </p:sld>
 </file>
 
-<file path=ppt/slides/slide32.xml><?xml version="1.0" encoding="utf-8"?>
+<file path=ppt/slides/slide41.xml><?xml version="1.0" encoding="utf-8"?>
 <p:sld xmlns:a="http://schemas.openxmlformats.org/drawingml/2006/main" xmlns:r="http://schemas.openxmlformats.org/officeDocument/2006/relationships" xmlns:p="http://schemas.openxmlformats.org/presentationml/2006/main">
   <p:cSld>
     <p:spTree>
@@ -9180,7 +10715,7 @@
 </p:sld>
 </file>
 
-<file path=ppt/slides/slide33.xml><?xml version="1.0" encoding="utf-8"?>
+<file path=ppt/slides/slide42.xml><?xml version="1.0" encoding="utf-8"?>
 <p:sld xmlns:a="http://schemas.openxmlformats.org/drawingml/2006/main" xmlns:r="http://schemas.openxmlformats.org/officeDocument/2006/relationships" xmlns:p="http://schemas.openxmlformats.org/presentationml/2006/main">
   <p:cSld>
     <p:spTree>
@@ -9340,7 +10875,7 @@
 </p:sld>
 </file>
 
-<file path=ppt/slides/slide34.xml><?xml version="1.0" encoding="utf-8"?>
+<file path=ppt/slides/slide43.xml><?xml version="1.0" encoding="utf-8"?>
 <p:sld xmlns:a="http://schemas.openxmlformats.org/drawingml/2006/main" xmlns:r="http://schemas.openxmlformats.org/officeDocument/2006/relationships" xmlns:p="http://schemas.openxmlformats.org/presentationml/2006/main">
   <p:cSld>
     <p:spTree>
@@ -9474,7 +11009,7 @@
 </p:sld>
 </file>
 
-<file path=ppt/slides/slide35.xml><?xml version="1.0" encoding="utf-8"?>
+<file path=ppt/slides/slide44.xml><?xml version="1.0" encoding="utf-8"?>
 <p:sld xmlns:a="http://schemas.openxmlformats.org/drawingml/2006/main" xmlns:r="http://schemas.openxmlformats.org/officeDocument/2006/relationships" xmlns:p="http://schemas.openxmlformats.org/presentationml/2006/main">
   <p:cSld>
     <p:spTree>
@@ -9618,7 +11153,7 @@
 </p:sld>
 </file>
 
-<file path=ppt/slides/slide36.xml><?xml version="1.0" encoding="utf-8"?>
+<file path=ppt/slides/slide45.xml><?xml version="1.0" encoding="utf-8"?>
 <p:sld xmlns:a="http://schemas.openxmlformats.org/drawingml/2006/main" xmlns:r="http://schemas.openxmlformats.org/officeDocument/2006/relationships" xmlns:p="http://schemas.openxmlformats.org/presentationml/2006/main">
   <p:cSld>
     <p:spTree>
@@ -9791,7 +11326,7 @@
 </p:sld>
 </file>
 
-<file path=ppt/slides/slide37.xml><?xml version="1.0" encoding="utf-8"?>
+<file path=ppt/slides/slide46.xml><?xml version="1.0" encoding="utf-8"?>
 <p:sld xmlns:a="http://schemas.openxmlformats.org/drawingml/2006/main" xmlns:r="http://schemas.openxmlformats.org/officeDocument/2006/relationships" xmlns:p="http://schemas.openxmlformats.org/presentationml/2006/main">
   <p:cSld>
     <p:spTree>
@@ -9951,7 +11486,7 @@
 </p:sld>
 </file>
 
-<file path=ppt/slides/slide38.xml><?xml version="1.0" encoding="utf-8"?>
+<file path=ppt/slides/slide47.xml><?xml version="1.0" encoding="utf-8"?>
 <p:sld xmlns:a="http://schemas.openxmlformats.org/drawingml/2006/main" xmlns:r="http://schemas.openxmlformats.org/officeDocument/2006/relationships" xmlns:p="http://schemas.openxmlformats.org/presentationml/2006/main">
   <p:cSld>
     <p:spTree>
@@ -10090,7 +11625,7 @@
 </p:sld>
 </file>
 
-<file path=ppt/slides/slide39.xml><?xml version="1.0" encoding="utf-8"?>
+<file path=ppt/slides/slide48.xml><?xml version="1.0" encoding="utf-8"?>
 <p:sld xmlns:a="http://schemas.openxmlformats.org/drawingml/2006/main" xmlns:r="http://schemas.openxmlformats.org/officeDocument/2006/relationships" xmlns:p="http://schemas.openxmlformats.org/presentationml/2006/main">
   <p:cSld>
     <p:spTree>
@@ -10224,7 +11759,125 @@
 </p:sld>
 </file>
 
-<file path=ppt/slides/slide4.xml><?xml version="1.0" encoding="utf-8"?>
+<file path=ppt/slides/slide49.xml><?xml version="1.0" encoding="utf-8"?>
+<p:sld xmlns:a="http://schemas.openxmlformats.org/drawingml/2006/main" xmlns:r="http://schemas.openxmlformats.org/officeDocument/2006/relationships" xmlns:p="http://schemas.openxmlformats.org/presentationml/2006/main">
+  <p:cSld>
+    <p:spTree>
+      <p:nvGrpSpPr>
+        <p:cNvPr id="1" name=""/>
+        <p:cNvGrpSpPr/>
+        <p:nvPr/>
+      </p:nvGrpSpPr>
+      <p:grpSpPr>
+        <a:xfrm>
+          <a:off x="0" y="0"/>
+          <a:ext cx="0" cy="0"/>
+          <a:chOff x="0" y="0"/>
+          <a:chExt cx="0" cy="0"/>
+        </a:xfrm>
+      </p:grpSpPr>
+      <p:pic>
+        <p:nvPicPr>
+          <p:cNvPr id="7" name="Content Placeholder 6">
+            <a:extLst>
+              <a:ext uri="{FF2B5EF4-FFF2-40B4-BE49-F238E27FC236}">
+                <a16:creationId xmlns:a16="http://schemas.microsoft.com/office/drawing/2014/main" id="{22C6EA95-75F5-2072-0009-26EF0430CF07}"/>
+              </a:ext>
+            </a:extLst>
+          </p:cNvPr>
+          <p:cNvPicPr>
+            <a:picLocks noGrp="1" noChangeAspect="1"/>
+          </p:cNvPicPr>
+          <p:nvPr>
+            <p:ph idx="1"/>
+          </p:nvPr>
+        </p:nvPicPr>
+        <p:blipFill>
+          <a:blip r:embed="rId2"/>
+          <a:stretch>
+            <a:fillRect/>
+          </a:stretch>
+        </p:blipFill>
+        <p:spPr>
+          <a:xfrm>
+            <a:off x="5626100" y="1171576"/>
+            <a:ext cx="5943600" cy="4454524"/>
+          </a:xfrm>
+          <a:prstGeom prst="rect">
+            <a:avLst/>
+          </a:prstGeom>
+        </p:spPr>
+      </p:pic>
+      <p:sp>
+        <p:nvSpPr>
+          <p:cNvPr id="4" name="Text Placeholder 3">
+            <a:extLst>
+              <a:ext uri="{FF2B5EF4-FFF2-40B4-BE49-F238E27FC236}">
+                <a16:creationId xmlns:a16="http://schemas.microsoft.com/office/drawing/2014/main" id="{377769C7-EAC0-E38A-5C18-4B38ABB02303}"/>
+              </a:ext>
+            </a:extLst>
+          </p:cNvPr>
+          <p:cNvSpPr>
+            <a:spLocks noGrp="1"/>
+          </p:cNvSpPr>
+          <p:nvPr>
+            <p:ph type="body" sz="half" idx="2"/>
+          </p:nvPr>
+        </p:nvSpPr>
+        <p:spPr>
+          <a:xfrm>
+            <a:off x="917228" y="1600200"/>
+            <a:ext cx="3932237" cy="4190999"/>
+          </a:xfrm>
+        </p:spPr>
+        <p:txBody>
+          <a:bodyPr/>
+          <a:lstStyle/>
+          <a:p>
+            <a:pPr algn="just" fontAlgn="base">
+              <a:buFont typeface="Arial" panose="020B0604020202020204" pitchFamily="34" charset="0"/>
+              <a:buChar char="•"/>
+            </a:pPr>
+            <a:r>
+              <a:rPr lang="en-US" b="0" i="0" dirty="0">
+                <a:effectLst/>
+                <a:latin typeface="Algerian" panose="04020705040A02060702" pitchFamily="82" charset="0"/>
+              </a:rPr>
+              <a:t>Physical boundaries prevent other users from gaining access to messages</a:t>
+            </a:r>
+          </a:p>
+          <a:p>
+            <a:pPr algn="just" fontAlgn="base">
+              <a:buFont typeface="Arial" panose="020B0604020202020204" pitchFamily="34" charset="0"/>
+              <a:buChar char="•"/>
+            </a:pPr>
+            <a:r>
+              <a:rPr lang="en-US" b="0" i="0" dirty="0">
+                <a:effectLst/>
+                <a:latin typeface="Algerian" panose="04020705040A02060702" pitchFamily="82" charset="0"/>
+              </a:rPr>
+              <a:t>Point to Point links make fault transmission &amp; fault isolation easy </a:t>
+            </a:r>
+            <a:endParaRPr lang="en-PH" dirty="0">
+              <a:latin typeface="Algerian" panose="04020705040A02060702" pitchFamily="82" charset="0"/>
+            </a:endParaRPr>
+          </a:p>
+        </p:txBody>
+      </p:sp>
+    </p:spTree>
+    <p:extLst>
+      <p:ext uri="{BB962C8B-B14F-4D97-AF65-F5344CB8AC3E}">
+        <p14:creationId xmlns:p14="http://schemas.microsoft.com/office/powerpoint/2010/main" val="429514964"/>
+      </p:ext>
+    </p:extLst>
+  </p:cSld>
+  <p:clrMapOvr>
+    <a:masterClrMapping/>
+  </p:clrMapOvr>
+</p:sld>
+</file>
+
+<file path=ppt/slides/slide5.xml><?xml version="1.0" encoding="utf-8"?>
 <p:sld xmlns:a="http://schemas.openxmlformats.org/drawingml/2006/main" xmlns:r="http://schemas.openxmlformats.org/officeDocument/2006/relationships" xmlns:p="http://schemas.openxmlformats.org/presentationml/2006/main">
   <p:cSld>
     <p:spTree>
@@ -10341,125 +11994,7 @@
 </p:sld>
 </file>
 
-<file path=ppt/slides/slide40.xml><?xml version="1.0" encoding="utf-8"?>
-<p:sld xmlns:a="http://schemas.openxmlformats.org/drawingml/2006/main" xmlns:r="http://schemas.openxmlformats.org/officeDocument/2006/relationships" xmlns:p="http://schemas.openxmlformats.org/presentationml/2006/main">
-  <p:cSld>
-    <p:spTree>
-      <p:nvGrpSpPr>
-        <p:cNvPr id="1" name=""/>
-        <p:cNvGrpSpPr/>
-        <p:nvPr/>
-      </p:nvGrpSpPr>
-      <p:grpSpPr>
-        <a:xfrm>
-          <a:off x="0" y="0"/>
-          <a:ext cx="0" cy="0"/>
-          <a:chOff x="0" y="0"/>
-          <a:chExt cx="0" cy="0"/>
-        </a:xfrm>
-      </p:grpSpPr>
-      <p:pic>
-        <p:nvPicPr>
-          <p:cNvPr id="7" name="Content Placeholder 6">
-            <a:extLst>
-              <a:ext uri="{FF2B5EF4-FFF2-40B4-BE49-F238E27FC236}">
-                <a16:creationId xmlns:a16="http://schemas.microsoft.com/office/drawing/2014/main" id="{22C6EA95-75F5-2072-0009-26EF0430CF07}"/>
-              </a:ext>
-            </a:extLst>
-          </p:cNvPr>
-          <p:cNvPicPr>
-            <a:picLocks noGrp="1" noChangeAspect="1"/>
-          </p:cNvPicPr>
-          <p:nvPr>
-            <p:ph idx="1"/>
-          </p:nvPr>
-        </p:nvPicPr>
-        <p:blipFill>
-          <a:blip r:embed="rId2"/>
-          <a:stretch>
-            <a:fillRect/>
-          </a:stretch>
-        </p:blipFill>
-        <p:spPr>
-          <a:xfrm>
-            <a:off x="5626100" y="1171576"/>
-            <a:ext cx="5943600" cy="4454524"/>
-          </a:xfrm>
-          <a:prstGeom prst="rect">
-            <a:avLst/>
-          </a:prstGeom>
-        </p:spPr>
-      </p:pic>
-      <p:sp>
-        <p:nvSpPr>
-          <p:cNvPr id="4" name="Text Placeholder 3">
-            <a:extLst>
-              <a:ext uri="{FF2B5EF4-FFF2-40B4-BE49-F238E27FC236}">
-                <a16:creationId xmlns:a16="http://schemas.microsoft.com/office/drawing/2014/main" id="{377769C7-EAC0-E38A-5C18-4B38ABB02303}"/>
-              </a:ext>
-            </a:extLst>
-          </p:cNvPr>
-          <p:cNvSpPr>
-            <a:spLocks noGrp="1"/>
-          </p:cNvSpPr>
-          <p:nvPr>
-            <p:ph type="body" sz="half" idx="2"/>
-          </p:nvPr>
-        </p:nvSpPr>
-        <p:spPr>
-          <a:xfrm>
-            <a:off x="917228" y="1600200"/>
-            <a:ext cx="3932237" cy="4190999"/>
-          </a:xfrm>
-        </p:spPr>
-        <p:txBody>
-          <a:bodyPr/>
-          <a:lstStyle/>
-          <a:p>
-            <a:pPr algn="just" fontAlgn="base">
-              <a:buFont typeface="Arial" panose="020B0604020202020204" pitchFamily="34" charset="0"/>
-              <a:buChar char="•"/>
-            </a:pPr>
-            <a:r>
-              <a:rPr lang="en-US" b="0" i="0" dirty="0">
-                <a:effectLst/>
-                <a:latin typeface="Algerian" panose="04020705040A02060702" pitchFamily="82" charset="0"/>
-              </a:rPr>
-              <a:t>Physical boundaries prevent other users from gaining access to messages</a:t>
-            </a:r>
-          </a:p>
-          <a:p>
-            <a:pPr algn="just" fontAlgn="base">
-              <a:buFont typeface="Arial" panose="020B0604020202020204" pitchFamily="34" charset="0"/>
-              <a:buChar char="•"/>
-            </a:pPr>
-            <a:r>
-              <a:rPr lang="en-US" b="0" i="0" dirty="0">
-                <a:effectLst/>
-                <a:latin typeface="Algerian" panose="04020705040A02060702" pitchFamily="82" charset="0"/>
-              </a:rPr>
-              <a:t>Point to Point links make fault transmission &amp; fault isolation easy </a:t>
-            </a:r>
-            <a:endParaRPr lang="en-PH" dirty="0">
-              <a:latin typeface="Algerian" panose="04020705040A02060702" pitchFamily="82" charset="0"/>
-            </a:endParaRPr>
-          </a:p>
-        </p:txBody>
-      </p:sp>
-    </p:spTree>
-    <p:extLst>
-      <p:ext uri="{BB962C8B-B14F-4D97-AF65-F5344CB8AC3E}">
-        <p14:creationId xmlns:p14="http://schemas.microsoft.com/office/powerpoint/2010/main" val="429514964"/>
-      </p:ext>
-    </p:extLst>
-  </p:cSld>
-  <p:clrMapOvr>
-    <a:masterClrMapping/>
-  </p:clrMapOvr>
-</p:sld>
-</file>
-
-<file path=ppt/slides/slide41.xml><?xml version="1.0" encoding="utf-8"?>
+<file path=ppt/slides/slide50.xml><?xml version="1.0" encoding="utf-8"?>
 <p:sld xmlns:a="http://schemas.openxmlformats.org/drawingml/2006/main" xmlns:r="http://schemas.openxmlformats.org/officeDocument/2006/relationships" xmlns:p="http://schemas.openxmlformats.org/presentationml/2006/main">
   <p:cSld>
     <p:spTree>
@@ -10606,7 +12141,7 @@
 </p:sld>
 </file>
 
-<file path=ppt/slides/slide42.xml><?xml version="1.0" encoding="utf-8"?>
+<file path=ppt/slides/slide51.xml><?xml version="1.0" encoding="utf-8"?>
 <p:sld xmlns:a="http://schemas.openxmlformats.org/drawingml/2006/main" xmlns:r="http://schemas.openxmlformats.org/officeDocument/2006/relationships" xmlns:p="http://schemas.openxmlformats.org/presentationml/2006/main">
   <p:cSld>
     <p:spTree>
@@ -10754,7 +12289,7 @@
 </p:sld>
 </file>
 
-<file path=ppt/slides/slide43.xml><?xml version="1.0" encoding="utf-8"?>
+<file path=ppt/slides/slide52.xml><?xml version="1.0" encoding="utf-8"?>
 <p:sld xmlns:a="http://schemas.openxmlformats.org/drawingml/2006/main" xmlns:r="http://schemas.openxmlformats.org/officeDocument/2006/relationships" xmlns:p="http://schemas.openxmlformats.org/presentationml/2006/main">
   <p:cSld>
     <p:spTree>
@@ -10901,7 +12436,7 @@
 </p:sld>
 </file>
 
-<file path=ppt/slides/slide44.xml><?xml version="1.0" encoding="utf-8"?>
+<file path=ppt/slides/slide53.xml><?xml version="1.0" encoding="utf-8"?>
 <p:sld xmlns:a="http://schemas.openxmlformats.org/drawingml/2006/main" xmlns:r="http://schemas.openxmlformats.org/officeDocument/2006/relationships" xmlns:p="http://schemas.openxmlformats.org/presentationml/2006/main">
   <p:cSld>
     <p:spTree>
@@ -11035,7 +12570,7 @@
 </p:sld>
 </file>
 
-<file path=ppt/slides/slide45.xml><?xml version="1.0" encoding="utf-8"?>
+<file path=ppt/slides/slide54.xml><?xml version="1.0" encoding="utf-8"?>
 <p:sld xmlns:a="http://schemas.openxmlformats.org/drawingml/2006/main" xmlns:r="http://schemas.openxmlformats.org/officeDocument/2006/relationships" xmlns:p="http://schemas.openxmlformats.org/presentationml/2006/main">
   <p:cSld>
     <p:spTree>
@@ -11132,7 +12667,7 @@
 </p:sld>
 </file>
 
-<file path=ppt/slides/slide46.xml><?xml version="1.0" encoding="utf-8"?>
+<file path=ppt/slides/slide55.xml><?xml version="1.0" encoding="utf-8"?>
 <p:sld xmlns:a="http://schemas.openxmlformats.org/drawingml/2006/main" xmlns:r="http://schemas.openxmlformats.org/officeDocument/2006/relationships" xmlns:p="http://schemas.openxmlformats.org/presentationml/2006/main">
   <p:cSld>
     <p:spTree>
@@ -11311,7 +12846,7 @@
 </p:sld>
 </file>
 
-<file path=ppt/slides/slide47.xml><?xml version="1.0" encoding="utf-8"?>
+<file path=ppt/slides/slide56.xml><?xml version="1.0" encoding="utf-8"?>
 <p:sld xmlns:a="http://schemas.openxmlformats.org/drawingml/2006/main" xmlns:r="http://schemas.openxmlformats.org/officeDocument/2006/relationships" xmlns:p="http://schemas.openxmlformats.org/presentationml/2006/main">
   <p:cSld>
     <p:spTree>
@@ -11408,7 +12943,7 @@
 </p:sld>
 </file>
 
-<file path=ppt/slides/slide48.xml><?xml version="1.0" encoding="utf-8"?>
+<file path=ppt/slides/slide57.xml><?xml version="1.0" encoding="utf-8"?>
 <p:sld xmlns:a="http://schemas.openxmlformats.org/drawingml/2006/main" xmlns:r="http://schemas.openxmlformats.org/officeDocument/2006/relationships" xmlns:p="http://schemas.openxmlformats.org/presentationml/2006/main">
   <p:cSld>
     <p:spTree>
@@ -11505,7 +13040,7 @@
 </p:sld>
 </file>
 
-<file path=ppt/slides/slide49.xml><?xml version="1.0" encoding="utf-8"?>
+<file path=ppt/slides/slide58.xml><?xml version="1.0" encoding="utf-8"?>
 <p:sld xmlns:a="http://schemas.openxmlformats.org/drawingml/2006/main" xmlns:r="http://schemas.openxmlformats.org/officeDocument/2006/relationships" xmlns:p="http://schemas.openxmlformats.org/presentationml/2006/main">
   <p:cSld>
     <p:spTree>
@@ -11623,7 +13158,111 @@
 </p:sld>
 </file>
 
-<file path=ppt/slides/slide5.xml><?xml version="1.0" encoding="utf-8"?>
+<file path=ppt/slides/slide59.xml><?xml version="1.0" encoding="utf-8"?>
+<p:sld xmlns:a="http://schemas.openxmlformats.org/drawingml/2006/main" xmlns:r="http://schemas.openxmlformats.org/officeDocument/2006/relationships" xmlns:p="http://schemas.openxmlformats.org/presentationml/2006/main">
+  <p:cSld>
+    <p:spTree>
+      <p:nvGrpSpPr>
+        <p:cNvPr id="1" name=""/>
+        <p:cNvGrpSpPr/>
+        <p:nvPr/>
+      </p:nvGrpSpPr>
+      <p:grpSpPr>
+        <a:xfrm>
+          <a:off x="0" y="0"/>
+          <a:ext cx="0" cy="0"/>
+          <a:chOff x="0" y="0"/>
+          <a:chExt cx="0" cy="0"/>
+        </a:xfrm>
+      </p:grpSpPr>
+      <p:sp>
+        <p:nvSpPr>
+          <p:cNvPr id="2" name="Title 1">
+            <a:extLst>
+              <a:ext uri="{FF2B5EF4-FFF2-40B4-BE49-F238E27FC236}">
+                <a16:creationId xmlns:a16="http://schemas.microsoft.com/office/drawing/2014/main" id="{54E6B6A1-87D7-F074-2BA1-0A258D81BD18}"/>
+              </a:ext>
+            </a:extLst>
+          </p:cNvPr>
+          <p:cNvSpPr>
+            <a:spLocks noGrp="1"/>
+          </p:cNvSpPr>
+          <p:nvPr>
+            <p:ph type="title"/>
+          </p:nvPr>
+        </p:nvSpPr>
+        <p:spPr/>
+        <p:txBody>
+          <a:bodyPr/>
+          <a:lstStyle/>
+          <a:p>
+            <a:r>
+              <a:rPr lang="en-US" dirty="0">
+                <a:latin typeface="Algerian" panose="04020705040A02060702" pitchFamily="82" charset="0"/>
+              </a:rPr>
+              <a:t>BRIDGES</a:t>
+            </a:r>
+            <a:endParaRPr lang="en-PH" dirty="0">
+              <a:latin typeface="Algerian" panose="04020705040A02060702" pitchFamily="82" charset="0"/>
+            </a:endParaRPr>
+          </a:p>
+        </p:txBody>
+      </p:sp>
+      <p:sp>
+        <p:nvSpPr>
+          <p:cNvPr id="3" name="Content Placeholder 2">
+            <a:extLst>
+              <a:ext uri="{FF2B5EF4-FFF2-40B4-BE49-F238E27FC236}">
+                <a16:creationId xmlns:a16="http://schemas.microsoft.com/office/drawing/2014/main" id="{C5D8EFDE-CBE7-95F7-F104-8AC00D6E8287}"/>
+              </a:ext>
+            </a:extLst>
+          </p:cNvPr>
+          <p:cNvSpPr>
+            <a:spLocks noGrp="1"/>
+          </p:cNvSpPr>
+          <p:nvPr>
+            <p:ph idx="1"/>
+          </p:nvPr>
+        </p:nvSpPr>
+        <p:spPr/>
+        <p:txBody>
+          <a:bodyPr/>
+          <a:lstStyle/>
+          <a:p>
+            <a:pPr algn="just" fontAlgn="base">
+              <a:buFont typeface="Arial" panose="020B0604020202020204" pitchFamily="34" charset="0"/>
+              <a:buChar char="•"/>
+            </a:pPr>
+            <a:r>
+              <a:rPr lang="en-US" b="0" i="0" dirty="0">
+                <a:effectLst/>
+                <a:latin typeface="Algerian" panose="04020705040A02060702" pitchFamily="82" charset="0"/>
+              </a:rPr>
+              <a:t>Bridges broadcast data to all the ports but not on the one that received the transmission. Bridges, on the other hand, learn which MAC addresses are reachable through specific ports rather than copying messages to all ports as hubs do. Once a port and an address are associated, the bridge will only transport traffic for that address to that port.</a:t>
+            </a:r>
+          </a:p>
+          <a:p>
+            <a:br>
+              <a:rPr lang="en-US" dirty="0"/>
+            </a:br>
+            <a:endParaRPr lang="en-PH" dirty="0"/>
+          </a:p>
+        </p:txBody>
+      </p:sp>
+    </p:spTree>
+    <p:extLst>
+      <p:ext uri="{BB962C8B-B14F-4D97-AF65-F5344CB8AC3E}">
+        <p14:creationId xmlns:p14="http://schemas.microsoft.com/office/powerpoint/2010/main" val="1632962258"/>
+      </p:ext>
+    </p:extLst>
+  </p:cSld>
+  <p:clrMapOvr>
+    <a:masterClrMapping/>
+  </p:clrMapOvr>
+</p:sld>
+</file>
+
+<file path=ppt/slides/slide6.xml><?xml version="1.0" encoding="utf-8"?>
 <p:sld xmlns:a="http://schemas.openxmlformats.org/drawingml/2006/main" xmlns:r="http://schemas.openxmlformats.org/officeDocument/2006/relationships" xmlns:p="http://schemas.openxmlformats.org/presentationml/2006/main">
   <p:cSld>
     <p:spTree>
@@ -11729,1195 +13368,6 @@
 </p:sld>
 </file>
 
-<file path=ppt/slides/slide50.xml><?xml version="1.0" encoding="utf-8"?>
-<p:sld xmlns:a="http://schemas.openxmlformats.org/drawingml/2006/main" xmlns:r="http://schemas.openxmlformats.org/officeDocument/2006/relationships" xmlns:p="http://schemas.openxmlformats.org/presentationml/2006/main">
-  <p:cSld>
-    <p:spTree>
-      <p:nvGrpSpPr>
-        <p:cNvPr id="1" name=""/>
-        <p:cNvGrpSpPr/>
-        <p:nvPr/>
-      </p:nvGrpSpPr>
-      <p:grpSpPr>
-        <a:xfrm>
-          <a:off x="0" y="0"/>
-          <a:ext cx="0" cy="0"/>
-          <a:chOff x="0" y="0"/>
-          <a:chExt cx="0" cy="0"/>
-        </a:xfrm>
-      </p:grpSpPr>
-      <p:sp>
-        <p:nvSpPr>
-          <p:cNvPr id="2" name="Title 1">
-            <a:extLst>
-              <a:ext uri="{FF2B5EF4-FFF2-40B4-BE49-F238E27FC236}">
-                <a16:creationId xmlns:a16="http://schemas.microsoft.com/office/drawing/2014/main" id="{54E6B6A1-87D7-F074-2BA1-0A258D81BD18}"/>
-              </a:ext>
-            </a:extLst>
-          </p:cNvPr>
-          <p:cNvSpPr>
-            <a:spLocks noGrp="1"/>
-          </p:cNvSpPr>
-          <p:nvPr>
-            <p:ph type="title"/>
-          </p:nvPr>
-        </p:nvSpPr>
-        <p:spPr/>
-        <p:txBody>
-          <a:bodyPr/>
-          <a:lstStyle/>
-          <a:p>
-            <a:r>
-              <a:rPr lang="en-US" dirty="0">
-                <a:latin typeface="Algerian" panose="04020705040A02060702" pitchFamily="82" charset="0"/>
-              </a:rPr>
-              <a:t>BRIDGES</a:t>
-            </a:r>
-            <a:endParaRPr lang="en-PH" dirty="0">
-              <a:latin typeface="Algerian" panose="04020705040A02060702" pitchFamily="82" charset="0"/>
-            </a:endParaRPr>
-          </a:p>
-        </p:txBody>
-      </p:sp>
-      <p:sp>
-        <p:nvSpPr>
-          <p:cNvPr id="3" name="Content Placeholder 2">
-            <a:extLst>
-              <a:ext uri="{FF2B5EF4-FFF2-40B4-BE49-F238E27FC236}">
-                <a16:creationId xmlns:a16="http://schemas.microsoft.com/office/drawing/2014/main" id="{C5D8EFDE-CBE7-95F7-F104-8AC00D6E8287}"/>
-              </a:ext>
-            </a:extLst>
-          </p:cNvPr>
-          <p:cNvSpPr>
-            <a:spLocks noGrp="1"/>
-          </p:cNvSpPr>
-          <p:nvPr>
-            <p:ph idx="1"/>
-          </p:nvPr>
-        </p:nvSpPr>
-        <p:spPr/>
-        <p:txBody>
-          <a:bodyPr/>
-          <a:lstStyle/>
-          <a:p>
-            <a:pPr algn="just" fontAlgn="base">
-              <a:buFont typeface="Arial" panose="020B0604020202020204" pitchFamily="34" charset="0"/>
-              <a:buChar char="•"/>
-            </a:pPr>
-            <a:r>
-              <a:rPr lang="en-US" b="0" i="0" dirty="0">
-                <a:effectLst/>
-                <a:latin typeface="Algerian" panose="04020705040A02060702" pitchFamily="82" charset="0"/>
-              </a:rPr>
-              <a:t>Bridges broadcast data to all the ports but not on the one that received the transmission. Bridges, on the other hand, learn which MAC addresses are reachable through specific ports rather than copying messages to all ports as hubs do. Once a port and an address are associated, the bridge will only transport traffic for that address to that port.</a:t>
-            </a:r>
-          </a:p>
-          <a:p>
-            <a:br>
-              <a:rPr lang="en-US" dirty="0"/>
-            </a:br>
-            <a:endParaRPr lang="en-PH" dirty="0"/>
-          </a:p>
-        </p:txBody>
-      </p:sp>
-    </p:spTree>
-    <p:extLst>
-      <p:ext uri="{BB962C8B-B14F-4D97-AF65-F5344CB8AC3E}">
-        <p14:creationId xmlns:p14="http://schemas.microsoft.com/office/powerpoint/2010/main" val="1632962258"/>
-      </p:ext>
-    </p:extLst>
-  </p:cSld>
-  <p:clrMapOvr>
-    <a:masterClrMapping/>
-  </p:clrMapOvr>
-</p:sld>
-</file>
-
-<file path=ppt/slides/slide51.xml><?xml version="1.0" encoding="utf-8"?>
-<p:sld xmlns:a="http://schemas.openxmlformats.org/drawingml/2006/main" xmlns:r="http://schemas.openxmlformats.org/officeDocument/2006/relationships" xmlns:p="http://schemas.openxmlformats.org/presentationml/2006/main">
-  <p:cSld>
-    <p:spTree>
-      <p:nvGrpSpPr>
-        <p:cNvPr id="1" name=""/>
-        <p:cNvGrpSpPr/>
-        <p:nvPr/>
-      </p:nvGrpSpPr>
-      <p:grpSpPr>
-        <a:xfrm>
-          <a:off x="0" y="0"/>
-          <a:ext cx="0" cy="0"/>
-          <a:chOff x="0" y="0"/>
-          <a:chExt cx="0" cy="0"/>
-        </a:xfrm>
-      </p:grpSpPr>
-      <p:sp>
-        <p:nvSpPr>
-          <p:cNvPr id="2" name="Title 1">
-            <a:extLst>
-              <a:ext uri="{FF2B5EF4-FFF2-40B4-BE49-F238E27FC236}">
-                <a16:creationId xmlns:a16="http://schemas.microsoft.com/office/drawing/2014/main" id="{1953C8EE-3A73-55A1-CFA1-CB0C5CB07DDC}"/>
-              </a:ext>
-            </a:extLst>
-          </p:cNvPr>
-          <p:cNvSpPr>
-            <a:spLocks noGrp="1"/>
-          </p:cNvSpPr>
-          <p:nvPr>
-            <p:ph type="title"/>
-          </p:nvPr>
-        </p:nvSpPr>
-        <p:spPr/>
-        <p:txBody>
-          <a:bodyPr/>
-          <a:lstStyle/>
-          <a:p>
-            <a:r>
-              <a:rPr lang="en-US" dirty="0">
-                <a:latin typeface="Algerian" panose="04020705040A02060702" pitchFamily="82" charset="0"/>
-              </a:rPr>
-              <a:t>SWITCHES</a:t>
-            </a:r>
-            <a:endParaRPr lang="en-PH" dirty="0">
-              <a:latin typeface="Algerian" panose="04020705040A02060702" pitchFamily="82" charset="0"/>
-            </a:endParaRPr>
-          </a:p>
-        </p:txBody>
-      </p:sp>
-      <p:sp>
-        <p:nvSpPr>
-          <p:cNvPr id="3" name="Content Placeholder 2">
-            <a:extLst>
-              <a:ext uri="{FF2B5EF4-FFF2-40B4-BE49-F238E27FC236}">
-                <a16:creationId xmlns:a16="http://schemas.microsoft.com/office/drawing/2014/main" id="{5BF1BBA8-320D-50CC-A0C8-9D7A756FA81B}"/>
-              </a:ext>
-            </a:extLst>
-          </p:cNvPr>
-          <p:cNvSpPr>
-            <a:spLocks noGrp="1"/>
-          </p:cNvSpPr>
-          <p:nvPr>
-            <p:ph idx="1"/>
-          </p:nvPr>
-        </p:nvSpPr>
-        <p:spPr/>
-        <p:txBody>
-          <a:bodyPr/>
-          <a:lstStyle/>
-          <a:p>
-            <a:r>
-              <a:rPr lang="en-US" b="0" i="0" dirty="0">
-                <a:effectLst/>
-                <a:latin typeface="Algerian" panose="04020705040A02060702" pitchFamily="82" charset="0"/>
-              </a:rPr>
-              <a:t>A switch differs from a hub in that it only forwards frames to the ports that are participating in the communication, rather than all of the ports that are connected. The collision domain is broken by a switch, yet the switch depicts itself as a broadcast domain. Frame forwarding decisions are made by switches based on MAC addresses</a:t>
-            </a:r>
-            <a:r>
-              <a:rPr lang="en-US" b="0" i="0" dirty="0">
-                <a:solidFill>
-                  <a:srgbClr val="273239"/>
-                </a:solidFill>
-                <a:effectLst/>
-                <a:latin typeface="urw-din"/>
-              </a:rPr>
-              <a:t>.</a:t>
-            </a:r>
-            <a:endParaRPr lang="en-PH" dirty="0"/>
-          </a:p>
-        </p:txBody>
-      </p:sp>
-    </p:spTree>
-    <p:extLst>
-      <p:ext uri="{BB962C8B-B14F-4D97-AF65-F5344CB8AC3E}">
-        <p14:creationId xmlns:p14="http://schemas.microsoft.com/office/powerpoint/2010/main" val="1984854005"/>
-      </p:ext>
-    </p:extLst>
-  </p:cSld>
-  <p:clrMapOvr>
-    <a:masterClrMapping/>
-  </p:clrMapOvr>
-</p:sld>
-</file>
-
-<file path=ppt/slides/slide52.xml><?xml version="1.0" encoding="utf-8"?>
-<p:sld xmlns:a="http://schemas.openxmlformats.org/drawingml/2006/main" xmlns:r="http://schemas.openxmlformats.org/officeDocument/2006/relationships" xmlns:p="http://schemas.openxmlformats.org/presentationml/2006/main">
-  <p:cSld>
-    <p:spTree>
-      <p:nvGrpSpPr>
-        <p:cNvPr id="1" name=""/>
-        <p:cNvGrpSpPr/>
-        <p:nvPr/>
-      </p:nvGrpSpPr>
-      <p:grpSpPr>
-        <a:xfrm>
-          <a:off x="0" y="0"/>
-          <a:ext cx="0" cy="0"/>
-          <a:chOff x="0" y="0"/>
-          <a:chExt cx="0" cy="0"/>
-        </a:xfrm>
-      </p:grpSpPr>
-      <p:sp>
-        <p:nvSpPr>
-          <p:cNvPr id="2" name="Title 1">
-            <a:extLst>
-              <a:ext uri="{FF2B5EF4-FFF2-40B4-BE49-F238E27FC236}">
-                <a16:creationId xmlns:a16="http://schemas.microsoft.com/office/drawing/2014/main" id="{09320403-2BA9-CD7D-E3D7-0F490FA01B33}"/>
-              </a:ext>
-            </a:extLst>
-          </p:cNvPr>
-          <p:cNvSpPr>
-            <a:spLocks noGrp="1"/>
-          </p:cNvSpPr>
-          <p:nvPr>
-            <p:ph type="title"/>
-          </p:nvPr>
-        </p:nvSpPr>
-        <p:spPr/>
-        <p:txBody>
-          <a:bodyPr/>
-          <a:lstStyle/>
-          <a:p>
-            <a:r>
-              <a:rPr lang="en-US" dirty="0">
-                <a:latin typeface="Algerian" panose="04020705040A02060702" pitchFamily="82" charset="0"/>
-              </a:rPr>
-              <a:t>ROUTERS</a:t>
-            </a:r>
-            <a:endParaRPr lang="en-PH" dirty="0">
-              <a:latin typeface="Algerian" panose="04020705040A02060702" pitchFamily="82" charset="0"/>
-            </a:endParaRPr>
-          </a:p>
-        </p:txBody>
-      </p:sp>
-      <p:sp>
-        <p:nvSpPr>
-          <p:cNvPr id="3" name="Content Placeholder 2">
-            <a:extLst>
-              <a:ext uri="{FF2B5EF4-FFF2-40B4-BE49-F238E27FC236}">
-                <a16:creationId xmlns:a16="http://schemas.microsoft.com/office/drawing/2014/main" id="{E6C2248B-6EE5-0B1F-A024-654785DF7B6D}"/>
-              </a:ext>
-            </a:extLst>
-          </p:cNvPr>
-          <p:cNvSpPr>
-            <a:spLocks noGrp="1"/>
-          </p:cNvSpPr>
-          <p:nvPr>
-            <p:ph idx="1"/>
-          </p:nvPr>
-        </p:nvSpPr>
-        <p:spPr/>
-        <p:txBody>
-          <a:bodyPr>
-            <a:normAutofit fontScale="92500"/>
-          </a:bodyPr>
-          <a:lstStyle/>
-          <a:p>
-            <a:r>
-              <a:rPr lang="en-US" b="0" i="0" dirty="0">
-                <a:effectLst/>
-                <a:latin typeface="Algerian" panose="04020705040A02060702" pitchFamily="82" charset="0"/>
-              </a:rPr>
-              <a:t>Routers are networking devices that use headers and forwarding tables to find the optimal way to forward data packets between networks. A router is a computer networking device that links two or more computer networks and selectively exchanges data packets between them. A router can use address information in each data packet to determine if the source and destination are on the same network or if the data packet has to be transported between networks. When numerous routers are deployed in a wide collection of interconnected networks, the routers share target system addresses so that each router can develop a table displaying the preferred pathways between any two systems on the associated networks.</a:t>
-            </a:r>
-            <a:endParaRPr lang="en-PH" dirty="0">
-              <a:latin typeface="Algerian" panose="04020705040A02060702" pitchFamily="82" charset="0"/>
-            </a:endParaRPr>
-          </a:p>
-        </p:txBody>
-      </p:sp>
-    </p:spTree>
-    <p:extLst>
-      <p:ext uri="{BB962C8B-B14F-4D97-AF65-F5344CB8AC3E}">
-        <p14:creationId xmlns:p14="http://schemas.microsoft.com/office/powerpoint/2010/main" val="3649570781"/>
-      </p:ext>
-    </p:extLst>
-  </p:cSld>
-  <p:clrMapOvr>
-    <a:masterClrMapping/>
-  </p:clrMapOvr>
-</p:sld>
-</file>
-
-<file path=ppt/slides/slide53.xml><?xml version="1.0" encoding="utf-8"?>
-<p:sld xmlns:a="http://schemas.openxmlformats.org/drawingml/2006/main" xmlns:r="http://schemas.openxmlformats.org/officeDocument/2006/relationships" xmlns:p="http://schemas.openxmlformats.org/presentationml/2006/main">
-  <p:cSld>
-    <p:spTree>
-      <p:nvGrpSpPr>
-        <p:cNvPr id="1" name=""/>
-        <p:cNvGrpSpPr/>
-        <p:nvPr/>
-      </p:nvGrpSpPr>
-      <p:grpSpPr>
-        <a:xfrm>
-          <a:off x="0" y="0"/>
-          <a:ext cx="0" cy="0"/>
-          <a:chOff x="0" y="0"/>
-          <a:chExt cx="0" cy="0"/>
-        </a:xfrm>
-      </p:grpSpPr>
-      <p:sp>
-        <p:nvSpPr>
-          <p:cNvPr id="2" name="Title 1">
-            <a:extLst>
-              <a:ext uri="{FF2B5EF4-FFF2-40B4-BE49-F238E27FC236}">
-                <a16:creationId xmlns:a16="http://schemas.microsoft.com/office/drawing/2014/main" id="{551AE050-3612-2BD4-3E46-8286304CA863}"/>
-              </a:ext>
-            </a:extLst>
-          </p:cNvPr>
-          <p:cNvSpPr>
-            <a:spLocks noGrp="1"/>
-          </p:cNvSpPr>
-          <p:nvPr>
-            <p:ph type="title"/>
-          </p:nvPr>
-        </p:nvSpPr>
-        <p:spPr/>
-        <p:txBody>
-          <a:bodyPr/>
-          <a:lstStyle/>
-          <a:p>
-            <a:r>
-              <a:rPr lang="en-US" dirty="0">
-                <a:latin typeface="Algerian" panose="04020705040A02060702" pitchFamily="82" charset="0"/>
-              </a:rPr>
-              <a:t>GATEWAYS</a:t>
-            </a:r>
-            <a:endParaRPr lang="en-PH" dirty="0">
-              <a:latin typeface="Algerian" panose="04020705040A02060702" pitchFamily="82" charset="0"/>
-            </a:endParaRPr>
-          </a:p>
-        </p:txBody>
-      </p:sp>
-      <p:sp>
-        <p:nvSpPr>
-          <p:cNvPr id="3" name="Content Placeholder 2">
-            <a:extLst>
-              <a:ext uri="{FF2B5EF4-FFF2-40B4-BE49-F238E27FC236}">
-                <a16:creationId xmlns:a16="http://schemas.microsoft.com/office/drawing/2014/main" id="{0B7ABF61-BC4B-71E6-5D1C-F155D9DF338B}"/>
-              </a:ext>
-            </a:extLst>
-          </p:cNvPr>
-          <p:cNvSpPr>
-            <a:spLocks noGrp="1"/>
-          </p:cNvSpPr>
-          <p:nvPr>
-            <p:ph idx="1"/>
-          </p:nvPr>
-        </p:nvSpPr>
-        <p:spPr/>
-        <p:txBody>
-          <a:bodyPr>
-            <a:normAutofit/>
-          </a:bodyPr>
-          <a:lstStyle/>
-          <a:p>
-            <a:pPr algn="just" fontAlgn="base">
-              <a:buFont typeface="Arial" panose="020B0604020202020204" pitchFamily="34" charset="0"/>
-              <a:buChar char="•"/>
-            </a:pPr>
-            <a:r>
-              <a:rPr lang="en-US" b="0" i="0" dirty="0">
-                <a:effectLst/>
-                <a:latin typeface="Algerian" panose="04020705040A02060702" pitchFamily="82" charset="0"/>
-              </a:rPr>
-              <a:t>To provide system compatibility, a gateway may contain devices such as protocol translators, impedance matching devices, rate converters, fault isolators, or signal translators. It also necessitates the development of administrative procedures that are acceptable to both networks. By completing the necessary protocol conversions, a protocol translation/mapping gateway joins networks that use distinct network protocol technologies</a:t>
-            </a:r>
-            <a:r>
-              <a:rPr lang="en-US" b="0" i="0" dirty="0">
-                <a:solidFill>
-                  <a:srgbClr val="273239"/>
-                </a:solidFill>
-                <a:effectLst/>
-                <a:latin typeface="urw-din"/>
-              </a:rPr>
-              <a:t>.</a:t>
-            </a:r>
-          </a:p>
-          <a:p>
-            <a:br>
-              <a:rPr lang="en-US" dirty="0"/>
-            </a:br>
-            <a:endParaRPr lang="en-PH" dirty="0"/>
-          </a:p>
-        </p:txBody>
-      </p:sp>
-    </p:spTree>
-    <p:extLst>
-      <p:ext uri="{BB962C8B-B14F-4D97-AF65-F5344CB8AC3E}">
-        <p14:creationId xmlns:p14="http://schemas.microsoft.com/office/powerpoint/2010/main" val="2635794930"/>
-      </p:ext>
-    </p:extLst>
-  </p:cSld>
-  <p:clrMapOvr>
-    <a:masterClrMapping/>
-  </p:clrMapOvr>
-</p:sld>
-</file>
-
-<file path=ppt/slides/slide54.xml><?xml version="1.0" encoding="utf-8"?>
-<p:sld xmlns:a="http://schemas.openxmlformats.org/drawingml/2006/main" xmlns:r="http://schemas.openxmlformats.org/officeDocument/2006/relationships" xmlns:p="http://schemas.openxmlformats.org/presentationml/2006/main">
-  <p:cSld>
-    <p:spTree>
-      <p:nvGrpSpPr>
-        <p:cNvPr id="1" name=""/>
-        <p:cNvGrpSpPr/>
-        <p:nvPr/>
-      </p:nvGrpSpPr>
-      <p:grpSpPr>
-        <a:xfrm>
-          <a:off x="0" y="0"/>
-          <a:ext cx="0" cy="0"/>
-          <a:chOff x="0" y="0"/>
-          <a:chExt cx="0" cy="0"/>
-        </a:xfrm>
-      </p:grpSpPr>
-      <p:sp>
-        <p:nvSpPr>
-          <p:cNvPr id="2" name="Title 1">
-            <a:extLst>
-              <a:ext uri="{FF2B5EF4-FFF2-40B4-BE49-F238E27FC236}">
-                <a16:creationId xmlns:a16="http://schemas.microsoft.com/office/drawing/2014/main" id="{AFB60E8F-5B91-7079-975F-4CAF3CE26008}"/>
-              </a:ext>
-            </a:extLst>
-          </p:cNvPr>
-          <p:cNvSpPr>
-            <a:spLocks noGrp="1"/>
-          </p:cNvSpPr>
-          <p:nvPr>
-            <p:ph type="title"/>
-          </p:nvPr>
-        </p:nvSpPr>
-        <p:spPr/>
-        <p:txBody>
-          <a:bodyPr/>
-          <a:lstStyle/>
-          <a:p>
-            <a:r>
-              <a:rPr lang="en-US" dirty="0">
-                <a:latin typeface="Algerian" panose="04020705040A02060702" pitchFamily="82" charset="0"/>
-              </a:rPr>
-              <a:t>INTERNET</a:t>
-            </a:r>
-            <a:endParaRPr lang="en-PH" dirty="0">
-              <a:latin typeface="Algerian" panose="04020705040A02060702" pitchFamily="82" charset="0"/>
-            </a:endParaRPr>
-          </a:p>
-        </p:txBody>
-      </p:sp>
-      <p:sp>
-        <p:nvSpPr>
-          <p:cNvPr id="3" name="Content Placeholder 2">
-            <a:extLst>
-              <a:ext uri="{FF2B5EF4-FFF2-40B4-BE49-F238E27FC236}">
-                <a16:creationId xmlns:a16="http://schemas.microsoft.com/office/drawing/2014/main" id="{4BDB72C9-322E-D600-5AAC-A9AE32DED354}"/>
-              </a:ext>
-            </a:extLst>
-          </p:cNvPr>
-          <p:cNvSpPr>
-            <a:spLocks noGrp="1"/>
-          </p:cNvSpPr>
-          <p:nvPr>
-            <p:ph idx="1"/>
-          </p:nvPr>
-        </p:nvSpPr>
-        <p:spPr/>
-        <p:txBody>
-          <a:bodyPr/>
-          <a:lstStyle/>
-          <a:p>
-            <a:r>
-              <a:rPr lang="en-US" b="0" i="0" dirty="0">
-                <a:effectLst/>
-                <a:latin typeface="Algerian" panose="04020705040A02060702" pitchFamily="82" charset="0"/>
-              </a:rPr>
-              <a:t>The internet is a larger network that allows computer networks controlled by enterprises, governments, colleges, and other organizations all over the world to communicate with one another. As a result, there are a tangle of cables, computers, data centers, routers, servers, repeaters, satellites, and wi-fi towers that allow digital data to go around the world.</a:t>
-            </a:r>
-            <a:endParaRPr lang="en-PH" dirty="0">
-              <a:latin typeface="Algerian" panose="04020705040A02060702" pitchFamily="82" charset="0"/>
-            </a:endParaRPr>
-          </a:p>
-        </p:txBody>
-      </p:sp>
-    </p:spTree>
-    <p:extLst>
-      <p:ext uri="{BB962C8B-B14F-4D97-AF65-F5344CB8AC3E}">
-        <p14:creationId xmlns:p14="http://schemas.microsoft.com/office/powerpoint/2010/main" val="2587300268"/>
-      </p:ext>
-    </p:extLst>
-  </p:cSld>
-  <p:clrMapOvr>
-    <a:masterClrMapping/>
-  </p:clrMapOvr>
-</p:sld>
-</file>
-
-<file path=ppt/slides/slide55.xml><?xml version="1.0" encoding="utf-8"?>
-<p:sld xmlns:a="http://schemas.openxmlformats.org/drawingml/2006/main" xmlns:r="http://schemas.openxmlformats.org/officeDocument/2006/relationships" xmlns:p="http://schemas.openxmlformats.org/presentationml/2006/main">
-  <p:cSld>
-    <p:spTree>
-      <p:nvGrpSpPr>
-        <p:cNvPr id="1" name=""/>
-        <p:cNvGrpSpPr/>
-        <p:nvPr/>
-      </p:nvGrpSpPr>
-      <p:grpSpPr>
-        <a:xfrm>
-          <a:off x="0" y="0"/>
-          <a:ext cx="0" cy="0"/>
-          <a:chOff x="0" y="0"/>
-          <a:chExt cx="0" cy="0"/>
-        </a:xfrm>
-      </p:grpSpPr>
-      <p:sp>
-        <p:nvSpPr>
-          <p:cNvPr id="3" name="Content Placeholder 2">
-            <a:extLst>
-              <a:ext uri="{FF2B5EF4-FFF2-40B4-BE49-F238E27FC236}">
-                <a16:creationId xmlns:a16="http://schemas.microsoft.com/office/drawing/2014/main" id="{9BF96E33-980E-754D-D293-49088299DF1E}"/>
-              </a:ext>
-            </a:extLst>
-          </p:cNvPr>
-          <p:cNvSpPr>
-            <a:spLocks noGrp="1"/>
-          </p:cNvSpPr>
-          <p:nvPr>
-            <p:ph idx="1"/>
-          </p:nvPr>
-        </p:nvSpPr>
-        <p:spPr/>
-        <p:txBody>
-          <a:bodyPr/>
-          <a:lstStyle/>
-          <a:p>
-            <a:pPr algn="just" fontAlgn="base">
-              <a:buFont typeface="Wingdings" panose="05000000000000000000" pitchFamily="2" charset="2"/>
-              <a:buChar char="v"/>
-            </a:pPr>
-            <a:r>
-              <a:rPr lang="en-US" b="0" i="0" dirty="0">
-                <a:effectLst/>
-                <a:latin typeface="Algerian" panose="04020705040A02060702" pitchFamily="82" charset="0"/>
-              </a:rPr>
-              <a:t>The Internet is a vast network of networks that functions as a networking infrastructure. It links millions of computers throughout the world, creating a network in which any computer can talk with any other computer as long as they are both linked to the Internet.</a:t>
-            </a:r>
-          </a:p>
-          <a:p>
-            <a:pPr algn="just" fontAlgn="base">
-              <a:buFont typeface="Wingdings" panose="05000000000000000000" pitchFamily="2" charset="2"/>
-              <a:buChar char="v"/>
-            </a:pPr>
-            <a:r>
-              <a:rPr lang="en-US" b="0" i="0" dirty="0">
-                <a:effectLst/>
-                <a:latin typeface="Algerian" panose="04020705040A02060702" pitchFamily="82" charset="0"/>
-              </a:rPr>
-              <a:t>The Internet is a global network of interconnected computers that communicate and share information using a standardized Internet Protocol Suite.</a:t>
-            </a:r>
-          </a:p>
-          <a:p>
-            <a:endParaRPr lang="en-PH" dirty="0"/>
-          </a:p>
-        </p:txBody>
-      </p:sp>
-    </p:spTree>
-    <p:extLst>
-      <p:ext uri="{BB962C8B-B14F-4D97-AF65-F5344CB8AC3E}">
-        <p14:creationId xmlns:p14="http://schemas.microsoft.com/office/powerpoint/2010/main" val="1510139699"/>
-      </p:ext>
-    </p:extLst>
-  </p:cSld>
-  <p:clrMapOvr>
-    <a:masterClrMapping/>
-  </p:clrMapOvr>
-</p:sld>
-</file>
-
-<file path=ppt/slides/slide56.xml><?xml version="1.0" encoding="utf-8"?>
-<p:sld xmlns:a="http://schemas.openxmlformats.org/drawingml/2006/main" xmlns:r="http://schemas.openxmlformats.org/officeDocument/2006/relationships" xmlns:p="http://schemas.openxmlformats.org/presentationml/2006/main">
-  <p:cSld>
-    <p:spTree>
-      <p:nvGrpSpPr>
-        <p:cNvPr id="1" name=""/>
-        <p:cNvGrpSpPr/>
-        <p:nvPr/>
-      </p:nvGrpSpPr>
-      <p:grpSpPr>
-        <a:xfrm>
-          <a:off x="0" y="0"/>
-          <a:ext cx="0" cy="0"/>
-          <a:chOff x="0" y="0"/>
-          <a:chExt cx="0" cy="0"/>
-        </a:xfrm>
-      </p:grpSpPr>
-      <p:sp>
-        <p:nvSpPr>
-          <p:cNvPr id="6" name="Title 1">
-            <a:extLst>
-              <a:ext uri="{FF2B5EF4-FFF2-40B4-BE49-F238E27FC236}">
-                <a16:creationId xmlns:a16="http://schemas.microsoft.com/office/drawing/2014/main" id="{3836CF01-9DED-C0E9-6177-C2AE407F45BB}"/>
-              </a:ext>
-            </a:extLst>
-          </p:cNvPr>
-          <p:cNvSpPr>
-            <a:spLocks noGrp="1"/>
-          </p:cNvSpPr>
-          <p:nvPr>
-            <p:ph idx="1"/>
-          </p:nvPr>
-        </p:nvSpPr>
-        <p:spPr>
-          <a:xfrm>
-            <a:off x="952500" y="463924"/>
-            <a:ext cx="10515600" cy="5598739"/>
-          </a:xfrm>
-        </p:spPr>
-        <p:txBody>
-          <a:bodyPr>
-            <a:normAutofit/>
-          </a:bodyPr>
-          <a:lstStyle/>
-          <a:p>
-            <a:pPr marL="0" indent="0" algn="just" fontAlgn="base">
-              <a:buNone/>
-            </a:pPr>
-            <a:r>
-              <a:rPr lang="en-US" b="1" i="0" dirty="0">
-                <a:effectLst/>
-                <a:latin typeface="Algerian" panose="04020705040A02060702" pitchFamily="82" charset="0"/>
-              </a:rPr>
-              <a:t>Sample Questions</a:t>
-            </a:r>
-          </a:p>
-          <a:p>
-            <a:pPr marL="0" indent="0" algn="just" fontAlgn="base">
-              <a:buNone/>
-            </a:pPr>
-            <a:r>
-              <a:rPr lang="en-US" b="1" i="0" dirty="0">
-                <a:effectLst/>
-                <a:latin typeface="Algerian" panose="04020705040A02060702" pitchFamily="82" charset="0"/>
-              </a:rPr>
-              <a:t>Question 1: List the advantages and disadvantages of the internet.</a:t>
-            </a:r>
-            <a:endParaRPr lang="en-US" b="0" i="0" dirty="0">
-              <a:effectLst/>
-              <a:latin typeface="Algerian" panose="04020705040A02060702" pitchFamily="82" charset="0"/>
-            </a:endParaRPr>
-          </a:p>
-          <a:p>
-            <a:pPr marL="0" indent="0" algn="just" fontAlgn="base">
-              <a:buNone/>
-            </a:pPr>
-            <a:r>
-              <a:rPr lang="en-US" b="1" i="0" dirty="0">
-                <a:effectLst/>
-                <a:latin typeface="Algerian" panose="04020705040A02060702" pitchFamily="82" charset="0"/>
-              </a:rPr>
-              <a:t>Solution:</a:t>
-            </a:r>
-            <a:endParaRPr lang="en-US" b="0" i="0" dirty="0">
-              <a:effectLst/>
-              <a:latin typeface="Algerian" panose="04020705040A02060702" pitchFamily="82" charset="0"/>
-            </a:endParaRPr>
-          </a:p>
-          <a:p>
-            <a:pPr algn="just" fontAlgn="base">
-              <a:buFont typeface="Wingdings" panose="05000000000000000000" pitchFamily="2" charset="2"/>
-              <a:buChar char="v"/>
-            </a:pPr>
-            <a:r>
-              <a:rPr lang="en-US" b="0" i="1" dirty="0">
-                <a:effectLst/>
-                <a:latin typeface="Algerian" panose="04020705040A02060702" pitchFamily="82" charset="0"/>
-              </a:rPr>
-              <a:t>Advantages of internet are,</a:t>
-            </a:r>
-          </a:p>
-          <a:p>
-            <a:pPr algn="just" fontAlgn="base">
-              <a:buFont typeface="Wingdings" panose="05000000000000000000" pitchFamily="2" charset="2"/>
-              <a:buChar char="v"/>
-            </a:pPr>
-            <a:r>
-              <a:rPr lang="en-US" b="0" i="1" dirty="0">
-                <a:effectLst/>
-                <a:latin typeface="Algerian" panose="04020705040A02060702" pitchFamily="82" charset="0"/>
-              </a:rPr>
-              <a:t>Source of entertainment – Online gaming, talking, browsing, music, movies, dramas, and TV series are quickly becoming the most popular ways to pass the time.</a:t>
-            </a:r>
-          </a:p>
-          <a:p>
-            <a:pPr algn="just" fontAlgn="base">
-              <a:buFont typeface="Wingdings" panose="05000000000000000000" pitchFamily="2" charset="2"/>
-              <a:buChar char="v"/>
-            </a:pPr>
-            <a:r>
-              <a:rPr lang="en-US" b="0" i="1" dirty="0">
-                <a:effectLst/>
-                <a:latin typeface="Algerian" panose="04020705040A02060702" pitchFamily="82" charset="0"/>
-              </a:rPr>
-              <a:t>Source of information – There is no better place to conduct research than the internet. We can learn about the latest trends, communicate with experts without having to physically visit them, and seek professional advice over the internet.</a:t>
-            </a:r>
-          </a:p>
-          <a:p>
-            <a:pPr marL="0" indent="0" algn="just" fontAlgn="base">
-              <a:buNone/>
-            </a:pPr>
-            <a:endParaRPr lang="en-US" b="0" i="1" dirty="0">
-              <a:solidFill>
-                <a:srgbClr val="273239"/>
-              </a:solidFill>
-              <a:effectLst/>
-              <a:latin typeface="urw-din"/>
-            </a:endParaRPr>
-          </a:p>
-        </p:txBody>
-      </p:sp>
-    </p:spTree>
-    <p:extLst>
-      <p:ext uri="{BB962C8B-B14F-4D97-AF65-F5344CB8AC3E}">
-        <p14:creationId xmlns:p14="http://schemas.microsoft.com/office/powerpoint/2010/main" val="4125745791"/>
-      </p:ext>
-    </p:extLst>
-  </p:cSld>
-  <p:clrMapOvr>
-    <a:masterClrMapping/>
-  </p:clrMapOvr>
-</p:sld>
-</file>
-
-<file path=ppt/slides/slide57.xml><?xml version="1.0" encoding="utf-8"?>
-<p:sld xmlns:a="http://schemas.openxmlformats.org/drawingml/2006/main" xmlns:r="http://schemas.openxmlformats.org/officeDocument/2006/relationships" xmlns:p="http://schemas.openxmlformats.org/presentationml/2006/main">
-  <p:cSld>
-    <p:spTree>
-      <p:nvGrpSpPr>
-        <p:cNvPr id="1" name=""/>
-        <p:cNvGrpSpPr/>
-        <p:nvPr/>
-      </p:nvGrpSpPr>
-      <p:grpSpPr>
-        <a:xfrm>
-          <a:off x="0" y="0"/>
-          <a:ext cx="0" cy="0"/>
-          <a:chOff x="0" y="0"/>
-          <a:chExt cx="0" cy="0"/>
-        </a:xfrm>
-      </p:grpSpPr>
-      <p:sp>
-        <p:nvSpPr>
-          <p:cNvPr id="3" name="Content Placeholder 2">
-            <a:extLst>
-              <a:ext uri="{FF2B5EF4-FFF2-40B4-BE49-F238E27FC236}">
-                <a16:creationId xmlns:a16="http://schemas.microsoft.com/office/drawing/2014/main" id="{E9B5BA48-6A0F-254E-DB00-005FCF86E0EF}"/>
-              </a:ext>
-            </a:extLst>
-          </p:cNvPr>
-          <p:cNvSpPr>
-            <a:spLocks noGrp="1"/>
-          </p:cNvSpPr>
-          <p:nvPr>
-            <p:ph idx="1"/>
-          </p:nvPr>
-        </p:nvSpPr>
-        <p:spPr>
-          <a:xfrm>
-            <a:off x="838200" y="1277471"/>
-            <a:ext cx="10515600" cy="4899492"/>
-          </a:xfrm>
-        </p:spPr>
-        <p:txBody>
-          <a:bodyPr/>
-          <a:lstStyle/>
-          <a:p>
-            <a:pPr algn="just" fontAlgn="base">
-              <a:buFont typeface="Wingdings" panose="05000000000000000000" pitchFamily="2" charset="2"/>
-              <a:buChar char="v"/>
-            </a:pPr>
-            <a:r>
-              <a:rPr lang="en-US" b="0" i="1" dirty="0">
-                <a:effectLst/>
-                <a:latin typeface="Algerian" panose="04020705040A02060702" pitchFamily="82" charset="0"/>
-              </a:rPr>
-              <a:t>E – Commerce – With the advancement of internet technology, large online E-commerce enterprises such as Amazon, Ali Baba, </a:t>
-            </a:r>
-            <a:r>
-              <a:rPr lang="en-US" b="0" i="1" dirty="0" err="1">
-                <a:effectLst/>
-                <a:latin typeface="Algerian" panose="04020705040A02060702" pitchFamily="82" charset="0"/>
-              </a:rPr>
-              <a:t>myntra</a:t>
-            </a:r>
-            <a:r>
-              <a:rPr lang="en-US" b="0" i="1" dirty="0">
-                <a:effectLst/>
-                <a:latin typeface="Algerian" panose="04020705040A02060702" pitchFamily="82" charset="0"/>
-              </a:rPr>
-              <a:t> etc. have emerged.</a:t>
-            </a:r>
-          </a:p>
-          <a:p>
-            <a:pPr algn="just" fontAlgn="base">
-              <a:buFont typeface="Wingdings" panose="05000000000000000000" pitchFamily="2" charset="2"/>
-              <a:buChar char="v"/>
-            </a:pPr>
-            <a:r>
-              <a:rPr lang="en-US" b="0" i="1" dirty="0">
-                <a:effectLst/>
-                <a:latin typeface="Algerian" panose="04020705040A02060702" pitchFamily="82" charset="0"/>
-              </a:rPr>
-              <a:t>Working from home, collaborating with others, and having access to a global workforce are all advantages.</a:t>
-            </a:r>
-          </a:p>
-          <a:p>
-            <a:pPr algn="just" fontAlgn="base">
-              <a:buFont typeface="Wingdings" panose="05000000000000000000" pitchFamily="2" charset="2"/>
-              <a:buChar char="v"/>
-            </a:pPr>
-            <a:r>
-              <a:rPr lang="en-US" b="0" i="1" dirty="0">
-                <a:effectLst/>
-                <a:latin typeface="Algerian" panose="04020705040A02060702" pitchFamily="82" charset="0"/>
-              </a:rPr>
-              <a:t>Keeps Updated – Because there are hundreds of thousands of newsgroups and services that keep you updated with every tick of the clock, the Internet is a source of the most recent news.</a:t>
-            </a:r>
-          </a:p>
-          <a:p>
-            <a:endParaRPr lang="en-PH" dirty="0"/>
-          </a:p>
-        </p:txBody>
-      </p:sp>
-    </p:spTree>
-    <p:extLst>
-      <p:ext uri="{BB962C8B-B14F-4D97-AF65-F5344CB8AC3E}">
-        <p14:creationId xmlns:p14="http://schemas.microsoft.com/office/powerpoint/2010/main" val="4094399867"/>
-      </p:ext>
-    </p:extLst>
-  </p:cSld>
-  <p:clrMapOvr>
-    <a:masterClrMapping/>
-  </p:clrMapOvr>
-</p:sld>
-</file>
-
-<file path=ppt/slides/slide58.xml><?xml version="1.0" encoding="utf-8"?>
-<p:sld xmlns:a="http://schemas.openxmlformats.org/drawingml/2006/main" xmlns:r="http://schemas.openxmlformats.org/officeDocument/2006/relationships" xmlns:p="http://schemas.openxmlformats.org/presentationml/2006/main">
-  <p:cSld>
-    <p:spTree>
-      <p:nvGrpSpPr>
-        <p:cNvPr id="1" name=""/>
-        <p:cNvGrpSpPr/>
-        <p:nvPr/>
-      </p:nvGrpSpPr>
-      <p:grpSpPr>
-        <a:xfrm>
-          <a:off x="0" y="0"/>
-          <a:ext cx="0" cy="0"/>
-          <a:chOff x="0" y="0"/>
-          <a:chExt cx="0" cy="0"/>
-        </a:xfrm>
-      </p:grpSpPr>
-      <p:sp>
-        <p:nvSpPr>
-          <p:cNvPr id="3" name="Content Placeholder 2">
-            <a:extLst>
-              <a:ext uri="{FF2B5EF4-FFF2-40B4-BE49-F238E27FC236}">
-                <a16:creationId xmlns:a16="http://schemas.microsoft.com/office/drawing/2014/main" id="{B671C46C-DB00-B7EE-71B4-783ED3A7635C}"/>
-              </a:ext>
-            </a:extLst>
-          </p:cNvPr>
-          <p:cNvSpPr>
-            <a:spLocks noGrp="1"/>
-          </p:cNvSpPr>
-          <p:nvPr>
-            <p:ph idx="1"/>
-          </p:nvPr>
-        </p:nvSpPr>
-        <p:spPr>
-          <a:xfrm>
-            <a:off x="838200" y="860612"/>
-            <a:ext cx="10515600" cy="5316351"/>
-          </a:xfrm>
-        </p:spPr>
-        <p:txBody>
-          <a:bodyPr>
-            <a:normAutofit/>
-          </a:bodyPr>
-          <a:lstStyle/>
-          <a:p>
-            <a:pPr marL="0" indent="0" algn="just" fontAlgn="base">
-              <a:buNone/>
-            </a:pPr>
-            <a:r>
-              <a:rPr lang="en-US" b="0" i="1" dirty="0">
-                <a:effectLst/>
-                <a:latin typeface="Algerian" panose="04020705040A02060702" pitchFamily="82" charset="0"/>
-              </a:rPr>
-              <a:t>Disadvantages of internet are,</a:t>
-            </a:r>
-          </a:p>
-          <a:p>
-            <a:pPr algn="just" fontAlgn="base">
-              <a:buFont typeface="Wingdings" panose="05000000000000000000" pitchFamily="2" charset="2"/>
-              <a:buChar char="v"/>
-            </a:pPr>
-            <a:r>
-              <a:rPr lang="en-US" b="0" i="1" dirty="0">
-                <a:effectLst/>
-                <a:latin typeface="Algerian" panose="04020705040A02060702" pitchFamily="82" charset="0"/>
-              </a:rPr>
-              <a:t>Time Wastage – Most people believe that spending too much time on the internet is unhealthy for young people and leads to obesity. </a:t>
-            </a:r>
-          </a:p>
-          <a:p>
-            <a:pPr algn="just" fontAlgn="base">
-              <a:buFont typeface="Wingdings" panose="05000000000000000000" pitchFamily="2" charset="2"/>
-              <a:buChar char="v"/>
-            </a:pPr>
-            <a:r>
-              <a:rPr lang="en-US" b="0" i="1" dirty="0">
-                <a:effectLst/>
-                <a:latin typeface="Algerian" panose="04020705040A02060702" pitchFamily="82" charset="0"/>
-              </a:rPr>
-              <a:t>Money Laundering – Aside from reputable sites, there are some Social Media Advertising sites that try to steal your personal information, credit card information, and even your pin code. You can easily become a victim of money scam if they get this information.</a:t>
-            </a:r>
-          </a:p>
-          <a:p>
-            <a:endParaRPr lang="en-PH" dirty="0"/>
-          </a:p>
-        </p:txBody>
-      </p:sp>
-    </p:spTree>
-    <p:extLst>
-      <p:ext uri="{BB962C8B-B14F-4D97-AF65-F5344CB8AC3E}">
-        <p14:creationId xmlns:p14="http://schemas.microsoft.com/office/powerpoint/2010/main" val="1261144368"/>
-      </p:ext>
-    </p:extLst>
-  </p:cSld>
-  <p:clrMapOvr>
-    <a:masterClrMapping/>
-  </p:clrMapOvr>
-</p:sld>
-</file>
-
-<file path=ppt/slides/slide59.xml><?xml version="1.0" encoding="utf-8"?>
-<p:sld xmlns:a="http://schemas.openxmlformats.org/drawingml/2006/main" xmlns:r="http://schemas.openxmlformats.org/officeDocument/2006/relationships" xmlns:p="http://schemas.openxmlformats.org/presentationml/2006/main">
-  <p:cSld>
-    <p:spTree>
-      <p:nvGrpSpPr>
-        <p:cNvPr id="1" name=""/>
-        <p:cNvGrpSpPr/>
-        <p:nvPr/>
-      </p:nvGrpSpPr>
-      <p:grpSpPr>
-        <a:xfrm>
-          <a:off x="0" y="0"/>
-          <a:ext cx="0" cy="0"/>
-          <a:chOff x="0" y="0"/>
-          <a:chExt cx="0" cy="0"/>
-        </a:xfrm>
-      </p:grpSpPr>
-      <p:sp>
-        <p:nvSpPr>
-          <p:cNvPr id="3" name="Content Placeholder 2">
-            <a:extLst>
-              <a:ext uri="{FF2B5EF4-FFF2-40B4-BE49-F238E27FC236}">
-                <a16:creationId xmlns:a16="http://schemas.microsoft.com/office/drawing/2014/main" id="{37C026FB-28AB-2A91-1590-5862888F5727}"/>
-              </a:ext>
-            </a:extLst>
-          </p:cNvPr>
-          <p:cNvSpPr>
-            <a:spLocks noGrp="1"/>
-          </p:cNvSpPr>
-          <p:nvPr>
-            <p:ph idx="1"/>
-          </p:nvPr>
-        </p:nvSpPr>
-        <p:spPr>
-          <a:xfrm>
-            <a:off x="838200" y="1021976"/>
-            <a:ext cx="10515600" cy="5154987"/>
-          </a:xfrm>
-        </p:spPr>
-        <p:txBody>
-          <a:bodyPr/>
-          <a:lstStyle/>
-          <a:p>
-            <a:pPr algn="just" fontAlgn="base">
-              <a:buFont typeface="Arial" panose="020B0604020202020204" pitchFamily="34" charset="0"/>
-              <a:buChar char="•"/>
-            </a:pPr>
-            <a:r>
-              <a:rPr lang="en-US" b="0" i="1" dirty="0">
-                <a:effectLst/>
-                <a:latin typeface="Algerian" panose="04020705040A02060702" pitchFamily="82" charset="0"/>
-              </a:rPr>
-              <a:t>Exposure to private data – It is now quite easy to decipher someone’s chat or email communication thanks to the hacking community. As we all know, data is transmitted in packets, which hackers can simply detect and reconstruct.</a:t>
-            </a:r>
-          </a:p>
-          <a:p>
-            <a:pPr algn="just" fontAlgn="base">
-              <a:buFont typeface="Arial" panose="020B0604020202020204" pitchFamily="34" charset="0"/>
-              <a:buChar char="•"/>
-            </a:pPr>
-            <a:r>
-              <a:rPr lang="en-US" b="0" i="1" dirty="0">
-                <a:effectLst/>
-                <a:latin typeface="Algerian" panose="04020705040A02060702" pitchFamily="82" charset="0"/>
-              </a:rPr>
-              <a:t>Harassment &amp; threatening – Bullies exist online, just as they do in real life, and they can lower your self-esteem by harassing and threatening you. Some of these individuals may be persons who are aware of some of your personal details and dislike you, and may use this information to harass you.</a:t>
-            </a:r>
-          </a:p>
-          <a:p>
-            <a:endParaRPr lang="en-PH" dirty="0"/>
-          </a:p>
-        </p:txBody>
-      </p:sp>
-    </p:spTree>
-    <p:extLst>
-      <p:ext uri="{BB962C8B-B14F-4D97-AF65-F5344CB8AC3E}">
-        <p14:creationId xmlns:p14="http://schemas.microsoft.com/office/powerpoint/2010/main" val="3169387429"/>
-      </p:ext>
-    </p:extLst>
-  </p:cSld>
-  <p:clrMapOvr>
-    <a:masterClrMapping/>
-  </p:clrMapOvr>
-</p:sld>
-</file>
-
-<file path=ppt/slides/slide6.xml><?xml version="1.0" encoding="utf-8"?>
-<p:sld xmlns:a="http://schemas.openxmlformats.org/drawingml/2006/main" xmlns:r="http://schemas.openxmlformats.org/officeDocument/2006/relationships" xmlns:p="http://schemas.openxmlformats.org/presentationml/2006/main">
-  <p:cSld>
-    <p:spTree>
-      <p:nvGrpSpPr>
-        <p:cNvPr id="1" name=""/>
-        <p:cNvGrpSpPr/>
-        <p:nvPr/>
-      </p:nvGrpSpPr>
-      <p:grpSpPr>
-        <a:xfrm>
-          <a:off x="0" y="0"/>
-          <a:ext cx="0" cy="0"/>
-          <a:chOff x="0" y="0"/>
-          <a:chExt cx="0" cy="0"/>
-        </a:xfrm>
-      </p:grpSpPr>
-      <p:sp>
-        <p:nvSpPr>
-          <p:cNvPr id="5" name="Title 4">
-            <a:extLst>
-              <a:ext uri="{FF2B5EF4-FFF2-40B4-BE49-F238E27FC236}">
-                <a16:creationId xmlns:a16="http://schemas.microsoft.com/office/drawing/2014/main" id="{506E4DD9-EA39-CCA8-03AF-9807651495CA}"/>
-              </a:ext>
-            </a:extLst>
-          </p:cNvPr>
-          <p:cNvSpPr>
-            <a:spLocks noGrp="1"/>
-          </p:cNvSpPr>
-          <p:nvPr>
-            <p:ph type="title"/>
-          </p:nvPr>
-        </p:nvSpPr>
-        <p:spPr>
-          <a:xfrm>
-            <a:off x="838200" y="365125"/>
-            <a:ext cx="10515600" cy="2203263"/>
-          </a:xfrm>
-        </p:spPr>
-        <p:txBody>
-          <a:bodyPr>
-            <a:normAutofit/>
-          </a:bodyPr>
-          <a:lstStyle/>
-          <a:p>
-            <a:r>
-              <a:rPr lang="en-PH" sz="5400" dirty="0">
-                <a:latin typeface="Algerian" panose="04020705040A02060702" pitchFamily="82" charset="0"/>
-              </a:rPr>
-              <a:t>CRITERIA OF GOOD NETWORK</a:t>
-            </a:r>
-            <a:endParaRPr lang="en-PH" sz="5400" dirty="0"/>
-          </a:p>
-        </p:txBody>
-      </p:sp>
-      <p:sp>
-        <p:nvSpPr>
-          <p:cNvPr id="6" name="Content Placeholder 5">
-            <a:extLst>
-              <a:ext uri="{FF2B5EF4-FFF2-40B4-BE49-F238E27FC236}">
-                <a16:creationId xmlns:a16="http://schemas.microsoft.com/office/drawing/2014/main" id="{A2C8F711-1296-DCA3-CC99-DDB7F215C390}"/>
-              </a:ext>
-            </a:extLst>
-          </p:cNvPr>
-          <p:cNvSpPr>
-            <a:spLocks noGrp="1"/>
-          </p:cNvSpPr>
-          <p:nvPr>
-            <p:ph idx="1"/>
-          </p:nvPr>
-        </p:nvSpPr>
-        <p:spPr>
-          <a:xfrm>
-            <a:off x="838200" y="2877671"/>
-            <a:ext cx="10515600" cy="3299292"/>
-          </a:xfrm>
-        </p:spPr>
-        <p:txBody>
-          <a:bodyPr/>
-          <a:lstStyle/>
-          <a:p>
-            <a:pPr>
-              <a:buFont typeface="Wingdings" panose="05000000000000000000" pitchFamily="2" charset="2"/>
-              <a:buChar char="v"/>
-            </a:pPr>
-            <a:r>
-              <a:rPr lang="en-US" sz="3600" dirty="0">
-                <a:latin typeface="Algerian" panose="04020705040A02060702" pitchFamily="82" charset="0"/>
-              </a:rPr>
-              <a:t>PERFORMANCE</a:t>
-            </a:r>
-          </a:p>
-          <a:p>
-            <a:pPr>
-              <a:buFont typeface="Wingdings" panose="05000000000000000000" pitchFamily="2" charset="2"/>
-              <a:buChar char="v"/>
-            </a:pPr>
-            <a:r>
-              <a:rPr lang="en-US" sz="3600" dirty="0">
-                <a:latin typeface="Algerian" panose="04020705040A02060702" pitchFamily="82" charset="0"/>
-              </a:rPr>
-              <a:t>RELIABILITY</a:t>
-            </a:r>
-          </a:p>
-          <a:p>
-            <a:pPr>
-              <a:buFont typeface="Wingdings" panose="05000000000000000000" pitchFamily="2" charset="2"/>
-              <a:buChar char="v"/>
-            </a:pPr>
-            <a:r>
-              <a:rPr lang="en-US" sz="3600" dirty="0">
-                <a:latin typeface="Algerian" panose="04020705040A02060702" pitchFamily="82" charset="0"/>
-              </a:rPr>
-              <a:t>SECURITY</a:t>
-            </a:r>
-            <a:endParaRPr lang="en-PH" dirty="0">
-              <a:latin typeface="Algerian" panose="04020705040A02060702" pitchFamily="82" charset="0"/>
-            </a:endParaRPr>
-          </a:p>
-        </p:txBody>
-      </p:sp>
-    </p:spTree>
-    <p:extLst>
-      <p:ext uri="{BB962C8B-B14F-4D97-AF65-F5344CB8AC3E}">
-        <p14:creationId xmlns:p14="http://schemas.microsoft.com/office/powerpoint/2010/main" val="1027501102"/>
-      </p:ext>
-    </p:extLst>
-  </p:cSld>
-  <p:clrMapOvr>
-    <a:masterClrMapping/>
-  </p:clrMapOvr>
-</p:sld>
-</file>
-
 <file path=ppt/slides/slide60.xml><?xml version="1.0" encoding="utf-8"?>
 <p:sld xmlns:a="http://schemas.openxmlformats.org/drawingml/2006/main" xmlns:r="http://schemas.openxmlformats.org/officeDocument/2006/relationships" xmlns:p="http://schemas.openxmlformats.org/presentationml/2006/main">
   <p:cSld>
@@ -12937,10 +13387,10 @@
       </p:grpSpPr>
       <p:sp>
         <p:nvSpPr>
-          <p:cNvPr id="6" name="Title 4">
+          <p:cNvPr id="2" name="Title 1">
             <a:extLst>
               <a:ext uri="{FF2B5EF4-FFF2-40B4-BE49-F238E27FC236}">
-                <a16:creationId xmlns:a16="http://schemas.microsoft.com/office/drawing/2014/main" id="{8BA84B8F-4BC5-868A-1399-CDDFD78CA408}"/>
+                <a16:creationId xmlns:a16="http://schemas.microsoft.com/office/drawing/2014/main" id="{1953C8EE-3A73-55A1-CFA1-CB0C5CB07DDC}"/>
               </a:ext>
             </a:extLst>
           </p:cNvPr>
@@ -12948,78 +13398,64 @@
             <a:spLocks noGrp="1"/>
           </p:cNvSpPr>
           <p:nvPr>
-            <p:ph idx="1"/>
-          </p:nvPr>
-        </p:nvSpPr>
-        <p:spPr>
-          <a:xfrm>
-            <a:off x="838200" y="1752600"/>
-            <a:ext cx="10515600" cy="4424363"/>
-          </a:xfrm>
-        </p:spPr>
-        <p:txBody>
-          <a:bodyPr>
-            <a:normAutofit/>
-          </a:bodyPr>
-          <a:lstStyle/>
-          <a:p>
-            <a:pPr marL="0" indent="0" algn="just" fontAlgn="base">
-              <a:buNone/>
-            </a:pPr>
-            <a:r>
-              <a:rPr lang="en-US" b="1" i="0" dirty="0">
-                <a:effectLst/>
-                <a:latin typeface="Algerian" panose="04020705040A02060702" pitchFamily="82" charset="0"/>
-              </a:rPr>
-              <a:t>Question 2: List the ways to connect to the internet.</a:t>
-            </a:r>
-            <a:endParaRPr lang="en-US" dirty="0">
+            <p:ph type="title"/>
+          </p:nvPr>
+        </p:nvSpPr>
+        <p:spPr/>
+        <p:txBody>
+          <a:bodyPr/>
+          <a:lstStyle/>
+          <a:p>
+            <a:r>
+              <a:rPr lang="en-US" dirty="0">
+                <a:latin typeface="Algerian" panose="04020705040A02060702" pitchFamily="82" charset="0"/>
+              </a:rPr>
+              <a:t>SWITCHES</a:t>
+            </a:r>
+            <a:endParaRPr lang="en-PH" dirty="0">
               <a:latin typeface="Algerian" panose="04020705040A02060702" pitchFamily="82" charset="0"/>
             </a:endParaRPr>
           </a:p>
-          <a:p>
-            <a:pPr marL="0" indent="0" algn="just" fontAlgn="base">
-              <a:buNone/>
-            </a:pPr>
-            <a:r>
-              <a:rPr lang="en-US" b="1" i="0" dirty="0">
+        </p:txBody>
+      </p:sp>
+      <p:sp>
+        <p:nvSpPr>
+          <p:cNvPr id="3" name="Content Placeholder 2">
+            <a:extLst>
+              <a:ext uri="{FF2B5EF4-FFF2-40B4-BE49-F238E27FC236}">
+                <a16:creationId xmlns:a16="http://schemas.microsoft.com/office/drawing/2014/main" id="{5BF1BBA8-320D-50CC-A0C8-9D7A756FA81B}"/>
+              </a:ext>
+            </a:extLst>
+          </p:cNvPr>
+          <p:cNvSpPr>
+            <a:spLocks noGrp="1"/>
+          </p:cNvSpPr>
+          <p:nvPr>
+            <p:ph idx="1"/>
+          </p:nvPr>
+        </p:nvSpPr>
+        <p:spPr/>
+        <p:txBody>
+          <a:bodyPr/>
+          <a:lstStyle/>
+          <a:p>
+            <a:r>
+              <a:rPr lang="en-US" b="0" i="0" dirty="0">
                 <a:effectLst/>
                 <a:latin typeface="Algerian" panose="04020705040A02060702" pitchFamily="82" charset="0"/>
               </a:rPr>
-              <a:t>Solution:</a:t>
-            </a:r>
-            <a:endParaRPr lang="en-US" b="0" i="0" dirty="0">
-              <a:effectLst/>
-              <a:latin typeface="Algerian" panose="04020705040A02060702" pitchFamily="82" charset="0"/>
-            </a:endParaRPr>
-          </a:p>
-          <a:p>
-            <a:pPr algn="just" fontAlgn="base">
-              <a:buFont typeface="Wingdings" panose="05000000000000000000" pitchFamily="2" charset="2"/>
-              <a:buChar char="v"/>
-            </a:pPr>
-            <a:r>
-              <a:rPr lang="en-US" b="0" i="1" dirty="0">
+              <a:t>A switch differs from a hub in that it only forwards frames to the ports that are participating in the communication, rather than all of the ports that are connected. The collision domain is broken by a switch, yet the switch depicts itself as a broadcast domain. Frame forwarding decisions are made by switches based on MAC addresses</a:t>
+            </a:r>
+            <a:r>
+              <a:rPr lang="en-US" b="0" i="0" dirty="0">
+                <a:solidFill>
+                  <a:srgbClr val="273239"/>
+                </a:solidFill>
                 <a:effectLst/>
-                <a:latin typeface="Algerian" panose="04020705040A02060702" pitchFamily="82" charset="0"/>
-              </a:rPr>
-              <a:t>We can connect to the internet in the following ways:</a:t>
-            </a:r>
-          </a:p>
-          <a:p>
-            <a:pPr algn="just" fontAlgn="base">
-              <a:buFont typeface="Wingdings" panose="05000000000000000000" pitchFamily="2" charset="2"/>
-              <a:buChar char="v"/>
-            </a:pPr>
-            <a:r>
-              <a:rPr lang="en-US" b="0" i="1" dirty="0">
-                <a:effectLst/>
-                <a:latin typeface="Algerian" panose="04020705040A02060702" pitchFamily="82" charset="0"/>
-              </a:rPr>
-              <a:t>Dial-Up – In order to access the Internet, in this type of connection, users must connect their phone line to a computer . This link prevents the user from using tier home phone service to make or receive calls.</a:t>
-            </a:r>
-          </a:p>
-          <a:p>
+                <a:latin typeface="urw-din"/>
+              </a:rPr>
+              <a:t>.</a:t>
+            </a:r>
             <a:endParaRPr lang="en-PH" dirty="0"/>
           </a:p>
         </p:txBody>
@@ -13027,7 +13463,7 @@
     </p:spTree>
     <p:extLst>
       <p:ext uri="{BB962C8B-B14F-4D97-AF65-F5344CB8AC3E}">
-        <p14:creationId xmlns:p14="http://schemas.microsoft.com/office/powerpoint/2010/main" val="4293546702"/>
+        <p14:creationId xmlns:p14="http://schemas.microsoft.com/office/powerpoint/2010/main" val="1984854005"/>
       </p:ext>
     </p:extLst>
   </p:cSld>
@@ -13056,10 +13492,43 @@
       </p:grpSpPr>
       <p:sp>
         <p:nvSpPr>
+          <p:cNvPr id="2" name="Title 1">
+            <a:extLst>
+              <a:ext uri="{FF2B5EF4-FFF2-40B4-BE49-F238E27FC236}">
+                <a16:creationId xmlns:a16="http://schemas.microsoft.com/office/drawing/2014/main" id="{09320403-2BA9-CD7D-E3D7-0F490FA01B33}"/>
+              </a:ext>
+            </a:extLst>
+          </p:cNvPr>
+          <p:cNvSpPr>
+            <a:spLocks noGrp="1"/>
+          </p:cNvSpPr>
+          <p:nvPr>
+            <p:ph type="title"/>
+          </p:nvPr>
+        </p:nvSpPr>
+        <p:spPr/>
+        <p:txBody>
+          <a:bodyPr/>
+          <a:lstStyle/>
+          <a:p>
+            <a:r>
+              <a:rPr lang="en-US" dirty="0">
+                <a:latin typeface="Algerian" panose="04020705040A02060702" pitchFamily="82" charset="0"/>
+              </a:rPr>
+              <a:t>ROUTERS</a:t>
+            </a:r>
+            <a:endParaRPr lang="en-PH" dirty="0">
+              <a:latin typeface="Algerian" panose="04020705040A02060702" pitchFamily="82" charset="0"/>
+            </a:endParaRPr>
+          </a:p>
+        </p:txBody>
+      </p:sp>
+      <p:sp>
+        <p:nvSpPr>
           <p:cNvPr id="3" name="Content Placeholder 2">
             <a:extLst>
               <a:ext uri="{FF2B5EF4-FFF2-40B4-BE49-F238E27FC236}">
-                <a16:creationId xmlns:a16="http://schemas.microsoft.com/office/drawing/2014/main" id="{E70146FA-B36A-8CB4-E26D-F42E6DB476F5}"/>
+                <a16:creationId xmlns:a16="http://schemas.microsoft.com/office/drawing/2014/main" id="{E6C2248B-6EE5-0B1F-A024-654785DF7B6D}"/>
               </a:ext>
             </a:extLst>
           </p:cNvPr>
@@ -13072,43 +13541,28 @@
         </p:nvSpPr>
         <p:spPr/>
         <p:txBody>
-          <a:bodyPr/>
-          <a:lstStyle/>
-          <a:p>
-            <a:pPr algn="just" fontAlgn="base">
-              <a:buFont typeface="Wingdings" panose="05000000000000000000" pitchFamily="2" charset="2"/>
-              <a:buChar char="v"/>
-            </a:pPr>
-            <a:r>
-              <a:rPr lang="en-US" b="0" i="1" dirty="0">
+          <a:bodyPr>
+            <a:normAutofit fontScale="92500"/>
+          </a:bodyPr>
+          <a:lstStyle/>
+          <a:p>
+            <a:r>
+              <a:rPr lang="en-US" b="0" i="0" dirty="0">
                 <a:effectLst/>
                 <a:latin typeface="Algerian" panose="04020705040A02060702" pitchFamily="82" charset="0"/>
               </a:rPr>
-              <a:t>Broadband – Broadband is a high-speed internet connection that is frequently utilized nowadays and is provided by cable or phone companies.</a:t>
-            </a:r>
-          </a:p>
-          <a:p>
-            <a:pPr algn="just" fontAlgn="base">
-              <a:buFont typeface="Wingdings" panose="05000000000000000000" pitchFamily="2" charset="2"/>
-              <a:buChar char="v"/>
-            </a:pPr>
-            <a:r>
-              <a:rPr lang="en-US" b="0" i="1" dirty="0">
-                <a:effectLst/>
-                <a:latin typeface="Algerian" panose="04020705040A02060702" pitchFamily="82" charset="0"/>
-              </a:rPr>
-              <a:t>Wireless connections – Internet access is accomplished by radio waves, thus it is possible to connect to the Internet from any location. Wi-Fi and mobile service providers are examples of wireless connections.</a:t>
-            </a:r>
-          </a:p>
-          <a:p>
-            <a:endParaRPr lang="en-PH" dirty="0"/>
+              <a:t>Routers are networking devices that use headers and forwarding tables to find the optimal way to forward data packets between networks. A router is a computer networking device that links two or more computer networks and selectively exchanges data packets between them. A router can use address information in each data packet to determine if the source and destination are on the same network or if the data packet has to be transported between networks. When numerous routers are deployed in a wide collection of interconnected networks, the routers share target system addresses so that each router can develop a table displaying the preferred pathways between any two systems on the associated networks.</a:t>
+            </a:r>
+            <a:endParaRPr lang="en-PH" dirty="0">
+              <a:latin typeface="Algerian" panose="04020705040A02060702" pitchFamily="82" charset="0"/>
+            </a:endParaRPr>
           </a:p>
         </p:txBody>
       </p:sp>
     </p:spTree>
     <p:extLst>
       <p:ext uri="{BB962C8B-B14F-4D97-AF65-F5344CB8AC3E}">
-        <p14:creationId xmlns:p14="http://schemas.microsoft.com/office/powerpoint/2010/main" val="764376969"/>
+        <p14:creationId xmlns:p14="http://schemas.microsoft.com/office/powerpoint/2010/main" val="3649570781"/>
       </p:ext>
     </p:extLst>
   </p:cSld>
@@ -13137,10 +13591,43 @@
       </p:grpSpPr>
       <p:sp>
         <p:nvSpPr>
+          <p:cNvPr id="2" name="Title 1">
+            <a:extLst>
+              <a:ext uri="{FF2B5EF4-FFF2-40B4-BE49-F238E27FC236}">
+                <a16:creationId xmlns:a16="http://schemas.microsoft.com/office/drawing/2014/main" id="{551AE050-3612-2BD4-3E46-8286304CA863}"/>
+              </a:ext>
+            </a:extLst>
+          </p:cNvPr>
+          <p:cNvSpPr>
+            <a:spLocks noGrp="1"/>
+          </p:cNvSpPr>
+          <p:nvPr>
+            <p:ph type="title"/>
+          </p:nvPr>
+        </p:nvSpPr>
+        <p:spPr/>
+        <p:txBody>
+          <a:bodyPr/>
+          <a:lstStyle/>
+          <a:p>
+            <a:r>
+              <a:rPr lang="en-US" dirty="0">
+                <a:latin typeface="Algerian" panose="04020705040A02060702" pitchFamily="82" charset="0"/>
+              </a:rPr>
+              <a:t>GATEWAYS</a:t>
+            </a:r>
+            <a:endParaRPr lang="en-PH" dirty="0">
+              <a:latin typeface="Algerian" panose="04020705040A02060702" pitchFamily="82" charset="0"/>
+            </a:endParaRPr>
+          </a:p>
+        </p:txBody>
+      </p:sp>
+      <p:sp>
+        <p:nvSpPr>
           <p:cNvPr id="3" name="Content Placeholder 2">
             <a:extLst>
               <a:ext uri="{FF2B5EF4-FFF2-40B4-BE49-F238E27FC236}">
-                <a16:creationId xmlns:a16="http://schemas.microsoft.com/office/drawing/2014/main" id="{6283F21E-1677-1357-9341-73CE646DEDAF}"/>
+                <a16:creationId xmlns:a16="http://schemas.microsoft.com/office/drawing/2014/main" id="{0B7ABF61-BC4B-71E6-5D1C-F155D9DF338B}"/>
               </a:ext>
             </a:extLst>
           </p:cNvPr>
@@ -13151,14 +13638,11 @@
             <p:ph idx="1"/>
           </p:nvPr>
         </p:nvSpPr>
-        <p:spPr>
-          <a:xfrm>
-            <a:off x="838200" y="1021976"/>
-            <a:ext cx="10515600" cy="5639081"/>
-          </a:xfrm>
-        </p:spPr>
-        <p:txBody>
-          <a:bodyPr/>
+        <p:spPr/>
+        <p:txBody>
+          <a:bodyPr>
+            <a:normAutofit/>
+          </a:bodyPr>
           <a:lstStyle/>
           <a:p>
             <a:pPr algn="just" fontAlgn="base">
@@ -13166,27 +13650,27 @@
               <a:buChar char="•"/>
             </a:pPr>
             <a:r>
-              <a:rPr lang="en-US" b="0" i="1" dirty="0">
+              <a:rPr lang="en-US" b="0" i="0" dirty="0">
                 <a:effectLst/>
                 <a:latin typeface="Algerian" panose="04020705040A02060702" pitchFamily="82" charset="0"/>
               </a:rPr>
-              <a:t>Broadband – Broadband is a high-speed internet connection that is frequently utilized nowadays and is provided by cable or phone companies.</a:t>
-            </a:r>
-          </a:p>
-          <a:p>
-            <a:pPr algn="just" fontAlgn="base">
-              <a:buFont typeface="Arial" panose="020B0604020202020204" pitchFamily="34" charset="0"/>
-              <a:buChar char="•"/>
-            </a:pPr>
-            <a:r>
-              <a:rPr lang="en-US" b="0" i="1" dirty="0">
+              <a:t>To provide system compatibility, a gateway may contain devices such as protocol translators, impedance matching devices, rate converters, fault isolators, or signal translators. It also necessitates the development of administrative procedures that are acceptable to both networks. By completing the necessary protocol conversions, a protocol translation/mapping gateway joins networks that use distinct network protocol technologies</a:t>
+            </a:r>
+            <a:r>
+              <a:rPr lang="en-US" b="0" i="0" dirty="0">
+                <a:solidFill>
+                  <a:srgbClr val="273239"/>
+                </a:solidFill>
                 <a:effectLst/>
-                <a:latin typeface="Algerian" panose="04020705040A02060702" pitchFamily="82" charset="0"/>
-              </a:rPr>
-              <a:t>Wireless connections – Internet access is accomplished by radio waves, thus it is possible to connect to the Internet from any location. Wi-Fi and mobile service providers are examples of wireless connections.</a:t>
-            </a:r>
-          </a:p>
-          <a:p>
+                <a:latin typeface="urw-din"/>
+              </a:rPr>
+              <a:t>.</a:t>
+            </a:r>
+          </a:p>
+          <a:p>
+            <a:br>
+              <a:rPr lang="en-US" dirty="0"/>
+            </a:br>
             <a:endParaRPr lang="en-PH" dirty="0"/>
           </a:p>
         </p:txBody>
@@ -13194,7 +13678,7 @@
     </p:spTree>
     <p:extLst>
       <p:ext uri="{BB962C8B-B14F-4D97-AF65-F5344CB8AC3E}">
-        <p14:creationId xmlns:p14="http://schemas.microsoft.com/office/powerpoint/2010/main" val="3224299087"/>
+        <p14:creationId xmlns:p14="http://schemas.microsoft.com/office/powerpoint/2010/main" val="2635794930"/>
       </p:ext>
     </p:extLst>
   </p:cSld>
@@ -13223,6 +13707,1032 @@
       </p:grpSpPr>
       <p:sp>
         <p:nvSpPr>
+          <p:cNvPr id="2" name="Title 1">
+            <a:extLst>
+              <a:ext uri="{FF2B5EF4-FFF2-40B4-BE49-F238E27FC236}">
+                <a16:creationId xmlns:a16="http://schemas.microsoft.com/office/drawing/2014/main" id="{AFB60E8F-5B91-7079-975F-4CAF3CE26008}"/>
+              </a:ext>
+            </a:extLst>
+          </p:cNvPr>
+          <p:cNvSpPr>
+            <a:spLocks noGrp="1"/>
+          </p:cNvSpPr>
+          <p:nvPr>
+            <p:ph type="title"/>
+          </p:nvPr>
+        </p:nvSpPr>
+        <p:spPr/>
+        <p:txBody>
+          <a:bodyPr/>
+          <a:lstStyle/>
+          <a:p>
+            <a:r>
+              <a:rPr lang="en-US" dirty="0">
+                <a:latin typeface="Algerian" panose="04020705040A02060702" pitchFamily="82" charset="0"/>
+              </a:rPr>
+              <a:t>INTERNET</a:t>
+            </a:r>
+            <a:endParaRPr lang="en-PH" dirty="0">
+              <a:latin typeface="Algerian" panose="04020705040A02060702" pitchFamily="82" charset="0"/>
+            </a:endParaRPr>
+          </a:p>
+        </p:txBody>
+      </p:sp>
+      <p:sp>
+        <p:nvSpPr>
+          <p:cNvPr id="3" name="Content Placeholder 2">
+            <a:extLst>
+              <a:ext uri="{FF2B5EF4-FFF2-40B4-BE49-F238E27FC236}">
+                <a16:creationId xmlns:a16="http://schemas.microsoft.com/office/drawing/2014/main" id="{4BDB72C9-322E-D600-5AAC-A9AE32DED354}"/>
+              </a:ext>
+            </a:extLst>
+          </p:cNvPr>
+          <p:cNvSpPr>
+            <a:spLocks noGrp="1"/>
+          </p:cNvSpPr>
+          <p:nvPr>
+            <p:ph idx="1"/>
+          </p:nvPr>
+        </p:nvSpPr>
+        <p:spPr/>
+        <p:txBody>
+          <a:bodyPr/>
+          <a:lstStyle/>
+          <a:p>
+            <a:r>
+              <a:rPr lang="en-US" b="0" i="0" dirty="0">
+                <a:effectLst/>
+                <a:latin typeface="Algerian" panose="04020705040A02060702" pitchFamily="82" charset="0"/>
+              </a:rPr>
+              <a:t>The internet is a larger network that allows computer networks controlled by enterprises, governments, colleges, and other organizations all over the world to communicate with one another. As a result, there are a tangle of cables, computers, data centers, routers, servers, repeaters, satellites, and wi-fi towers that allow digital data to go around the world.</a:t>
+            </a:r>
+            <a:endParaRPr lang="en-PH" dirty="0">
+              <a:latin typeface="Algerian" panose="04020705040A02060702" pitchFamily="82" charset="0"/>
+            </a:endParaRPr>
+          </a:p>
+        </p:txBody>
+      </p:sp>
+    </p:spTree>
+    <p:extLst>
+      <p:ext uri="{BB962C8B-B14F-4D97-AF65-F5344CB8AC3E}">
+        <p14:creationId xmlns:p14="http://schemas.microsoft.com/office/powerpoint/2010/main" val="2587300268"/>
+      </p:ext>
+    </p:extLst>
+  </p:cSld>
+  <p:clrMapOvr>
+    <a:masterClrMapping/>
+  </p:clrMapOvr>
+</p:sld>
+</file>
+
+<file path=ppt/slides/slide64.xml><?xml version="1.0" encoding="utf-8"?>
+<p:sld xmlns:a="http://schemas.openxmlformats.org/drawingml/2006/main" xmlns:r="http://schemas.openxmlformats.org/officeDocument/2006/relationships" xmlns:p="http://schemas.openxmlformats.org/presentationml/2006/main">
+  <p:cSld>
+    <p:spTree>
+      <p:nvGrpSpPr>
+        <p:cNvPr id="1" name=""/>
+        <p:cNvGrpSpPr/>
+        <p:nvPr/>
+      </p:nvGrpSpPr>
+      <p:grpSpPr>
+        <a:xfrm>
+          <a:off x="0" y="0"/>
+          <a:ext cx="0" cy="0"/>
+          <a:chOff x="0" y="0"/>
+          <a:chExt cx="0" cy="0"/>
+        </a:xfrm>
+      </p:grpSpPr>
+      <p:sp>
+        <p:nvSpPr>
+          <p:cNvPr id="3" name="Content Placeholder 2">
+            <a:extLst>
+              <a:ext uri="{FF2B5EF4-FFF2-40B4-BE49-F238E27FC236}">
+                <a16:creationId xmlns:a16="http://schemas.microsoft.com/office/drawing/2014/main" id="{9BF96E33-980E-754D-D293-49088299DF1E}"/>
+              </a:ext>
+            </a:extLst>
+          </p:cNvPr>
+          <p:cNvSpPr>
+            <a:spLocks noGrp="1"/>
+          </p:cNvSpPr>
+          <p:nvPr>
+            <p:ph idx="1"/>
+          </p:nvPr>
+        </p:nvSpPr>
+        <p:spPr/>
+        <p:txBody>
+          <a:bodyPr/>
+          <a:lstStyle/>
+          <a:p>
+            <a:pPr algn="just" fontAlgn="base">
+              <a:buFont typeface="Wingdings" panose="05000000000000000000" pitchFamily="2" charset="2"/>
+              <a:buChar char="v"/>
+            </a:pPr>
+            <a:r>
+              <a:rPr lang="en-US" b="0" i="0" dirty="0">
+                <a:effectLst/>
+                <a:latin typeface="Algerian" panose="04020705040A02060702" pitchFamily="82" charset="0"/>
+              </a:rPr>
+              <a:t>The Internet is a vast network of networks that functions as a networking infrastructure. It links millions of computers throughout the world, creating a network in which any computer can talk with any other computer as long as they are both linked to the Internet.</a:t>
+            </a:r>
+          </a:p>
+          <a:p>
+            <a:pPr algn="just" fontAlgn="base">
+              <a:buFont typeface="Wingdings" panose="05000000000000000000" pitchFamily="2" charset="2"/>
+              <a:buChar char="v"/>
+            </a:pPr>
+            <a:r>
+              <a:rPr lang="en-US" b="0" i="0" dirty="0">
+                <a:effectLst/>
+                <a:latin typeface="Algerian" panose="04020705040A02060702" pitchFamily="82" charset="0"/>
+              </a:rPr>
+              <a:t>The Internet is a global network of interconnected computers that communicate and share information using a standardized Internet Protocol Suite.</a:t>
+            </a:r>
+          </a:p>
+          <a:p>
+            <a:endParaRPr lang="en-PH" dirty="0"/>
+          </a:p>
+        </p:txBody>
+      </p:sp>
+    </p:spTree>
+    <p:extLst>
+      <p:ext uri="{BB962C8B-B14F-4D97-AF65-F5344CB8AC3E}">
+        <p14:creationId xmlns:p14="http://schemas.microsoft.com/office/powerpoint/2010/main" val="1510139699"/>
+      </p:ext>
+    </p:extLst>
+  </p:cSld>
+  <p:clrMapOvr>
+    <a:masterClrMapping/>
+  </p:clrMapOvr>
+</p:sld>
+</file>
+
+<file path=ppt/slides/slide65.xml><?xml version="1.0" encoding="utf-8"?>
+<p:sld xmlns:a="http://schemas.openxmlformats.org/drawingml/2006/main" xmlns:r="http://schemas.openxmlformats.org/officeDocument/2006/relationships" xmlns:p="http://schemas.openxmlformats.org/presentationml/2006/main">
+  <p:cSld>
+    <p:spTree>
+      <p:nvGrpSpPr>
+        <p:cNvPr id="1" name=""/>
+        <p:cNvGrpSpPr/>
+        <p:nvPr/>
+      </p:nvGrpSpPr>
+      <p:grpSpPr>
+        <a:xfrm>
+          <a:off x="0" y="0"/>
+          <a:ext cx="0" cy="0"/>
+          <a:chOff x="0" y="0"/>
+          <a:chExt cx="0" cy="0"/>
+        </a:xfrm>
+      </p:grpSpPr>
+      <p:sp>
+        <p:nvSpPr>
+          <p:cNvPr id="6" name="Title 1">
+            <a:extLst>
+              <a:ext uri="{FF2B5EF4-FFF2-40B4-BE49-F238E27FC236}">
+                <a16:creationId xmlns:a16="http://schemas.microsoft.com/office/drawing/2014/main" id="{3836CF01-9DED-C0E9-6177-C2AE407F45BB}"/>
+              </a:ext>
+            </a:extLst>
+          </p:cNvPr>
+          <p:cNvSpPr>
+            <a:spLocks noGrp="1"/>
+          </p:cNvSpPr>
+          <p:nvPr>
+            <p:ph idx="1"/>
+          </p:nvPr>
+        </p:nvSpPr>
+        <p:spPr>
+          <a:xfrm>
+            <a:off x="952500" y="463924"/>
+            <a:ext cx="10515600" cy="5598739"/>
+          </a:xfrm>
+        </p:spPr>
+        <p:txBody>
+          <a:bodyPr>
+            <a:normAutofit/>
+          </a:bodyPr>
+          <a:lstStyle/>
+          <a:p>
+            <a:pPr marL="0" indent="0" algn="just" fontAlgn="base">
+              <a:buNone/>
+            </a:pPr>
+            <a:r>
+              <a:rPr lang="en-US" b="1" i="0" dirty="0">
+                <a:effectLst/>
+                <a:latin typeface="Algerian" panose="04020705040A02060702" pitchFamily="82" charset="0"/>
+              </a:rPr>
+              <a:t>Sample Questions</a:t>
+            </a:r>
+          </a:p>
+          <a:p>
+            <a:pPr marL="0" indent="0" algn="just" fontAlgn="base">
+              <a:buNone/>
+            </a:pPr>
+            <a:r>
+              <a:rPr lang="en-US" b="1" i="0" dirty="0">
+                <a:effectLst/>
+                <a:latin typeface="Algerian" panose="04020705040A02060702" pitchFamily="82" charset="0"/>
+              </a:rPr>
+              <a:t>Question 1: List the advantages and disadvantages of the internet.</a:t>
+            </a:r>
+            <a:endParaRPr lang="en-US" b="0" i="0" dirty="0">
+              <a:effectLst/>
+              <a:latin typeface="Algerian" panose="04020705040A02060702" pitchFamily="82" charset="0"/>
+            </a:endParaRPr>
+          </a:p>
+          <a:p>
+            <a:pPr marL="0" indent="0" algn="just" fontAlgn="base">
+              <a:buNone/>
+            </a:pPr>
+            <a:r>
+              <a:rPr lang="en-US" b="1" i="0" dirty="0">
+                <a:effectLst/>
+                <a:latin typeface="Algerian" panose="04020705040A02060702" pitchFamily="82" charset="0"/>
+              </a:rPr>
+              <a:t>Solution:</a:t>
+            </a:r>
+            <a:endParaRPr lang="en-US" b="0" i="0" dirty="0">
+              <a:effectLst/>
+              <a:latin typeface="Algerian" panose="04020705040A02060702" pitchFamily="82" charset="0"/>
+            </a:endParaRPr>
+          </a:p>
+          <a:p>
+            <a:pPr algn="just" fontAlgn="base">
+              <a:buFont typeface="Wingdings" panose="05000000000000000000" pitchFamily="2" charset="2"/>
+              <a:buChar char="v"/>
+            </a:pPr>
+            <a:r>
+              <a:rPr lang="en-US" b="0" i="1" dirty="0">
+                <a:effectLst/>
+                <a:latin typeface="Algerian" panose="04020705040A02060702" pitchFamily="82" charset="0"/>
+              </a:rPr>
+              <a:t>Advantages of internet are,</a:t>
+            </a:r>
+          </a:p>
+          <a:p>
+            <a:pPr algn="just" fontAlgn="base">
+              <a:buFont typeface="Wingdings" panose="05000000000000000000" pitchFamily="2" charset="2"/>
+              <a:buChar char="v"/>
+            </a:pPr>
+            <a:r>
+              <a:rPr lang="en-US" b="0" i="1" dirty="0">
+                <a:effectLst/>
+                <a:latin typeface="Algerian" panose="04020705040A02060702" pitchFamily="82" charset="0"/>
+              </a:rPr>
+              <a:t>Source of entertainment – Online gaming, talking, browsing, music, movies, dramas, and TV series are quickly becoming the most popular ways to pass the time.</a:t>
+            </a:r>
+          </a:p>
+          <a:p>
+            <a:pPr algn="just" fontAlgn="base">
+              <a:buFont typeface="Wingdings" panose="05000000000000000000" pitchFamily="2" charset="2"/>
+              <a:buChar char="v"/>
+            </a:pPr>
+            <a:r>
+              <a:rPr lang="en-US" b="0" i="1" dirty="0">
+                <a:effectLst/>
+                <a:latin typeface="Algerian" panose="04020705040A02060702" pitchFamily="82" charset="0"/>
+              </a:rPr>
+              <a:t>Source of information – There is no better place to conduct research than the internet. We can learn about the latest trends, communicate with experts without having to physically visit them, and seek professional advice over the internet.</a:t>
+            </a:r>
+          </a:p>
+          <a:p>
+            <a:pPr marL="0" indent="0" algn="just" fontAlgn="base">
+              <a:buNone/>
+            </a:pPr>
+            <a:endParaRPr lang="en-US" b="0" i="1" dirty="0">
+              <a:solidFill>
+                <a:srgbClr val="273239"/>
+              </a:solidFill>
+              <a:effectLst/>
+              <a:latin typeface="urw-din"/>
+            </a:endParaRPr>
+          </a:p>
+        </p:txBody>
+      </p:sp>
+    </p:spTree>
+    <p:extLst>
+      <p:ext uri="{BB962C8B-B14F-4D97-AF65-F5344CB8AC3E}">
+        <p14:creationId xmlns:p14="http://schemas.microsoft.com/office/powerpoint/2010/main" val="4125745791"/>
+      </p:ext>
+    </p:extLst>
+  </p:cSld>
+  <p:clrMapOvr>
+    <a:masterClrMapping/>
+  </p:clrMapOvr>
+</p:sld>
+</file>
+
+<file path=ppt/slides/slide66.xml><?xml version="1.0" encoding="utf-8"?>
+<p:sld xmlns:a="http://schemas.openxmlformats.org/drawingml/2006/main" xmlns:r="http://schemas.openxmlformats.org/officeDocument/2006/relationships" xmlns:p="http://schemas.openxmlformats.org/presentationml/2006/main">
+  <p:cSld>
+    <p:spTree>
+      <p:nvGrpSpPr>
+        <p:cNvPr id="1" name=""/>
+        <p:cNvGrpSpPr/>
+        <p:nvPr/>
+      </p:nvGrpSpPr>
+      <p:grpSpPr>
+        <a:xfrm>
+          <a:off x="0" y="0"/>
+          <a:ext cx="0" cy="0"/>
+          <a:chOff x="0" y="0"/>
+          <a:chExt cx="0" cy="0"/>
+        </a:xfrm>
+      </p:grpSpPr>
+      <p:sp>
+        <p:nvSpPr>
+          <p:cNvPr id="3" name="Content Placeholder 2">
+            <a:extLst>
+              <a:ext uri="{FF2B5EF4-FFF2-40B4-BE49-F238E27FC236}">
+                <a16:creationId xmlns:a16="http://schemas.microsoft.com/office/drawing/2014/main" id="{E9B5BA48-6A0F-254E-DB00-005FCF86E0EF}"/>
+              </a:ext>
+            </a:extLst>
+          </p:cNvPr>
+          <p:cNvSpPr>
+            <a:spLocks noGrp="1"/>
+          </p:cNvSpPr>
+          <p:nvPr>
+            <p:ph idx="1"/>
+          </p:nvPr>
+        </p:nvSpPr>
+        <p:spPr>
+          <a:xfrm>
+            <a:off x="838200" y="1277471"/>
+            <a:ext cx="10515600" cy="4899492"/>
+          </a:xfrm>
+        </p:spPr>
+        <p:txBody>
+          <a:bodyPr/>
+          <a:lstStyle/>
+          <a:p>
+            <a:pPr algn="just" fontAlgn="base">
+              <a:buFont typeface="Wingdings" panose="05000000000000000000" pitchFamily="2" charset="2"/>
+              <a:buChar char="v"/>
+            </a:pPr>
+            <a:r>
+              <a:rPr lang="en-US" b="0" i="1" dirty="0">
+                <a:effectLst/>
+                <a:latin typeface="Algerian" panose="04020705040A02060702" pitchFamily="82" charset="0"/>
+              </a:rPr>
+              <a:t>E – Commerce – With the advancement of internet technology, large online E-commerce enterprises such as Amazon, Ali Baba, </a:t>
+            </a:r>
+            <a:r>
+              <a:rPr lang="en-US" b="0" i="1" dirty="0" err="1">
+                <a:effectLst/>
+                <a:latin typeface="Algerian" panose="04020705040A02060702" pitchFamily="82" charset="0"/>
+              </a:rPr>
+              <a:t>myntra</a:t>
+            </a:r>
+            <a:r>
+              <a:rPr lang="en-US" b="0" i="1" dirty="0">
+                <a:effectLst/>
+                <a:latin typeface="Algerian" panose="04020705040A02060702" pitchFamily="82" charset="0"/>
+              </a:rPr>
+              <a:t> etc. have emerged.</a:t>
+            </a:r>
+          </a:p>
+          <a:p>
+            <a:pPr algn="just" fontAlgn="base">
+              <a:buFont typeface="Wingdings" panose="05000000000000000000" pitchFamily="2" charset="2"/>
+              <a:buChar char="v"/>
+            </a:pPr>
+            <a:r>
+              <a:rPr lang="en-US" b="0" i="1" dirty="0">
+                <a:effectLst/>
+                <a:latin typeface="Algerian" panose="04020705040A02060702" pitchFamily="82" charset="0"/>
+              </a:rPr>
+              <a:t>Working from home, collaborating with others, and having access to a global workforce are all advantages.</a:t>
+            </a:r>
+          </a:p>
+          <a:p>
+            <a:pPr algn="just" fontAlgn="base">
+              <a:buFont typeface="Wingdings" panose="05000000000000000000" pitchFamily="2" charset="2"/>
+              <a:buChar char="v"/>
+            </a:pPr>
+            <a:r>
+              <a:rPr lang="en-US" b="0" i="1" dirty="0">
+                <a:effectLst/>
+                <a:latin typeface="Algerian" panose="04020705040A02060702" pitchFamily="82" charset="0"/>
+              </a:rPr>
+              <a:t>Keeps Updated – Because there are hundreds of thousands of newsgroups and services that keep you updated with every tick of the clock, the Internet is a source of the most recent news.</a:t>
+            </a:r>
+          </a:p>
+          <a:p>
+            <a:endParaRPr lang="en-PH" dirty="0"/>
+          </a:p>
+        </p:txBody>
+      </p:sp>
+    </p:spTree>
+    <p:extLst>
+      <p:ext uri="{BB962C8B-B14F-4D97-AF65-F5344CB8AC3E}">
+        <p14:creationId xmlns:p14="http://schemas.microsoft.com/office/powerpoint/2010/main" val="4094399867"/>
+      </p:ext>
+    </p:extLst>
+  </p:cSld>
+  <p:clrMapOvr>
+    <a:masterClrMapping/>
+  </p:clrMapOvr>
+</p:sld>
+</file>
+
+<file path=ppt/slides/slide67.xml><?xml version="1.0" encoding="utf-8"?>
+<p:sld xmlns:a="http://schemas.openxmlformats.org/drawingml/2006/main" xmlns:r="http://schemas.openxmlformats.org/officeDocument/2006/relationships" xmlns:p="http://schemas.openxmlformats.org/presentationml/2006/main">
+  <p:cSld>
+    <p:spTree>
+      <p:nvGrpSpPr>
+        <p:cNvPr id="1" name=""/>
+        <p:cNvGrpSpPr/>
+        <p:nvPr/>
+      </p:nvGrpSpPr>
+      <p:grpSpPr>
+        <a:xfrm>
+          <a:off x="0" y="0"/>
+          <a:ext cx="0" cy="0"/>
+          <a:chOff x="0" y="0"/>
+          <a:chExt cx="0" cy="0"/>
+        </a:xfrm>
+      </p:grpSpPr>
+      <p:sp>
+        <p:nvSpPr>
+          <p:cNvPr id="3" name="Content Placeholder 2">
+            <a:extLst>
+              <a:ext uri="{FF2B5EF4-FFF2-40B4-BE49-F238E27FC236}">
+                <a16:creationId xmlns:a16="http://schemas.microsoft.com/office/drawing/2014/main" id="{B671C46C-DB00-B7EE-71B4-783ED3A7635C}"/>
+              </a:ext>
+            </a:extLst>
+          </p:cNvPr>
+          <p:cNvSpPr>
+            <a:spLocks noGrp="1"/>
+          </p:cNvSpPr>
+          <p:nvPr>
+            <p:ph idx="1"/>
+          </p:nvPr>
+        </p:nvSpPr>
+        <p:spPr>
+          <a:xfrm>
+            <a:off x="838200" y="860612"/>
+            <a:ext cx="10515600" cy="5316351"/>
+          </a:xfrm>
+        </p:spPr>
+        <p:txBody>
+          <a:bodyPr>
+            <a:normAutofit/>
+          </a:bodyPr>
+          <a:lstStyle/>
+          <a:p>
+            <a:pPr marL="0" indent="0" algn="just" fontAlgn="base">
+              <a:buNone/>
+            </a:pPr>
+            <a:r>
+              <a:rPr lang="en-US" b="0" i="1" dirty="0">
+                <a:effectLst/>
+                <a:latin typeface="Algerian" panose="04020705040A02060702" pitchFamily="82" charset="0"/>
+              </a:rPr>
+              <a:t>Disadvantages of internet are,</a:t>
+            </a:r>
+          </a:p>
+          <a:p>
+            <a:pPr algn="just" fontAlgn="base">
+              <a:buFont typeface="Wingdings" panose="05000000000000000000" pitchFamily="2" charset="2"/>
+              <a:buChar char="v"/>
+            </a:pPr>
+            <a:r>
+              <a:rPr lang="en-US" b="0" i="1" dirty="0">
+                <a:effectLst/>
+                <a:latin typeface="Algerian" panose="04020705040A02060702" pitchFamily="82" charset="0"/>
+              </a:rPr>
+              <a:t>Time Wastage – Most people believe that spending too much time on the internet is unhealthy for young people and leads to obesity. </a:t>
+            </a:r>
+          </a:p>
+          <a:p>
+            <a:pPr algn="just" fontAlgn="base">
+              <a:buFont typeface="Wingdings" panose="05000000000000000000" pitchFamily="2" charset="2"/>
+              <a:buChar char="v"/>
+            </a:pPr>
+            <a:r>
+              <a:rPr lang="en-US" b="0" i="1" dirty="0">
+                <a:effectLst/>
+                <a:latin typeface="Algerian" panose="04020705040A02060702" pitchFamily="82" charset="0"/>
+              </a:rPr>
+              <a:t>Money Laundering – Aside from reputable sites, there are some Social Media Advertising sites that try to steal your personal information, credit card information, and even your pin code. You can easily become a victim of money scam if they get this information.</a:t>
+            </a:r>
+          </a:p>
+          <a:p>
+            <a:endParaRPr lang="en-PH" dirty="0"/>
+          </a:p>
+        </p:txBody>
+      </p:sp>
+    </p:spTree>
+    <p:extLst>
+      <p:ext uri="{BB962C8B-B14F-4D97-AF65-F5344CB8AC3E}">
+        <p14:creationId xmlns:p14="http://schemas.microsoft.com/office/powerpoint/2010/main" val="1261144368"/>
+      </p:ext>
+    </p:extLst>
+  </p:cSld>
+  <p:clrMapOvr>
+    <a:masterClrMapping/>
+  </p:clrMapOvr>
+</p:sld>
+</file>
+
+<file path=ppt/slides/slide68.xml><?xml version="1.0" encoding="utf-8"?>
+<p:sld xmlns:a="http://schemas.openxmlformats.org/drawingml/2006/main" xmlns:r="http://schemas.openxmlformats.org/officeDocument/2006/relationships" xmlns:p="http://schemas.openxmlformats.org/presentationml/2006/main">
+  <p:cSld>
+    <p:spTree>
+      <p:nvGrpSpPr>
+        <p:cNvPr id="1" name=""/>
+        <p:cNvGrpSpPr/>
+        <p:nvPr/>
+      </p:nvGrpSpPr>
+      <p:grpSpPr>
+        <a:xfrm>
+          <a:off x="0" y="0"/>
+          <a:ext cx="0" cy="0"/>
+          <a:chOff x="0" y="0"/>
+          <a:chExt cx="0" cy="0"/>
+        </a:xfrm>
+      </p:grpSpPr>
+      <p:sp>
+        <p:nvSpPr>
+          <p:cNvPr id="3" name="Content Placeholder 2">
+            <a:extLst>
+              <a:ext uri="{FF2B5EF4-FFF2-40B4-BE49-F238E27FC236}">
+                <a16:creationId xmlns:a16="http://schemas.microsoft.com/office/drawing/2014/main" id="{37C026FB-28AB-2A91-1590-5862888F5727}"/>
+              </a:ext>
+            </a:extLst>
+          </p:cNvPr>
+          <p:cNvSpPr>
+            <a:spLocks noGrp="1"/>
+          </p:cNvSpPr>
+          <p:nvPr>
+            <p:ph idx="1"/>
+          </p:nvPr>
+        </p:nvSpPr>
+        <p:spPr>
+          <a:xfrm>
+            <a:off x="838200" y="1021976"/>
+            <a:ext cx="10515600" cy="5154987"/>
+          </a:xfrm>
+        </p:spPr>
+        <p:txBody>
+          <a:bodyPr/>
+          <a:lstStyle/>
+          <a:p>
+            <a:pPr algn="just" fontAlgn="base">
+              <a:buFont typeface="Arial" panose="020B0604020202020204" pitchFamily="34" charset="0"/>
+              <a:buChar char="•"/>
+            </a:pPr>
+            <a:r>
+              <a:rPr lang="en-US" b="0" i="1" dirty="0">
+                <a:effectLst/>
+                <a:latin typeface="Algerian" panose="04020705040A02060702" pitchFamily="82" charset="0"/>
+              </a:rPr>
+              <a:t>Exposure to private data – It is now quite easy to decipher someone’s chat or email communication thanks to the hacking community. As we all know, data is transmitted in packets, which hackers can simply detect and reconstruct.</a:t>
+            </a:r>
+          </a:p>
+          <a:p>
+            <a:pPr algn="just" fontAlgn="base">
+              <a:buFont typeface="Arial" panose="020B0604020202020204" pitchFamily="34" charset="0"/>
+              <a:buChar char="•"/>
+            </a:pPr>
+            <a:r>
+              <a:rPr lang="en-US" b="0" i="1" dirty="0">
+                <a:effectLst/>
+                <a:latin typeface="Algerian" panose="04020705040A02060702" pitchFamily="82" charset="0"/>
+              </a:rPr>
+              <a:t>Harassment &amp; threatening – Bullies exist online, just as they do in real life, and they can lower your self-esteem by harassing and threatening you. Some of these individuals may be persons who are aware of some of your personal details and dislike you, and may use this information to harass you.</a:t>
+            </a:r>
+          </a:p>
+          <a:p>
+            <a:endParaRPr lang="en-PH" dirty="0"/>
+          </a:p>
+        </p:txBody>
+      </p:sp>
+    </p:spTree>
+    <p:extLst>
+      <p:ext uri="{BB962C8B-B14F-4D97-AF65-F5344CB8AC3E}">
+        <p14:creationId xmlns:p14="http://schemas.microsoft.com/office/powerpoint/2010/main" val="3169387429"/>
+      </p:ext>
+    </p:extLst>
+  </p:cSld>
+  <p:clrMapOvr>
+    <a:masterClrMapping/>
+  </p:clrMapOvr>
+</p:sld>
+</file>
+
+<file path=ppt/slides/slide69.xml><?xml version="1.0" encoding="utf-8"?>
+<p:sld xmlns:a="http://schemas.openxmlformats.org/drawingml/2006/main" xmlns:r="http://schemas.openxmlformats.org/officeDocument/2006/relationships" xmlns:p="http://schemas.openxmlformats.org/presentationml/2006/main">
+  <p:cSld>
+    <p:spTree>
+      <p:nvGrpSpPr>
+        <p:cNvPr id="1" name=""/>
+        <p:cNvGrpSpPr/>
+        <p:nvPr/>
+      </p:nvGrpSpPr>
+      <p:grpSpPr>
+        <a:xfrm>
+          <a:off x="0" y="0"/>
+          <a:ext cx="0" cy="0"/>
+          <a:chOff x="0" y="0"/>
+          <a:chExt cx="0" cy="0"/>
+        </a:xfrm>
+      </p:grpSpPr>
+      <p:sp>
+        <p:nvSpPr>
+          <p:cNvPr id="6" name="Title 4">
+            <a:extLst>
+              <a:ext uri="{FF2B5EF4-FFF2-40B4-BE49-F238E27FC236}">
+                <a16:creationId xmlns:a16="http://schemas.microsoft.com/office/drawing/2014/main" id="{8BA84B8F-4BC5-868A-1399-CDDFD78CA408}"/>
+              </a:ext>
+            </a:extLst>
+          </p:cNvPr>
+          <p:cNvSpPr>
+            <a:spLocks noGrp="1"/>
+          </p:cNvSpPr>
+          <p:nvPr>
+            <p:ph idx="1"/>
+          </p:nvPr>
+        </p:nvSpPr>
+        <p:spPr>
+          <a:xfrm>
+            <a:off x="838200" y="1752600"/>
+            <a:ext cx="10515600" cy="4424363"/>
+          </a:xfrm>
+        </p:spPr>
+        <p:txBody>
+          <a:bodyPr>
+            <a:normAutofit/>
+          </a:bodyPr>
+          <a:lstStyle/>
+          <a:p>
+            <a:pPr marL="0" indent="0" algn="just" fontAlgn="base">
+              <a:buNone/>
+            </a:pPr>
+            <a:r>
+              <a:rPr lang="en-US" b="1" i="0" dirty="0">
+                <a:effectLst/>
+                <a:latin typeface="Algerian" panose="04020705040A02060702" pitchFamily="82" charset="0"/>
+              </a:rPr>
+              <a:t>Question 2: List the ways to connect to the internet.</a:t>
+            </a:r>
+            <a:endParaRPr lang="en-US" dirty="0">
+              <a:latin typeface="Algerian" panose="04020705040A02060702" pitchFamily="82" charset="0"/>
+            </a:endParaRPr>
+          </a:p>
+          <a:p>
+            <a:pPr marL="0" indent="0" algn="just" fontAlgn="base">
+              <a:buNone/>
+            </a:pPr>
+            <a:r>
+              <a:rPr lang="en-US" b="1" i="0" dirty="0">
+                <a:effectLst/>
+                <a:latin typeface="Algerian" panose="04020705040A02060702" pitchFamily="82" charset="0"/>
+              </a:rPr>
+              <a:t>Solution:</a:t>
+            </a:r>
+            <a:endParaRPr lang="en-US" b="0" i="0" dirty="0">
+              <a:effectLst/>
+              <a:latin typeface="Algerian" panose="04020705040A02060702" pitchFamily="82" charset="0"/>
+            </a:endParaRPr>
+          </a:p>
+          <a:p>
+            <a:pPr algn="just" fontAlgn="base">
+              <a:buFont typeface="Wingdings" panose="05000000000000000000" pitchFamily="2" charset="2"/>
+              <a:buChar char="v"/>
+            </a:pPr>
+            <a:r>
+              <a:rPr lang="en-US" b="0" i="1" dirty="0">
+                <a:effectLst/>
+                <a:latin typeface="Algerian" panose="04020705040A02060702" pitchFamily="82" charset="0"/>
+              </a:rPr>
+              <a:t>We can connect to the internet in the following ways:</a:t>
+            </a:r>
+          </a:p>
+          <a:p>
+            <a:pPr algn="just" fontAlgn="base">
+              <a:buFont typeface="Wingdings" panose="05000000000000000000" pitchFamily="2" charset="2"/>
+              <a:buChar char="v"/>
+            </a:pPr>
+            <a:r>
+              <a:rPr lang="en-US" b="0" i="1" dirty="0">
+                <a:effectLst/>
+                <a:latin typeface="Algerian" panose="04020705040A02060702" pitchFamily="82" charset="0"/>
+              </a:rPr>
+              <a:t>Dial-Up – In order to access the Internet, in this type of connection, users must connect their phone line to a computer . This link prevents the user from using tier home phone service to make or receive calls.</a:t>
+            </a:r>
+          </a:p>
+          <a:p>
+            <a:endParaRPr lang="en-PH" dirty="0"/>
+          </a:p>
+        </p:txBody>
+      </p:sp>
+    </p:spTree>
+    <p:extLst>
+      <p:ext uri="{BB962C8B-B14F-4D97-AF65-F5344CB8AC3E}">
+        <p14:creationId xmlns:p14="http://schemas.microsoft.com/office/powerpoint/2010/main" val="4293546702"/>
+      </p:ext>
+    </p:extLst>
+  </p:cSld>
+  <p:clrMapOvr>
+    <a:masterClrMapping/>
+  </p:clrMapOvr>
+</p:sld>
+</file>
+
+<file path=ppt/slides/slide7.xml><?xml version="1.0" encoding="utf-8"?>
+<p:sld xmlns:a="http://schemas.openxmlformats.org/drawingml/2006/main" xmlns:r="http://schemas.openxmlformats.org/officeDocument/2006/relationships" xmlns:p="http://schemas.openxmlformats.org/presentationml/2006/main">
+  <p:cSld>
+    <p:spTree>
+      <p:nvGrpSpPr>
+        <p:cNvPr id="1" name=""/>
+        <p:cNvGrpSpPr/>
+        <p:nvPr/>
+      </p:nvGrpSpPr>
+      <p:grpSpPr>
+        <a:xfrm>
+          <a:off x="0" y="0"/>
+          <a:ext cx="0" cy="0"/>
+          <a:chOff x="0" y="0"/>
+          <a:chExt cx="0" cy="0"/>
+        </a:xfrm>
+      </p:grpSpPr>
+      <p:sp>
+        <p:nvSpPr>
+          <p:cNvPr id="5" name="Title 4">
+            <a:extLst>
+              <a:ext uri="{FF2B5EF4-FFF2-40B4-BE49-F238E27FC236}">
+                <a16:creationId xmlns:a16="http://schemas.microsoft.com/office/drawing/2014/main" id="{9AFD9EE5-5A73-0CC3-D23A-CD3F1E945CCD}"/>
+              </a:ext>
+            </a:extLst>
+          </p:cNvPr>
+          <p:cNvSpPr>
+            <a:spLocks noGrp="1"/>
+          </p:cNvSpPr>
+          <p:nvPr>
+            <p:ph type="title"/>
+          </p:nvPr>
+        </p:nvSpPr>
+        <p:spPr>
+          <a:xfrm>
+            <a:off x="913795" y="968188"/>
+            <a:ext cx="10353761" cy="1546412"/>
+          </a:xfrm>
+        </p:spPr>
+        <p:txBody>
+          <a:bodyPr>
+            <a:normAutofit/>
+          </a:bodyPr>
+          <a:lstStyle/>
+          <a:p>
+            <a:pPr algn="l"/>
+            <a:r>
+              <a:rPr lang="en-PH" sz="6600" dirty="0">
+                <a:latin typeface="Algerian" panose="04020705040A02060702" pitchFamily="82" charset="0"/>
+              </a:rPr>
+              <a:t>02.</a:t>
+            </a:r>
+          </a:p>
+        </p:txBody>
+      </p:sp>
+      <p:sp>
+        <p:nvSpPr>
+          <p:cNvPr id="6" name="Content Placeholder 5">
+            <a:extLst>
+              <a:ext uri="{FF2B5EF4-FFF2-40B4-BE49-F238E27FC236}">
+                <a16:creationId xmlns:a16="http://schemas.microsoft.com/office/drawing/2014/main" id="{75BA66E8-BF97-396A-0C9E-0AC292B4F50E}"/>
+              </a:ext>
+            </a:extLst>
+          </p:cNvPr>
+          <p:cNvSpPr>
+            <a:spLocks noGrp="1"/>
+          </p:cNvSpPr>
+          <p:nvPr>
+            <p:ph idx="1"/>
+          </p:nvPr>
+        </p:nvSpPr>
+        <p:spPr>
+          <a:xfrm>
+            <a:off x="913795" y="2662518"/>
+            <a:ext cx="10353762" cy="3128682"/>
+          </a:xfrm>
+        </p:spPr>
+        <p:txBody>
+          <a:bodyPr>
+            <a:normAutofit/>
+          </a:bodyPr>
+          <a:lstStyle/>
+          <a:p>
+            <a:pPr marL="0" indent="0">
+              <a:buNone/>
+            </a:pPr>
+            <a:r>
+              <a:rPr lang="en-PH" sz="4400" dirty="0">
+                <a:latin typeface="Algerian" panose="04020705040A02060702" pitchFamily="82" charset="0"/>
+              </a:rPr>
+              <a:t>THIS OUR THE CRITERIA OF GOOD NETWORK </a:t>
+            </a:r>
+            <a:endParaRPr lang="en-PH" sz="4400" dirty="0"/>
+          </a:p>
+        </p:txBody>
+      </p:sp>
+    </p:spTree>
+    <p:extLst>
+      <p:ext uri="{BB962C8B-B14F-4D97-AF65-F5344CB8AC3E}">
+        <p14:creationId xmlns:p14="http://schemas.microsoft.com/office/powerpoint/2010/main" val="3646977995"/>
+      </p:ext>
+    </p:extLst>
+  </p:cSld>
+  <p:clrMapOvr>
+    <a:masterClrMapping/>
+  </p:clrMapOvr>
+</p:sld>
+</file>
+
+<file path=ppt/slides/slide70.xml><?xml version="1.0" encoding="utf-8"?>
+<p:sld xmlns:a="http://schemas.openxmlformats.org/drawingml/2006/main" xmlns:r="http://schemas.openxmlformats.org/officeDocument/2006/relationships" xmlns:p="http://schemas.openxmlformats.org/presentationml/2006/main">
+  <p:cSld>
+    <p:spTree>
+      <p:nvGrpSpPr>
+        <p:cNvPr id="1" name=""/>
+        <p:cNvGrpSpPr/>
+        <p:nvPr/>
+      </p:nvGrpSpPr>
+      <p:grpSpPr>
+        <a:xfrm>
+          <a:off x="0" y="0"/>
+          <a:ext cx="0" cy="0"/>
+          <a:chOff x="0" y="0"/>
+          <a:chExt cx="0" cy="0"/>
+        </a:xfrm>
+      </p:grpSpPr>
+      <p:sp>
+        <p:nvSpPr>
+          <p:cNvPr id="3" name="Content Placeholder 2">
+            <a:extLst>
+              <a:ext uri="{FF2B5EF4-FFF2-40B4-BE49-F238E27FC236}">
+                <a16:creationId xmlns:a16="http://schemas.microsoft.com/office/drawing/2014/main" id="{E70146FA-B36A-8CB4-E26D-F42E6DB476F5}"/>
+              </a:ext>
+            </a:extLst>
+          </p:cNvPr>
+          <p:cNvSpPr>
+            <a:spLocks noGrp="1"/>
+          </p:cNvSpPr>
+          <p:nvPr>
+            <p:ph idx="1"/>
+          </p:nvPr>
+        </p:nvSpPr>
+        <p:spPr/>
+        <p:txBody>
+          <a:bodyPr/>
+          <a:lstStyle/>
+          <a:p>
+            <a:pPr algn="just" fontAlgn="base">
+              <a:buFont typeface="Wingdings" panose="05000000000000000000" pitchFamily="2" charset="2"/>
+              <a:buChar char="v"/>
+            </a:pPr>
+            <a:r>
+              <a:rPr lang="en-US" b="0" i="1" dirty="0">
+                <a:effectLst/>
+                <a:latin typeface="Algerian" panose="04020705040A02060702" pitchFamily="82" charset="0"/>
+              </a:rPr>
+              <a:t>Broadband – Broadband is a high-speed internet connection that is frequently utilized nowadays and is provided by cable or phone companies.</a:t>
+            </a:r>
+          </a:p>
+          <a:p>
+            <a:pPr algn="just" fontAlgn="base">
+              <a:buFont typeface="Wingdings" panose="05000000000000000000" pitchFamily="2" charset="2"/>
+              <a:buChar char="v"/>
+            </a:pPr>
+            <a:r>
+              <a:rPr lang="en-US" b="0" i="1" dirty="0">
+                <a:effectLst/>
+                <a:latin typeface="Algerian" panose="04020705040A02060702" pitchFamily="82" charset="0"/>
+              </a:rPr>
+              <a:t>Wireless connections – Internet access is accomplished by radio waves, thus it is possible to connect to the Internet from any location. Wi-Fi and mobile service providers are examples of wireless connections.</a:t>
+            </a:r>
+          </a:p>
+          <a:p>
+            <a:endParaRPr lang="en-PH" dirty="0"/>
+          </a:p>
+        </p:txBody>
+      </p:sp>
+    </p:spTree>
+    <p:extLst>
+      <p:ext uri="{BB962C8B-B14F-4D97-AF65-F5344CB8AC3E}">
+        <p14:creationId xmlns:p14="http://schemas.microsoft.com/office/powerpoint/2010/main" val="764376969"/>
+      </p:ext>
+    </p:extLst>
+  </p:cSld>
+  <p:clrMapOvr>
+    <a:masterClrMapping/>
+  </p:clrMapOvr>
+</p:sld>
+</file>
+
+<file path=ppt/slides/slide71.xml><?xml version="1.0" encoding="utf-8"?>
+<p:sld xmlns:a="http://schemas.openxmlformats.org/drawingml/2006/main" xmlns:r="http://schemas.openxmlformats.org/officeDocument/2006/relationships" xmlns:p="http://schemas.openxmlformats.org/presentationml/2006/main">
+  <p:cSld>
+    <p:spTree>
+      <p:nvGrpSpPr>
+        <p:cNvPr id="1" name=""/>
+        <p:cNvGrpSpPr/>
+        <p:nvPr/>
+      </p:nvGrpSpPr>
+      <p:grpSpPr>
+        <a:xfrm>
+          <a:off x="0" y="0"/>
+          <a:ext cx="0" cy="0"/>
+          <a:chOff x="0" y="0"/>
+          <a:chExt cx="0" cy="0"/>
+        </a:xfrm>
+      </p:grpSpPr>
+      <p:sp>
+        <p:nvSpPr>
+          <p:cNvPr id="3" name="Content Placeholder 2">
+            <a:extLst>
+              <a:ext uri="{FF2B5EF4-FFF2-40B4-BE49-F238E27FC236}">
+                <a16:creationId xmlns:a16="http://schemas.microsoft.com/office/drawing/2014/main" id="{6283F21E-1677-1357-9341-73CE646DEDAF}"/>
+              </a:ext>
+            </a:extLst>
+          </p:cNvPr>
+          <p:cNvSpPr>
+            <a:spLocks noGrp="1"/>
+          </p:cNvSpPr>
+          <p:nvPr>
+            <p:ph idx="1"/>
+          </p:nvPr>
+        </p:nvSpPr>
+        <p:spPr>
+          <a:xfrm>
+            <a:off x="838200" y="1021976"/>
+            <a:ext cx="10515600" cy="5639081"/>
+          </a:xfrm>
+        </p:spPr>
+        <p:txBody>
+          <a:bodyPr/>
+          <a:lstStyle/>
+          <a:p>
+            <a:pPr algn="just" fontAlgn="base">
+              <a:buFont typeface="Arial" panose="020B0604020202020204" pitchFamily="34" charset="0"/>
+              <a:buChar char="•"/>
+            </a:pPr>
+            <a:r>
+              <a:rPr lang="en-US" b="0" i="1" dirty="0">
+                <a:effectLst/>
+                <a:latin typeface="Algerian" panose="04020705040A02060702" pitchFamily="82" charset="0"/>
+              </a:rPr>
+              <a:t>Broadband – Broadband is a high-speed internet connection that is frequently utilized nowadays and is provided by cable or phone companies.</a:t>
+            </a:r>
+          </a:p>
+          <a:p>
+            <a:pPr algn="just" fontAlgn="base">
+              <a:buFont typeface="Arial" panose="020B0604020202020204" pitchFamily="34" charset="0"/>
+              <a:buChar char="•"/>
+            </a:pPr>
+            <a:r>
+              <a:rPr lang="en-US" b="0" i="1" dirty="0">
+                <a:effectLst/>
+                <a:latin typeface="Algerian" panose="04020705040A02060702" pitchFamily="82" charset="0"/>
+              </a:rPr>
+              <a:t>Wireless connections – Internet access is accomplished by radio waves, thus it is possible to connect to the Internet from any location. Wi-Fi and mobile service providers are examples of wireless connections.</a:t>
+            </a:r>
+          </a:p>
+          <a:p>
+            <a:endParaRPr lang="en-PH" dirty="0"/>
+          </a:p>
+        </p:txBody>
+      </p:sp>
+    </p:spTree>
+    <p:extLst>
+      <p:ext uri="{BB962C8B-B14F-4D97-AF65-F5344CB8AC3E}">
+        <p14:creationId xmlns:p14="http://schemas.microsoft.com/office/powerpoint/2010/main" val="3224299087"/>
+      </p:ext>
+    </p:extLst>
+  </p:cSld>
+  <p:clrMapOvr>
+    <a:masterClrMapping/>
+  </p:clrMapOvr>
+</p:sld>
+</file>
+
+<file path=ppt/slides/slide72.xml><?xml version="1.0" encoding="utf-8"?>
+<p:sld xmlns:a="http://schemas.openxmlformats.org/drawingml/2006/main" xmlns:r="http://schemas.openxmlformats.org/officeDocument/2006/relationships" xmlns:p="http://schemas.openxmlformats.org/presentationml/2006/main">
+  <p:cSld>
+    <p:spTree>
+      <p:nvGrpSpPr>
+        <p:cNvPr id="1" name=""/>
+        <p:cNvGrpSpPr/>
+        <p:nvPr/>
+      </p:nvGrpSpPr>
+      <p:grpSpPr>
+        <a:xfrm>
+          <a:off x="0" y="0"/>
+          <a:ext cx="0" cy="0"/>
+          <a:chOff x="0" y="0"/>
+          <a:chExt cx="0" cy="0"/>
+        </a:xfrm>
+      </p:grpSpPr>
+      <p:sp>
+        <p:nvSpPr>
           <p:cNvPr id="3" name="Content Placeholder 2">
             <a:extLst>
               <a:ext uri="{FF2B5EF4-FFF2-40B4-BE49-F238E27FC236}">
@@ -13300,7 +14810,7 @@
 </p:sld>
 </file>
 
-<file path=ppt/slides/slide64.xml><?xml version="1.0" encoding="utf-8"?>
+<file path=ppt/slides/slide73.xml><?xml version="1.0" encoding="utf-8"?>
 <p:sld xmlns:a="http://schemas.openxmlformats.org/drawingml/2006/main" xmlns:r="http://schemas.openxmlformats.org/officeDocument/2006/relationships" xmlns:p="http://schemas.openxmlformats.org/presentationml/2006/main">
   <p:cSld>
     <p:spTree>
@@ -13422,7 +14932,7 @@
 </p:sld>
 </file>
 
-<file path=ppt/slides/slide65.xml><?xml version="1.0" encoding="utf-8"?>
+<file path=ppt/slides/slide74.xml><?xml version="1.0" encoding="utf-8"?>
 <p:sld xmlns:a="http://schemas.openxmlformats.org/drawingml/2006/main" xmlns:r="http://schemas.openxmlformats.org/officeDocument/2006/relationships" xmlns:p="http://schemas.openxmlformats.org/presentationml/2006/main">
   <p:cSld>
     <p:spTree>
@@ -13481,7 +14991,7 @@
 </p:sld>
 </file>
 
-<file path=ppt/slides/slide66.xml><?xml version="1.0" encoding="utf-8"?>
+<file path=ppt/slides/slide75.xml><?xml version="1.0" encoding="utf-8"?>
 <p:sld xmlns:a="http://schemas.openxmlformats.org/drawingml/2006/main" xmlns:r="http://schemas.openxmlformats.org/officeDocument/2006/relationships" xmlns:p="http://schemas.openxmlformats.org/presentationml/2006/main">
   <p:cSld>
     <p:spTree>
@@ -13540,116 +15050,6 @@
 </p:sld>
 </file>
 
-<file path=ppt/slides/slide7.xml><?xml version="1.0" encoding="utf-8"?>
-<p:sld xmlns:a="http://schemas.openxmlformats.org/drawingml/2006/main" xmlns:r="http://schemas.openxmlformats.org/officeDocument/2006/relationships" xmlns:p="http://schemas.openxmlformats.org/presentationml/2006/main">
-  <p:cSld>
-    <p:spTree>
-      <p:nvGrpSpPr>
-        <p:cNvPr id="1" name=""/>
-        <p:cNvGrpSpPr/>
-        <p:nvPr/>
-      </p:nvGrpSpPr>
-      <p:grpSpPr>
-        <a:xfrm>
-          <a:off x="0" y="0"/>
-          <a:ext cx="0" cy="0"/>
-          <a:chOff x="0" y="0"/>
-          <a:chExt cx="0" cy="0"/>
-        </a:xfrm>
-      </p:grpSpPr>
-      <p:sp>
-        <p:nvSpPr>
-          <p:cNvPr id="2" name="Title 1">
-            <a:extLst>
-              <a:ext uri="{FF2B5EF4-FFF2-40B4-BE49-F238E27FC236}">
-                <a16:creationId xmlns:a16="http://schemas.microsoft.com/office/drawing/2014/main" id="{89B961EA-4713-0703-673F-4D41D8CCDFE1}"/>
-              </a:ext>
-            </a:extLst>
-          </p:cNvPr>
-          <p:cNvSpPr>
-            <a:spLocks noGrp="1"/>
-          </p:cNvSpPr>
-          <p:nvPr>
-            <p:ph type="title"/>
-          </p:nvPr>
-        </p:nvSpPr>
-        <p:spPr/>
-        <p:txBody>
-          <a:bodyPr>
-            <a:normAutofit/>
-          </a:bodyPr>
-          <a:lstStyle/>
-          <a:p>
-            <a:pPr algn="ctr"/>
-            <a:r>
-              <a:rPr lang="en-US" sz="5300" dirty="0">
-                <a:latin typeface="Algerian" panose="04020705040A02060702" pitchFamily="82" charset="0"/>
-              </a:rPr>
-              <a:t>PERFORMANCE</a:t>
-            </a:r>
-            <a:br>
-              <a:rPr lang="en-US" sz="4400" dirty="0">
-                <a:latin typeface="Algerian" panose="04020705040A02060702" pitchFamily="82" charset="0"/>
-              </a:rPr>
-            </a:br>
-            <a:endParaRPr lang="en-PH" dirty="0"/>
-          </a:p>
-        </p:txBody>
-      </p:sp>
-      <p:sp>
-        <p:nvSpPr>
-          <p:cNvPr id="5" name="TextBox 4">
-            <a:extLst>
-              <a:ext uri="{FF2B5EF4-FFF2-40B4-BE49-F238E27FC236}">
-                <a16:creationId xmlns:a16="http://schemas.microsoft.com/office/drawing/2014/main" id="{65077C25-E990-1C79-CB0B-DCF33CD290EC}"/>
-              </a:ext>
-            </a:extLst>
-          </p:cNvPr>
-          <p:cNvSpPr txBox="1"/>
-          <p:nvPr/>
-        </p:nvSpPr>
-        <p:spPr>
-          <a:xfrm>
-            <a:off x="1398494" y="2901460"/>
-            <a:ext cx="9130553" cy="2677656"/>
-          </a:xfrm>
-          <a:prstGeom prst="rect">
-            <a:avLst/>
-          </a:prstGeom>
-          <a:noFill/>
-        </p:spPr>
-        <p:txBody>
-          <a:bodyPr wrap="square">
-            <a:spAutoFit/>
-          </a:bodyPr>
-          <a:lstStyle/>
-          <a:p>
-            <a:r>
-              <a:rPr lang="en-US" sz="2400" b="0" i="0" dirty="0">
-                <a:effectLst/>
-                <a:latin typeface="Algerian" panose="04020705040A02060702" pitchFamily="82" charset="0"/>
-              </a:rPr>
-              <a:t>It can be measured in many ways, including transmit time and response time. Transit time is the amount of time required for a message to travel from one device to another. Response time is the elapsed time between an inquiry and a response. The performance of the network depends on a number of factors, including the number of users, the type of medium &amp; hardware</a:t>
-            </a:r>
-            <a:endParaRPr lang="en-PH" sz="2400" dirty="0">
-              <a:latin typeface="Algerian" panose="04020705040A02060702" pitchFamily="82" charset="0"/>
-            </a:endParaRPr>
-          </a:p>
-        </p:txBody>
-      </p:sp>
-    </p:spTree>
-    <p:extLst>
-      <p:ext uri="{BB962C8B-B14F-4D97-AF65-F5344CB8AC3E}">
-        <p14:creationId xmlns:p14="http://schemas.microsoft.com/office/powerpoint/2010/main" val="109278417"/>
-      </p:ext>
-    </p:extLst>
-  </p:cSld>
-  <p:clrMapOvr>
-    <a:masterClrMapping/>
-  </p:clrMapOvr>
-</p:sld>
-</file>
-
 <file path=ppt/slides/slide8.xml><?xml version="1.0" encoding="utf-8"?>
 <p:sld xmlns:a="http://schemas.openxmlformats.org/drawingml/2006/main" xmlns:r="http://schemas.openxmlformats.org/officeDocument/2006/relationships" xmlns:p="http://schemas.openxmlformats.org/presentationml/2006/main">
   <p:cSld>
@@ -13669,10 +15069,10 @@
       </p:grpSpPr>
       <p:sp>
         <p:nvSpPr>
-          <p:cNvPr id="2" name="Title 1">
+          <p:cNvPr id="5" name="Title 4">
             <a:extLst>
               <a:ext uri="{FF2B5EF4-FFF2-40B4-BE49-F238E27FC236}">
-                <a16:creationId xmlns:a16="http://schemas.microsoft.com/office/drawing/2014/main" id="{0EA7D9AE-F830-39E7-B95D-2FE2462DD8B2}"/>
+                <a16:creationId xmlns:a16="http://schemas.microsoft.com/office/drawing/2014/main" id="{506E4DD9-EA39-CCA8-03AF-9807651495CA}"/>
               </a:ext>
             </a:extLst>
           </p:cNvPr>
@@ -13683,35 +15083,34 @@
             <p:ph type="title"/>
           </p:nvPr>
         </p:nvSpPr>
-        <p:spPr/>
+        <p:spPr>
+          <a:xfrm>
+            <a:off x="838200" y="365125"/>
+            <a:ext cx="10515600" cy="2203263"/>
+          </a:xfrm>
+        </p:spPr>
         <p:txBody>
           <a:bodyPr>
-            <a:normAutofit fontScale="90000"/>
+            <a:normAutofit/>
           </a:bodyPr>
           <a:lstStyle/>
           <a:p>
-            <a:pPr algn="ctr"/>
-            <a:r>
-              <a:rPr lang="en-US" sz="5400" dirty="0">
-                <a:latin typeface="Algerian" panose="04020705040A02060702" pitchFamily="82" charset="0"/>
-              </a:rPr>
-              <a:t>RELIABILITY</a:t>
-            </a:r>
-            <a:br>
-              <a:rPr lang="en-US" sz="5400" dirty="0">
-                <a:latin typeface="Algerian" panose="04020705040A02060702" pitchFamily="82" charset="0"/>
-              </a:rPr>
-            </a:br>
-            <a:endParaRPr lang="en-PH" sz="4000" dirty="0"/>
-          </a:p>
-        </p:txBody>
-      </p:sp>
-      <p:sp>
-        <p:nvSpPr>
-          <p:cNvPr id="3" name="Content Placeholder 2">
+            <a:r>
+              <a:rPr lang="en-PH" sz="5400" dirty="0">
+                <a:latin typeface="Algerian" panose="04020705040A02060702" pitchFamily="82" charset="0"/>
+              </a:rPr>
+              <a:t>CRITERIA OF GOOD NETWORK</a:t>
+            </a:r>
+            <a:endParaRPr lang="en-PH" sz="5400" dirty="0"/>
+          </a:p>
+        </p:txBody>
+      </p:sp>
+      <p:sp>
+        <p:nvSpPr>
+          <p:cNvPr id="6" name="Content Placeholder 5">
             <a:extLst>
               <a:ext uri="{FF2B5EF4-FFF2-40B4-BE49-F238E27FC236}">
-                <a16:creationId xmlns:a16="http://schemas.microsoft.com/office/drawing/2014/main" id="{CA53C618-2F46-94D8-47E2-B6A6F2C71E46}"/>
+                <a16:creationId xmlns:a16="http://schemas.microsoft.com/office/drawing/2014/main" id="{A2C8F711-1296-DCA3-CC99-DDB7F215C390}"/>
               </a:ext>
             </a:extLst>
           </p:cNvPr>
@@ -13722,41 +15121,60 @@
             <p:ph idx="1"/>
           </p:nvPr>
         </p:nvSpPr>
-        <p:spPr/>
+        <p:spPr>
+          <a:xfrm>
+            <a:off x="838200" y="2877671"/>
+            <a:ext cx="10515600" cy="3299292"/>
+          </a:xfrm>
+        </p:spPr>
         <p:txBody>
           <a:bodyPr/>
           <a:lstStyle/>
           <a:p>
-            <a:pPr marL="0" indent="0" algn="just" fontAlgn="base">
-              <a:buNone/>
+            <a:pPr>
+              <a:buFont typeface="Wingdings" panose="05000000000000000000" pitchFamily="2" charset="2"/>
+              <a:buChar char="v"/>
             </a:pPr>
             <a:r>
-              <a:rPr lang="en-US" sz="2800" b="0" i="0" dirty="0">
-                <a:effectLst/>
-                <a:latin typeface="Algerian" panose="04020705040A02060702" pitchFamily="82" charset="0"/>
-              </a:rPr>
-              <a:t>In the addition to accuracy is measured by frequency of failure, the time it takes a link to recover from failure, and the network’s robustness in catastrophe</a:t>
-            </a:r>
-            <a:r>
-              <a:rPr lang="en-US" sz="3200" b="0" i="0" dirty="0">
-                <a:effectLst/>
-                <a:latin typeface="Algerian" panose="04020705040A02060702" pitchFamily="82" charset="0"/>
-              </a:rPr>
-              <a:t>. </a:t>
-            </a:r>
-          </a:p>
-          <a:p>
-            <a:pPr marL="0" indent="0">
-              <a:buNone/>
+              <a:rPr lang="en-US" sz="3600" dirty="0">
+                <a:latin typeface="Algerian" panose="04020705040A02060702" pitchFamily="82" charset="0"/>
+              </a:rPr>
+              <a:t>PERFORMANCE</a:t>
+            </a:r>
+          </a:p>
+          <a:p>
+            <a:pPr>
+              <a:buFont typeface="Wingdings" panose="05000000000000000000" pitchFamily="2" charset="2"/>
+              <a:buChar char="v"/>
             </a:pPr>
-            <a:endParaRPr lang="en-PH" dirty="0"/>
+            <a:r>
+              <a:rPr lang="en-US" sz="3600" dirty="0">
+                <a:latin typeface="Algerian" panose="04020705040A02060702" pitchFamily="82" charset="0"/>
+              </a:rPr>
+              <a:t>RELIABILITY</a:t>
+            </a:r>
+          </a:p>
+          <a:p>
+            <a:pPr>
+              <a:buFont typeface="Wingdings" panose="05000000000000000000" pitchFamily="2" charset="2"/>
+              <a:buChar char="v"/>
+            </a:pPr>
+            <a:r>
+              <a:rPr lang="en-US" sz="3600" dirty="0">
+                <a:latin typeface="Algerian" panose="04020705040A02060702" pitchFamily="82" charset="0"/>
+              </a:rPr>
+              <a:t>SECURITY</a:t>
+            </a:r>
+            <a:endParaRPr lang="en-PH" dirty="0">
+              <a:latin typeface="Algerian" panose="04020705040A02060702" pitchFamily="82" charset="0"/>
+            </a:endParaRPr>
           </a:p>
         </p:txBody>
       </p:sp>
     </p:spTree>
     <p:extLst>
       <p:ext uri="{BB962C8B-B14F-4D97-AF65-F5344CB8AC3E}">
-        <p14:creationId xmlns:p14="http://schemas.microsoft.com/office/powerpoint/2010/main" val="1971749548"/>
+        <p14:creationId xmlns:p14="http://schemas.microsoft.com/office/powerpoint/2010/main" val="1027501102"/>
       </p:ext>
     </p:extLst>
   </p:cSld>
@@ -13788,7 +15206,7 @@
           <p:cNvPr id="2" name="Title 1">
             <a:extLst>
               <a:ext uri="{FF2B5EF4-FFF2-40B4-BE49-F238E27FC236}">
-                <a16:creationId xmlns:a16="http://schemas.microsoft.com/office/drawing/2014/main" id="{79676F58-11B8-86DF-F5CA-30F2533D571D}"/>
+                <a16:creationId xmlns:a16="http://schemas.microsoft.com/office/drawing/2014/main" id="{89B961EA-4713-0703-673F-4D41D8CCDFE1}"/>
               </a:ext>
             </a:extLst>
           </p:cNvPr>
@@ -13808,13 +15226,13 @@
           <a:p>
             <a:pPr algn="ctr"/>
             <a:r>
+              <a:rPr lang="en-US" sz="5300" dirty="0">
+                <a:latin typeface="Algerian" panose="04020705040A02060702" pitchFamily="82" charset="0"/>
+              </a:rPr>
+              <a:t>PERFORMANCE</a:t>
+            </a:r>
+            <a:br>
               <a:rPr lang="en-US" sz="4400" dirty="0">
-                <a:latin typeface="Algerian" panose="04020705040A02060702" pitchFamily="82" charset="0"/>
-              </a:rPr>
-              <a:t>SECURITY</a:t>
-            </a:r>
-            <a:br>
-              <a:rPr lang="en-PH" dirty="0">
                 <a:latin typeface="Algerian" panose="04020705040A02060702" pitchFamily="82" charset="0"/>
               </a:rPr>
             </a:br>
@@ -13824,24 +15242,29 @@
       </p:sp>
       <p:sp>
         <p:nvSpPr>
-          <p:cNvPr id="3" name="Content Placeholder 2">
+          <p:cNvPr id="5" name="TextBox 4">
             <a:extLst>
               <a:ext uri="{FF2B5EF4-FFF2-40B4-BE49-F238E27FC236}">
-                <a16:creationId xmlns:a16="http://schemas.microsoft.com/office/drawing/2014/main" id="{CDB75711-8026-1314-9DDA-D7B6727236F2}"/>
+                <a16:creationId xmlns:a16="http://schemas.microsoft.com/office/drawing/2014/main" id="{65077C25-E990-1C79-CB0B-DCF33CD290EC}"/>
               </a:ext>
             </a:extLst>
           </p:cNvPr>
-          <p:cNvSpPr>
-            <a:spLocks noGrp="1"/>
-          </p:cNvSpPr>
-          <p:nvPr>
-            <p:ph idx="1"/>
-          </p:nvPr>
-        </p:nvSpPr>
-        <p:spPr/>
-        <p:txBody>
-          <a:bodyPr>
-            <a:normAutofit/>
+          <p:cNvSpPr txBox="1"/>
+          <p:nvPr/>
+        </p:nvSpPr>
+        <p:spPr>
+          <a:xfrm>
+            <a:off x="1398494" y="2901460"/>
+            <a:ext cx="9130553" cy="2677656"/>
+          </a:xfrm>
+          <a:prstGeom prst="rect">
+            <a:avLst/>
+          </a:prstGeom>
+          <a:noFill/>
+        </p:spPr>
+        <p:txBody>
+          <a:bodyPr wrap="square">
+            <a:spAutoFit/>
           </a:bodyPr>
           <a:lstStyle/>
           <a:p>
@@ -13850,7 +15273,7 @@
                 <a:effectLst/>
                 <a:latin typeface="Algerian" panose="04020705040A02060702" pitchFamily="82" charset="0"/>
               </a:rPr>
-              <a:t>Network security issues include protecting data from unauthorized access, protecting data from damage and development, and implementing policies and procedures for recovery from breaches and data loss.  </a:t>
+              <a:t>It can be measured in many ways, including transmit time and response time. Transit time is the amount of time required for a message to travel from one device to another. Response time is the elapsed time between an inquiry and a response. The performance of the network depends on a number of factors, including the number of users, the type of medium &amp; hardware</a:t>
             </a:r>
             <a:endParaRPr lang="en-PH" sz="2400" dirty="0">
               <a:latin typeface="Algerian" panose="04020705040A02060702" pitchFamily="82" charset="0"/>
@@ -13861,7 +15284,7 @@
     </p:spTree>
     <p:extLst>
       <p:ext uri="{BB962C8B-B14F-4D97-AF65-F5344CB8AC3E}">
-        <p14:creationId xmlns:p14="http://schemas.microsoft.com/office/powerpoint/2010/main" val="1401637918"/>
+        <p14:creationId xmlns:p14="http://schemas.microsoft.com/office/powerpoint/2010/main" val="109278417"/>
       </p:ext>
     </p:extLst>
   </p:cSld>
